--- a/docs/articles/base_example.pptx
+++ b/docs/articles/base_example.pptx
@@ -5,8 +5,8 @@
     <p:sldMasterId id="2147483648" r:id="rId1"/>
   </p:sldMasterIdLst>
   <p:sldIdLst>
-    <p:sldId id="77729342" r:id="rId6"/>
-    <p:sldId id="1348086849" r:id="rId7"/>
+    <p:sldId id="1892683102" r:id="rId6"/>
+    <p:sldId id="1931659617" r:id="rId7"/>
   </p:sldIdLst>
   <p:sldSz cx="12192000" cy="6858000"/>
   <p:notesSz cx="6858000" cy="9144000"/>
@@ -2844,9 +2844,9 @@
                               <a:alpha val="100000"/>
                             </a:srgbClr>
                           </a:solidFill>
-                          <a:latin typeface="Helvetica"/>
-                          <a:ea typeface="Helvetica"/>
-                          <a:cs typeface="Helvetica"/>
+                          <a:latin typeface="Times New Roman"/>
+                          <a:ea typeface="Times New Roman"/>
+                          <a:cs typeface="Times New Roman"/>
                         </a:rPr>
                         <a:t>Sepal.Length</a:t>
                       </a:r>
@@ -2911,9 +2911,9 @@
                               <a:alpha val="100000"/>
                             </a:srgbClr>
                           </a:solidFill>
-                          <a:latin typeface="Helvetica"/>
-                          <a:ea typeface="Helvetica"/>
-                          <a:cs typeface="Helvetica"/>
+                          <a:latin typeface="Times New Roman"/>
+                          <a:ea typeface="Times New Roman"/>
+                          <a:cs typeface="Times New Roman"/>
                         </a:rPr>
                         <a:t>Sepal.Width</a:t>
                       </a:r>
@@ -2978,9 +2978,9 @@
                               <a:alpha val="100000"/>
                             </a:srgbClr>
                           </a:solidFill>
-                          <a:latin typeface="Helvetica"/>
-                          <a:ea typeface="Helvetica"/>
-                          <a:cs typeface="Helvetica"/>
+                          <a:latin typeface="Times New Roman"/>
+                          <a:ea typeface="Times New Roman"/>
+                          <a:cs typeface="Times New Roman"/>
                         </a:rPr>
                         <a:t>Petal.Length</a:t>
                       </a:r>
@@ -3045,9 +3045,9 @@
                               <a:alpha val="100000"/>
                             </a:srgbClr>
                           </a:solidFill>
-                          <a:latin typeface="Helvetica"/>
-                          <a:ea typeface="Helvetica"/>
-                          <a:cs typeface="Helvetica"/>
+                          <a:latin typeface="Times New Roman"/>
+                          <a:ea typeface="Times New Roman"/>
+                          <a:cs typeface="Times New Roman"/>
                         </a:rPr>
                         <a:t>Petal.Width</a:t>
                       </a:r>
@@ -3112,9 +3112,9 @@
                               <a:alpha val="100000"/>
                             </a:srgbClr>
                           </a:solidFill>
-                          <a:latin typeface="Helvetica"/>
-                          <a:ea typeface="Helvetica"/>
-                          <a:cs typeface="Helvetica"/>
+                          <a:latin typeface="Times New Roman"/>
+                          <a:ea typeface="Times New Roman"/>
+                          <a:cs typeface="Times New Roman"/>
                         </a:rPr>
                         <a:t>Species</a:t>
                       </a:r>
@@ -3181,9 +3181,9 @@
                               <a:alpha val="100000"/>
                             </a:srgbClr>
                           </a:solidFill>
-                          <a:latin typeface="Helvetica"/>
-                          <a:ea typeface="Helvetica"/>
-                          <a:cs typeface="Helvetica"/>
+                          <a:latin typeface="Times New Roman"/>
+                          <a:ea typeface="Times New Roman"/>
+                          <a:cs typeface="Times New Roman"/>
                         </a:rPr>
                         <a:t/>
                       </a:r>
@@ -3194,9 +3194,9 @@
                               <a:alpha val="100000"/>
                             </a:srgbClr>
                           </a:solidFill>
-                          <a:latin typeface="Helvetica"/>
-                          <a:ea typeface="Helvetica"/>
-                          <a:cs typeface="Helvetica"/>
+                          <a:latin typeface="Times New Roman"/>
+                          <a:ea typeface="Times New Roman"/>
+                          <a:cs typeface="Times New Roman"/>
                         </a:rPr>
                         <a:t>5.1</a:t>
                       </a:r>
@@ -3260,9 +3260,9 @@
                               <a:alpha val="100000"/>
                             </a:srgbClr>
                           </a:solidFill>
-                          <a:latin typeface="Helvetica"/>
-                          <a:ea typeface="Helvetica"/>
-                          <a:cs typeface="Helvetica"/>
+                          <a:latin typeface="Times New Roman"/>
+                          <a:ea typeface="Times New Roman"/>
+                          <a:cs typeface="Times New Roman"/>
                         </a:rPr>
                         <a:t/>
                       </a:r>
@@ -3273,9 +3273,9 @@
                               <a:alpha val="100000"/>
                             </a:srgbClr>
                           </a:solidFill>
-                          <a:latin typeface="Helvetica"/>
-                          <a:ea typeface="Helvetica"/>
-                          <a:cs typeface="Helvetica"/>
+                          <a:latin typeface="Times New Roman"/>
+                          <a:ea typeface="Times New Roman"/>
+                          <a:cs typeface="Times New Roman"/>
                         </a:rPr>
                         <a:t>3.5</a:t>
                       </a:r>
@@ -3339,9 +3339,9 @@
                               <a:alpha val="100000"/>
                             </a:srgbClr>
                           </a:solidFill>
-                          <a:latin typeface="Helvetica"/>
-                          <a:ea typeface="Helvetica"/>
-                          <a:cs typeface="Helvetica"/>
+                          <a:latin typeface="Times New Roman"/>
+                          <a:ea typeface="Times New Roman"/>
+                          <a:cs typeface="Times New Roman"/>
                         </a:rPr>
                         <a:t/>
                       </a:r>
@@ -3352,9 +3352,9 @@
                               <a:alpha val="100000"/>
                             </a:srgbClr>
                           </a:solidFill>
-                          <a:latin typeface="Helvetica"/>
-                          <a:ea typeface="Helvetica"/>
-                          <a:cs typeface="Helvetica"/>
+                          <a:latin typeface="Times New Roman"/>
+                          <a:ea typeface="Times New Roman"/>
+                          <a:cs typeface="Times New Roman"/>
                         </a:rPr>
                         <a:t>1.4</a:t>
                       </a:r>
@@ -3418,9 +3418,9 @@
                               <a:alpha val="100000"/>
                             </a:srgbClr>
                           </a:solidFill>
-                          <a:latin typeface="Helvetica"/>
-                          <a:ea typeface="Helvetica"/>
-                          <a:cs typeface="Helvetica"/>
+                          <a:latin typeface="Times New Roman"/>
+                          <a:ea typeface="Times New Roman"/>
+                          <a:cs typeface="Times New Roman"/>
                         </a:rPr>
                         <a:t/>
                       </a:r>
@@ -3431,9 +3431,9 @@
                               <a:alpha val="100000"/>
                             </a:srgbClr>
                           </a:solidFill>
-                          <a:latin typeface="Helvetica"/>
-                          <a:ea typeface="Helvetica"/>
-                          <a:cs typeface="Helvetica"/>
+                          <a:latin typeface="Times New Roman"/>
+                          <a:ea typeface="Times New Roman"/>
+                          <a:cs typeface="Times New Roman"/>
                         </a:rPr>
                         <a:t>0.2</a:t>
                       </a:r>
@@ -3497,9 +3497,9 @@
                               <a:alpha val="100000"/>
                             </a:srgbClr>
                           </a:solidFill>
-                          <a:latin typeface="Helvetica"/>
-                          <a:ea typeface="Helvetica"/>
-                          <a:cs typeface="Helvetica"/>
+                          <a:latin typeface="Times New Roman"/>
+                          <a:ea typeface="Times New Roman"/>
+                          <a:cs typeface="Times New Roman"/>
                         </a:rPr>
                         <a:t/>
                       </a:r>
@@ -3510,9 +3510,9 @@
                               <a:alpha val="100000"/>
                             </a:srgbClr>
                           </a:solidFill>
-                          <a:latin typeface="Helvetica"/>
-                          <a:ea typeface="Helvetica"/>
-                          <a:cs typeface="Helvetica"/>
+                          <a:latin typeface="Times New Roman"/>
+                          <a:ea typeface="Times New Roman"/>
+                          <a:cs typeface="Times New Roman"/>
                         </a:rPr>
                         <a:t>setosa</a:t>
                       </a:r>
@@ -3578,9 +3578,9 @@
                               <a:alpha val="100000"/>
                             </a:srgbClr>
                           </a:solidFill>
-                          <a:latin typeface="Helvetica"/>
-                          <a:ea typeface="Helvetica"/>
-                          <a:cs typeface="Helvetica"/>
+                          <a:latin typeface="Times New Roman"/>
+                          <a:ea typeface="Times New Roman"/>
+                          <a:cs typeface="Times New Roman"/>
                         </a:rPr>
                         <a:t/>
                       </a:r>
@@ -3591,9 +3591,9 @@
                               <a:alpha val="100000"/>
                             </a:srgbClr>
                           </a:solidFill>
-                          <a:latin typeface="Helvetica"/>
-                          <a:ea typeface="Helvetica"/>
-                          <a:cs typeface="Helvetica"/>
+                          <a:latin typeface="Times New Roman"/>
+                          <a:ea typeface="Times New Roman"/>
+                          <a:cs typeface="Times New Roman"/>
                         </a:rPr>
                         <a:t>4.9</a:t>
                       </a:r>
@@ -3656,9 +3656,9 @@
                               <a:alpha val="100000"/>
                             </a:srgbClr>
                           </a:solidFill>
-                          <a:latin typeface="Helvetica"/>
-                          <a:ea typeface="Helvetica"/>
-                          <a:cs typeface="Helvetica"/>
+                          <a:latin typeface="Times New Roman"/>
+                          <a:ea typeface="Times New Roman"/>
+                          <a:cs typeface="Times New Roman"/>
                         </a:rPr>
                         <a:t/>
                       </a:r>
@@ -3669,9 +3669,9 @@
                               <a:alpha val="100000"/>
                             </a:srgbClr>
                           </a:solidFill>
-                          <a:latin typeface="Helvetica"/>
-                          <a:ea typeface="Helvetica"/>
-                          <a:cs typeface="Helvetica"/>
+                          <a:latin typeface="Times New Roman"/>
+                          <a:ea typeface="Times New Roman"/>
+                          <a:cs typeface="Times New Roman"/>
                         </a:rPr>
                         <a:t>3.0</a:t>
                       </a:r>
@@ -3734,9 +3734,9 @@
                               <a:alpha val="100000"/>
                             </a:srgbClr>
                           </a:solidFill>
-                          <a:latin typeface="Helvetica"/>
-                          <a:ea typeface="Helvetica"/>
-                          <a:cs typeface="Helvetica"/>
+                          <a:latin typeface="Times New Roman"/>
+                          <a:ea typeface="Times New Roman"/>
+                          <a:cs typeface="Times New Roman"/>
                         </a:rPr>
                         <a:t/>
                       </a:r>
@@ -3747,9 +3747,9 @@
                               <a:alpha val="100000"/>
                             </a:srgbClr>
                           </a:solidFill>
-                          <a:latin typeface="Helvetica"/>
-                          <a:ea typeface="Helvetica"/>
-                          <a:cs typeface="Helvetica"/>
+                          <a:latin typeface="Times New Roman"/>
+                          <a:ea typeface="Times New Roman"/>
+                          <a:cs typeface="Times New Roman"/>
                         </a:rPr>
                         <a:t>1.4</a:t>
                       </a:r>
@@ -3812,9 +3812,9 @@
                               <a:alpha val="100000"/>
                             </a:srgbClr>
                           </a:solidFill>
-                          <a:latin typeface="Helvetica"/>
-                          <a:ea typeface="Helvetica"/>
-                          <a:cs typeface="Helvetica"/>
+                          <a:latin typeface="Times New Roman"/>
+                          <a:ea typeface="Times New Roman"/>
+                          <a:cs typeface="Times New Roman"/>
                         </a:rPr>
                         <a:t/>
                       </a:r>
@@ -3825,9 +3825,9 @@
                               <a:alpha val="100000"/>
                             </a:srgbClr>
                           </a:solidFill>
-                          <a:latin typeface="Helvetica"/>
-                          <a:ea typeface="Helvetica"/>
-                          <a:cs typeface="Helvetica"/>
+                          <a:latin typeface="Times New Roman"/>
+                          <a:ea typeface="Times New Roman"/>
+                          <a:cs typeface="Times New Roman"/>
                         </a:rPr>
                         <a:t>0.2</a:t>
                       </a:r>
@@ -3890,9 +3890,9 @@
                               <a:alpha val="100000"/>
                             </a:srgbClr>
                           </a:solidFill>
-                          <a:latin typeface="Helvetica"/>
-                          <a:ea typeface="Helvetica"/>
-                          <a:cs typeface="Helvetica"/>
+                          <a:latin typeface="Times New Roman"/>
+                          <a:ea typeface="Times New Roman"/>
+                          <a:cs typeface="Times New Roman"/>
                         </a:rPr>
                         <a:t/>
                       </a:r>
@@ -3903,9 +3903,9 @@
                               <a:alpha val="100000"/>
                             </a:srgbClr>
                           </a:solidFill>
-                          <a:latin typeface="Helvetica"/>
-                          <a:ea typeface="Helvetica"/>
-                          <a:cs typeface="Helvetica"/>
+                          <a:latin typeface="Times New Roman"/>
+                          <a:ea typeface="Times New Roman"/>
+                          <a:cs typeface="Times New Roman"/>
                         </a:rPr>
                         <a:t>setosa</a:t>
                       </a:r>
@@ -3970,9 +3970,9 @@
                               <a:alpha val="100000"/>
                             </a:srgbClr>
                           </a:solidFill>
-                          <a:latin typeface="Helvetica"/>
-                          <a:ea typeface="Helvetica"/>
-                          <a:cs typeface="Helvetica"/>
+                          <a:latin typeface="Times New Roman"/>
+                          <a:ea typeface="Times New Roman"/>
+                          <a:cs typeface="Times New Roman"/>
                         </a:rPr>
                         <a:t/>
                       </a:r>
@@ -3983,9 +3983,9 @@
                               <a:alpha val="100000"/>
                             </a:srgbClr>
                           </a:solidFill>
-                          <a:latin typeface="Helvetica"/>
-                          <a:ea typeface="Helvetica"/>
-                          <a:cs typeface="Helvetica"/>
+                          <a:latin typeface="Times New Roman"/>
+                          <a:ea typeface="Times New Roman"/>
+                          <a:cs typeface="Times New Roman"/>
                         </a:rPr>
                         <a:t>4.7</a:t>
                       </a:r>
@@ -4048,9 +4048,9 @@
                               <a:alpha val="100000"/>
                             </a:srgbClr>
                           </a:solidFill>
-                          <a:latin typeface="Helvetica"/>
-                          <a:ea typeface="Helvetica"/>
-                          <a:cs typeface="Helvetica"/>
+                          <a:latin typeface="Times New Roman"/>
+                          <a:ea typeface="Times New Roman"/>
+                          <a:cs typeface="Times New Roman"/>
                         </a:rPr>
                         <a:t/>
                       </a:r>
@@ -4061,9 +4061,9 @@
                               <a:alpha val="100000"/>
                             </a:srgbClr>
                           </a:solidFill>
-                          <a:latin typeface="Helvetica"/>
-                          <a:ea typeface="Helvetica"/>
-                          <a:cs typeface="Helvetica"/>
+                          <a:latin typeface="Times New Roman"/>
+                          <a:ea typeface="Times New Roman"/>
+                          <a:cs typeface="Times New Roman"/>
                         </a:rPr>
                         <a:t>3.2</a:t>
                       </a:r>
@@ -4126,9 +4126,9 @@
                               <a:alpha val="100000"/>
                             </a:srgbClr>
                           </a:solidFill>
-                          <a:latin typeface="Helvetica"/>
-                          <a:ea typeface="Helvetica"/>
-                          <a:cs typeface="Helvetica"/>
+                          <a:latin typeface="Times New Roman"/>
+                          <a:ea typeface="Times New Roman"/>
+                          <a:cs typeface="Times New Roman"/>
                         </a:rPr>
                         <a:t/>
                       </a:r>
@@ -4139,9 +4139,9 @@
                               <a:alpha val="100000"/>
                             </a:srgbClr>
                           </a:solidFill>
-                          <a:latin typeface="Helvetica"/>
-                          <a:ea typeface="Helvetica"/>
-                          <a:cs typeface="Helvetica"/>
+                          <a:latin typeface="Times New Roman"/>
+                          <a:ea typeface="Times New Roman"/>
+                          <a:cs typeface="Times New Roman"/>
                         </a:rPr>
                         <a:t>1.3</a:t>
                       </a:r>
@@ -4204,9 +4204,9 @@
                               <a:alpha val="100000"/>
                             </a:srgbClr>
                           </a:solidFill>
-                          <a:latin typeface="Helvetica"/>
-                          <a:ea typeface="Helvetica"/>
-                          <a:cs typeface="Helvetica"/>
+                          <a:latin typeface="Times New Roman"/>
+                          <a:ea typeface="Times New Roman"/>
+                          <a:cs typeface="Times New Roman"/>
                         </a:rPr>
                         <a:t/>
                       </a:r>
@@ -4217,9 +4217,9 @@
                               <a:alpha val="100000"/>
                             </a:srgbClr>
                           </a:solidFill>
-                          <a:latin typeface="Helvetica"/>
-                          <a:ea typeface="Helvetica"/>
-                          <a:cs typeface="Helvetica"/>
+                          <a:latin typeface="Times New Roman"/>
+                          <a:ea typeface="Times New Roman"/>
+                          <a:cs typeface="Times New Roman"/>
                         </a:rPr>
                         <a:t>0.2</a:t>
                       </a:r>
@@ -4282,9 +4282,9 @@
                               <a:alpha val="100000"/>
                             </a:srgbClr>
                           </a:solidFill>
-                          <a:latin typeface="Helvetica"/>
-                          <a:ea typeface="Helvetica"/>
-                          <a:cs typeface="Helvetica"/>
+                          <a:latin typeface="Times New Roman"/>
+                          <a:ea typeface="Times New Roman"/>
+                          <a:cs typeface="Times New Roman"/>
                         </a:rPr>
                         <a:t/>
                       </a:r>
@@ -4295,9 +4295,9 @@
                               <a:alpha val="100000"/>
                             </a:srgbClr>
                           </a:solidFill>
-                          <a:latin typeface="Helvetica"/>
-                          <a:ea typeface="Helvetica"/>
-                          <a:cs typeface="Helvetica"/>
+                          <a:latin typeface="Times New Roman"/>
+                          <a:ea typeface="Times New Roman"/>
+                          <a:cs typeface="Times New Roman"/>
                         </a:rPr>
                         <a:t>setosa</a:t>
                       </a:r>
@@ -4362,9 +4362,9 @@
                               <a:alpha val="100000"/>
                             </a:srgbClr>
                           </a:solidFill>
-                          <a:latin typeface="Helvetica"/>
-                          <a:ea typeface="Helvetica"/>
-                          <a:cs typeface="Helvetica"/>
+                          <a:latin typeface="Times New Roman"/>
+                          <a:ea typeface="Times New Roman"/>
+                          <a:cs typeface="Times New Roman"/>
                         </a:rPr>
                         <a:t/>
                       </a:r>
@@ -4375,9 +4375,9 @@
                               <a:alpha val="100000"/>
                             </a:srgbClr>
                           </a:solidFill>
-                          <a:latin typeface="Helvetica"/>
-                          <a:ea typeface="Helvetica"/>
-                          <a:cs typeface="Helvetica"/>
+                          <a:latin typeface="Times New Roman"/>
+                          <a:ea typeface="Times New Roman"/>
+                          <a:cs typeface="Times New Roman"/>
                         </a:rPr>
                         <a:t>4.6</a:t>
                       </a:r>
@@ -4440,9 +4440,9 @@
                               <a:alpha val="100000"/>
                             </a:srgbClr>
                           </a:solidFill>
-                          <a:latin typeface="Helvetica"/>
-                          <a:ea typeface="Helvetica"/>
-                          <a:cs typeface="Helvetica"/>
+                          <a:latin typeface="Times New Roman"/>
+                          <a:ea typeface="Times New Roman"/>
+                          <a:cs typeface="Times New Roman"/>
                         </a:rPr>
                         <a:t/>
                       </a:r>
@@ -4453,9 +4453,9 @@
                               <a:alpha val="100000"/>
                             </a:srgbClr>
                           </a:solidFill>
-                          <a:latin typeface="Helvetica"/>
-                          <a:ea typeface="Helvetica"/>
-                          <a:cs typeface="Helvetica"/>
+                          <a:latin typeface="Times New Roman"/>
+                          <a:ea typeface="Times New Roman"/>
+                          <a:cs typeface="Times New Roman"/>
                         </a:rPr>
                         <a:t>3.1</a:t>
                       </a:r>
@@ -4518,9 +4518,9 @@
                               <a:alpha val="100000"/>
                             </a:srgbClr>
                           </a:solidFill>
-                          <a:latin typeface="Helvetica"/>
-                          <a:ea typeface="Helvetica"/>
-                          <a:cs typeface="Helvetica"/>
+                          <a:latin typeface="Times New Roman"/>
+                          <a:ea typeface="Times New Roman"/>
+                          <a:cs typeface="Times New Roman"/>
                         </a:rPr>
                         <a:t/>
                       </a:r>
@@ -4531,9 +4531,9 @@
                               <a:alpha val="100000"/>
                             </a:srgbClr>
                           </a:solidFill>
-                          <a:latin typeface="Helvetica"/>
-                          <a:ea typeface="Helvetica"/>
-                          <a:cs typeface="Helvetica"/>
+                          <a:latin typeface="Times New Roman"/>
+                          <a:ea typeface="Times New Roman"/>
+                          <a:cs typeface="Times New Roman"/>
                         </a:rPr>
                         <a:t>1.5</a:t>
                       </a:r>
@@ -4596,9 +4596,9 @@
                               <a:alpha val="100000"/>
                             </a:srgbClr>
                           </a:solidFill>
-                          <a:latin typeface="Helvetica"/>
-                          <a:ea typeface="Helvetica"/>
-                          <a:cs typeface="Helvetica"/>
+                          <a:latin typeface="Times New Roman"/>
+                          <a:ea typeface="Times New Roman"/>
+                          <a:cs typeface="Times New Roman"/>
                         </a:rPr>
                         <a:t/>
                       </a:r>
@@ -4609,9 +4609,9 @@
                               <a:alpha val="100000"/>
                             </a:srgbClr>
                           </a:solidFill>
-                          <a:latin typeface="Helvetica"/>
-                          <a:ea typeface="Helvetica"/>
-                          <a:cs typeface="Helvetica"/>
+                          <a:latin typeface="Times New Roman"/>
+                          <a:ea typeface="Times New Roman"/>
+                          <a:cs typeface="Times New Roman"/>
                         </a:rPr>
                         <a:t>0.2</a:t>
                       </a:r>
@@ -4674,9 +4674,9 @@
                               <a:alpha val="100000"/>
                             </a:srgbClr>
                           </a:solidFill>
-                          <a:latin typeface="Helvetica"/>
-                          <a:ea typeface="Helvetica"/>
-                          <a:cs typeface="Helvetica"/>
+                          <a:latin typeface="Times New Roman"/>
+                          <a:ea typeface="Times New Roman"/>
+                          <a:cs typeface="Times New Roman"/>
                         </a:rPr>
                         <a:t/>
                       </a:r>
@@ -4687,9 +4687,9 @@
                               <a:alpha val="100000"/>
                             </a:srgbClr>
                           </a:solidFill>
-                          <a:latin typeface="Helvetica"/>
-                          <a:ea typeface="Helvetica"/>
-                          <a:cs typeface="Helvetica"/>
+                          <a:latin typeface="Times New Roman"/>
+                          <a:ea typeface="Times New Roman"/>
+                          <a:cs typeface="Times New Roman"/>
                         </a:rPr>
                         <a:t>setosa</a:t>
                       </a:r>
@@ -4754,9 +4754,9 @@
                               <a:alpha val="100000"/>
                             </a:srgbClr>
                           </a:solidFill>
-                          <a:latin typeface="Helvetica"/>
-                          <a:ea typeface="Helvetica"/>
-                          <a:cs typeface="Helvetica"/>
+                          <a:latin typeface="Times New Roman"/>
+                          <a:ea typeface="Times New Roman"/>
+                          <a:cs typeface="Times New Roman"/>
                         </a:rPr>
                         <a:t/>
                       </a:r>
@@ -4767,9 +4767,9 @@
                               <a:alpha val="100000"/>
                             </a:srgbClr>
                           </a:solidFill>
-                          <a:latin typeface="Helvetica"/>
-                          <a:ea typeface="Helvetica"/>
-                          <a:cs typeface="Helvetica"/>
+                          <a:latin typeface="Times New Roman"/>
+                          <a:ea typeface="Times New Roman"/>
+                          <a:cs typeface="Times New Roman"/>
                         </a:rPr>
                         <a:t>5.0</a:t>
                       </a:r>
@@ -4832,9 +4832,9 @@
                               <a:alpha val="100000"/>
                             </a:srgbClr>
                           </a:solidFill>
-                          <a:latin typeface="Helvetica"/>
-                          <a:ea typeface="Helvetica"/>
-                          <a:cs typeface="Helvetica"/>
+                          <a:latin typeface="Times New Roman"/>
+                          <a:ea typeface="Times New Roman"/>
+                          <a:cs typeface="Times New Roman"/>
                         </a:rPr>
                         <a:t/>
                       </a:r>
@@ -4845,9 +4845,9 @@
                               <a:alpha val="100000"/>
                             </a:srgbClr>
                           </a:solidFill>
-                          <a:latin typeface="Helvetica"/>
-                          <a:ea typeface="Helvetica"/>
-                          <a:cs typeface="Helvetica"/>
+                          <a:latin typeface="Times New Roman"/>
+                          <a:ea typeface="Times New Roman"/>
+                          <a:cs typeface="Times New Roman"/>
                         </a:rPr>
                         <a:t>3.6</a:t>
                       </a:r>
@@ -4910,9 +4910,9 @@
                               <a:alpha val="100000"/>
                             </a:srgbClr>
                           </a:solidFill>
-                          <a:latin typeface="Helvetica"/>
-                          <a:ea typeface="Helvetica"/>
-                          <a:cs typeface="Helvetica"/>
+                          <a:latin typeface="Times New Roman"/>
+                          <a:ea typeface="Times New Roman"/>
+                          <a:cs typeface="Times New Roman"/>
                         </a:rPr>
                         <a:t/>
                       </a:r>
@@ -4923,9 +4923,9 @@
                               <a:alpha val="100000"/>
                             </a:srgbClr>
                           </a:solidFill>
-                          <a:latin typeface="Helvetica"/>
-                          <a:ea typeface="Helvetica"/>
-                          <a:cs typeface="Helvetica"/>
+                          <a:latin typeface="Times New Roman"/>
+                          <a:ea typeface="Times New Roman"/>
+                          <a:cs typeface="Times New Roman"/>
                         </a:rPr>
                         <a:t>1.4</a:t>
                       </a:r>
@@ -4988,9 +4988,9 @@
                               <a:alpha val="100000"/>
                             </a:srgbClr>
                           </a:solidFill>
-                          <a:latin typeface="Helvetica"/>
-                          <a:ea typeface="Helvetica"/>
-                          <a:cs typeface="Helvetica"/>
+                          <a:latin typeface="Times New Roman"/>
+                          <a:ea typeface="Times New Roman"/>
+                          <a:cs typeface="Times New Roman"/>
                         </a:rPr>
                         <a:t/>
                       </a:r>
@@ -5001,9 +5001,9 @@
                               <a:alpha val="100000"/>
                             </a:srgbClr>
                           </a:solidFill>
-                          <a:latin typeface="Helvetica"/>
-                          <a:ea typeface="Helvetica"/>
-                          <a:cs typeface="Helvetica"/>
+                          <a:latin typeface="Times New Roman"/>
+                          <a:ea typeface="Times New Roman"/>
+                          <a:cs typeface="Times New Roman"/>
                         </a:rPr>
                         <a:t>0.2</a:t>
                       </a:r>
@@ -5066,9 +5066,9 @@
                               <a:alpha val="100000"/>
                             </a:srgbClr>
                           </a:solidFill>
-                          <a:latin typeface="Helvetica"/>
-                          <a:ea typeface="Helvetica"/>
-                          <a:cs typeface="Helvetica"/>
+                          <a:latin typeface="Times New Roman"/>
+                          <a:ea typeface="Times New Roman"/>
+                          <a:cs typeface="Times New Roman"/>
                         </a:rPr>
                         <a:t/>
                       </a:r>
@@ -5079,9 +5079,9 @@
                               <a:alpha val="100000"/>
                             </a:srgbClr>
                           </a:solidFill>
-                          <a:latin typeface="Helvetica"/>
-                          <a:ea typeface="Helvetica"/>
-                          <a:cs typeface="Helvetica"/>
+                          <a:latin typeface="Times New Roman"/>
+                          <a:ea typeface="Times New Roman"/>
+                          <a:cs typeface="Times New Roman"/>
                         </a:rPr>
                         <a:t>setosa</a:t>
                       </a:r>
@@ -5146,9 +5146,9 @@
                               <a:alpha val="100000"/>
                             </a:srgbClr>
                           </a:solidFill>
-                          <a:latin typeface="Helvetica"/>
-                          <a:ea typeface="Helvetica"/>
-                          <a:cs typeface="Helvetica"/>
+                          <a:latin typeface="Times New Roman"/>
+                          <a:ea typeface="Times New Roman"/>
+                          <a:cs typeface="Times New Roman"/>
                         </a:rPr>
                         <a:t/>
                       </a:r>
@@ -5159,9 +5159,9 @@
                               <a:alpha val="100000"/>
                             </a:srgbClr>
                           </a:solidFill>
-                          <a:latin typeface="Helvetica"/>
-                          <a:ea typeface="Helvetica"/>
-                          <a:cs typeface="Helvetica"/>
+                          <a:latin typeface="Times New Roman"/>
+                          <a:ea typeface="Times New Roman"/>
+                          <a:cs typeface="Times New Roman"/>
                         </a:rPr>
                         <a:t>5.4</a:t>
                       </a:r>
@@ -5224,9 +5224,9 @@
                               <a:alpha val="100000"/>
                             </a:srgbClr>
                           </a:solidFill>
-                          <a:latin typeface="Helvetica"/>
-                          <a:ea typeface="Helvetica"/>
-                          <a:cs typeface="Helvetica"/>
+                          <a:latin typeface="Times New Roman"/>
+                          <a:ea typeface="Times New Roman"/>
+                          <a:cs typeface="Times New Roman"/>
                         </a:rPr>
                         <a:t/>
                       </a:r>
@@ -5237,9 +5237,9 @@
                               <a:alpha val="100000"/>
                             </a:srgbClr>
                           </a:solidFill>
-                          <a:latin typeface="Helvetica"/>
-                          <a:ea typeface="Helvetica"/>
-                          <a:cs typeface="Helvetica"/>
+                          <a:latin typeface="Times New Roman"/>
+                          <a:ea typeface="Times New Roman"/>
+                          <a:cs typeface="Times New Roman"/>
                         </a:rPr>
                         <a:t>3.9</a:t>
                       </a:r>
@@ -5302,9 +5302,9 @@
                               <a:alpha val="100000"/>
                             </a:srgbClr>
                           </a:solidFill>
-                          <a:latin typeface="Helvetica"/>
-                          <a:ea typeface="Helvetica"/>
-                          <a:cs typeface="Helvetica"/>
+                          <a:latin typeface="Times New Roman"/>
+                          <a:ea typeface="Times New Roman"/>
+                          <a:cs typeface="Times New Roman"/>
                         </a:rPr>
                         <a:t/>
                       </a:r>
@@ -5315,9 +5315,9 @@
                               <a:alpha val="100000"/>
                             </a:srgbClr>
                           </a:solidFill>
-                          <a:latin typeface="Helvetica"/>
-                          <a:ea typeface="Helvetica"/>
-                          <a:cs typeface="Helvetica"/>
+                          <a:latin typeface="Times New Roman"/>
+                          <a:ea typeface="Times New Roman"/>
+                          <a:cs typeface="Times New Roman"/>
                         </a:rPr>
                         <a:t>1.7</a:t>
                       </a:r>
@@ -5380,9 +5380,9 @@
                               <a:alpha val="100000"/>
                             </a:srgbClr>
                           </a:solidFill>
-                          <a:latin typeface="Helvetica"/>
-                          <a:ea typeface="Helvetica"/>
-                          <a:cs typeface="Helvetica"/>
+                          <a:latin typeface="Times New Roman"/>
+                          <a:ea typeface="Times New Roman"/>
+                          <a:cs typeface="Times New Roman"/>
                         </a:rPr>
                         <a:t/>
                       </a:r>
@@ -5393,9 +5393,9 @@
                               <a:alpha val="100000"/>
                             </a:srgbClr>
                           </a:solidFill>
-                          <a:latin typeface="Helvetica"/>
-                          <a:ea typeface="Helvetica"/>
-                          <a:cs typeface="Helvetica"/>
+                          <a:latin typeface="Times New Roman"/>
+                          <a:ea typeface="Times New Roman"/>
+                          <a:cs typeface="Times New Roman"/>
                         </a:rPr>
                         <a:t>0.4</a:t>
                       </a:r>
@@ -5458,9 +5458,9 @@
                               <a:alpha val="100000"/>
                             </a:srgbClr>
                           </a:solidFill>
-                          <a:latin typeface="Helvetica"/>
-                          <a:ea typeface="Helvetica"/>
-                          <a:cs typeface="Helvetica"/>
+                          <a:latin typeface="Times New Roman"/>
+                          <a:ea typeface="Times New Roman"/>
+                          <a:cs typeface="Times New Roman"/>
                         </a:rPr>
                         <a:t/>
                       </a:r>
@@ -5471,9 +5471,9 @@
                               <a:alpha val="100000"/>
                             </a:srgbClr>
                           </a:solidFill>
-                          <a:latin typeface="Helvetica"/>
-                          <a:ea typeface="Helvetica"/>
-                          <a:cs typeface="Helvetica"/>
+                          <a:latin typeface="Times New Roman"/>
+                          <a:ea typeface="Times New Roman"/>
+                          <a:cs typeface="Times New Roman"/>
                         </a:rPr>
                         <a:t>setosa</a:t>
                       </a:r>
@@ -5538,9 +5538,9 @@
                               <a:alpha val="100000"/>
                             </a:srgbClr>
                           </a:solidFill>
-                          <a:latin typeface="Helvetica"/>
-                          <a:ea typeface="Helvetica"/>
-                          <a:cs typeface="Helvetica"/>
+                          <a:latin typeface="Times New Roman"/>
+                          <a:ea typeface="Times New Roman"/>
+                          <a:cs typeface="Times New Roman"/>
                         </a:rPr>
                         <a:t/>
                       </a:r>
@@ -5551,9 +5551,9 @@
                               <a:alpha val="100000"/>
                             </a:srgbClr>
                           </a:solidFill>
-                          <a:latin typeface="Helvetica"/>
-                          <a:ea typeface="Helvetica"/>
-                          <a:cs typeface="Helvetica"/>
+                          <a:latin typeface="Times New Roman"/>
+                          <a:ea typeface="Times New Roman"/>
+                          <a:cs typeface="Times New Roman"/>
                         </a:rPr>
                         <a:t>4.6</a:t>
                       </a:r>
@@ -5616,9 +5616,9 @@
                               <a:alpha val="100000"/>
                             </a:srgbClr>
                           </a:solidFill>
-                          <a:latin typeface="Helvetica"/>
-                          <a:ea typeface="Helvetica"/>
-                          <a:cs typeface="Helvetica"/>
+                          <a:latin typeface="Times New Roman"/>
+                          <a:ea typeface="Times New Roman"/>
+                          <a:cs typeface="Times New Roman"/>
                         </a:rPr>
                         <a:t/>
                       </a:r>
@@ -5629,9 +5629,9 @@
                               <a:alpha val="100000"/>
                             </a:srgbClr>
                           </a:solidFill>
-                          <a:latin typeface="Helvetica"/>
-                          <a:ea typeface="Helvetica"/>
-                          <a:cs typeface="Helvetica"/>
+                          <a:latin typeface="Times New Roman"/>
+                          <a:ea typeface="Times New Roman"/>
+                          <a:cs typeface="Times New Roman"/>
                         </a:rPr>
                         <a:t>3.4</a:t>
                       </a:r>
@@ -5694,9 +5694,9 @@
                               <a:alpha val="100000"/>
                             </a:srgbClr>
                           </a:solidFill>
-                          <a:latin typeface="Helvetica"/>
-                          <a:ea typeface="Helvetica"/>
-                          <a:cs typeface="Helvetica"/>
+                          <a:latin typeface="Times New Roman"/>
+                          <a:ea typeface="Times New Roman"/>
+                          <a:cs typeface="Times New Roman"/>
                         </a:rPr>
                         <a:t/>
                       </a:r>
@@ -5707,9 +5707,9 @@
                               <a:alpha val="100000"/>
                             </a:srgbClr>
                           </a:solidFill>
-                          <a:latin typeface="Helvetica"/>
-                          <a:ea typeface="Helvetica"/>
-                          <a:cs typeface="Helvetica"/>
+                          <a:latin typeface="Times New Roman"/>
+                          <a:ea typeface="Times New Roman"/>
+                          <a:cs typeface="Times New Roman"/>
                         </a:rPr>
                         <a:t>1.4</a:t>
                       </a:r>
@@ -5772,9 +5772,9 @@
                               <a:alpha val="100000"/>
                             </a:srgbClr>
                           </a:solidFill>
-                          <a:latin typeface="Helvetica"/>
-                          <a:ea typeface="Helvetica"/>
-                          <a:cs typeface="Helvetica"/>
+                          <a:latin typeface="Times New Roman"/>
+                          <a:ea typeface="Times New Roman"/>
+                          <a:cs typeface="Times New Roman"/>
                         </a:rPr>
                         <a:t/>
                       </a:r>
@@ -5785,9 +5785,9 @@
                               <a:alpha val="100000"/>
                             </a:srgbClr>
                           </a:solidFill>
-                          <a:latin typeface="Helvetica"/>
-                          <a:ea typeface="Helvetica"/>
-                          <a:cs typeface="Helvetica"/>
+                          <a:latin typeface="Times New Roman"/>
+                          <a:ea typeface="Times New Roman"/>
+                          <a:cs typeface="Times New Roman"/>
                         </a:rPr>
                         <a:t>0.3</a:t>
                       </a:r>
@@ -5850,9 +5850,9 @@
                               <a:alpha val="100000"/>
                             </a:srgbClr>
                           </a:solidFill>
-                          <a:latin typeface="Helvetica"/>
-                          <a:ea typeface="Helvetica"/>
-                          <a:cs typeface="Helvetica"/>
+                          <a:latin typeface="Times New Roman"/>
+                          <a:ea typeface="Times New Roman"/>
+                          <a:cs typeface="Times New Roman"/>
                         </a:rPr>
                         <a:t/>
                       </a:r>
@@ -5863,9 +5863,9 @@
                               <a:alpha val="100000"/>
                             </a:srgbClr>
                           </a:solidFill>
-                          <a:latin typeface="Helvetica"/>
-                          <a:ea typeface="Helvetica"/>
-                          <a:cs typeface="Helvetica"/>
+                          <a:latin typeface="Times New Roman"/>
+                          <a:ea typeface="Times New Roman"/>
+                          <a:cs typeface="Times New Roman"/>
                         </a:rPr>
                         <a:t>setosa</a:t>
                       </a:r>
@@ -5930,9 +5930,9 @@
                               <a:alpha val="100000"/>
                             </a:srgbClr>
                           </a:solidFill>
-                          <a:latin typeface="Helvetica"/>
-                          <a:ea typeface="Helvetica"/>
-                          <a:cs typeface="Helvetica"/>
+                          <a:latin typeface="Times New Roman"/>
+                          <a:ea typeface="Times New Roman"/>
+                          <a:cs typeface="Times New Roman"/>
                         </a:rPr>
                         <a:t/>
                       </a:r>
@@ -5943,9 +5943,9 @@
                               <a:alpha val="100000"/>
                             </a:srgbClr>
                           </a:solidFill>
-                          <a:latin typeface="Helvetica"/>
-                          <a:ea typeface="Helvetica"/>
-                          <a:cs typeface="Helvetica"/>
+                          <a:latin typeface="Times New Roman"/>
+                          <a:ea typeface="Times New Roman"/>
+                          <a:cs typeface="Times New Roman"/>
                         </a:rPr>
                         <a:t>5.0</a:t>
                       </a:r>
@@ -6008,9 +6008,9 @@
                               <a:alpha val="100000"/>
                             </a:srgbClr>
                           </a:solidFill>
-                          <a:latin typeface="Helvetica"/>
-                          <a:ea typeface="Helvetica"/>
-                          <a:cs typeface="Helvetica"/>
+                          <a:latin typeface="Times New Roman"/>
+                          <a:ea typeface="Times New Roman"/>
+                          <a:cs typeface="Times New Roman"/>
                         </a:rPr>
                         <a:t/>
                       </a:r>
@@ -6021,9 +6021,9 @@
                               <a:alpha val="100000"/>
                             </a:srgbClr>
                           </a:solidFill>
-                          <a:latin typeface="Helvetica"/>
-                          <a:ea typeface="Helvetica"/>
-                          <a:cs typeface="Helvetica"/>
+                          <a:latin typeface="Times New Roman"/>
+                          <a:ea typeface="Times New Roman"/>
+                          <a:cs typeface="Times New Roman"/>
                         </a:rPr>
                         <a:t>3.4</a:t>
                       </a:r>
@@ -6086,9 +6086,9 @@
                               <a:alpha val="100000"/>
                             </a:srgbClr>
                           </a:solidFill>
-                          <a:latin typeface="Helvetica"/>
-                          <a:ea typeface="Helvetica"/>
-                          <a:cs typeface="Helvetica"/>
+                          <a:latin typeface="Times New Roman"/>
+                          <a:ea typeface="Times New Roman"/>
+                          <a:cs typeface="Times New Roman"/>
                         </a:rPr>
                         <a:t/>
                       </a:r>
@@ -6099,9 +6099,9 @@
                               <a:alpha val="100000"/>
                             </a:srgbClr>
                           </a:solidFill>
-                          <a:latin typeface="Helvetica"/>
-                          <a:ea typeface="Helvetica"/>
-                          <a:cs typeface="Helvetica"/>
+                          <a:latin typeface="Times New Roman"/>
+                          <a:ea typeface="Times New Roman"/>
+                          <a:cs typeface="Times New Roman"/>
                         </a:rPr>
                         <a:t>1.5</a:t>
                       </a:r>
@@ -6164,9 +6164,9 @@
                               <a:alpha val="100000"/>
                             </a:srgbClr>
                           </a:solidFill>
-                          <a:latin typeface="Helvetica"/>
-                          <a:ea typeface="Helvetica"/>
-                          <a:cs typeface="Helvetica"/>
+                          <a:latin typeface="Times New Roman"/>
+                          <a:ea typeface="Times New Roman"/>
+                          <a:cs typeface="Times New Roman"/>
                         </a:rPr>
                         <a:t/>
                       </a:r>
@@ -6177,9 +6177,9 @@
                               <a:alpha val="100000"/>
                             </a:srgbClr>
                           </a:solidFill>
-                          <a:latin typeface="Helvetica"/>
-                          <a:ea typeface="Helvetica"/>
-                          <a:cs typeface="Helvetica"/>
+                          <a:latin typeface="Times New Roman"/>
+                          <a:ea typeface="Times New Roman"/>
+                          <a:cs typeface="Times New Roman"/>
                         </a:rPr>
                         <a:t>0.2</a:t>
                       </a:r>
@@ -6242,9 +6242,9 @@
                               <a:alpha val="100000"/>
                             </a:srgbClr>
                           </a:solidFill>
-                          <a:latin typeface="Helvetica"/>
-                          <a:ea typeface="Helvetica"/>
-                          <a:cs typeface="Helvetica"/>
+                          <a:latin typeface="Times New Roman"/>
+                          <a:ea typeface="Times New Roman"/>
+                          <a:cs typeface="Times New Roman"/>
                         </a:rPr>
                         <a:t/>
                       </a:r>
@@ -6255,9 +6255,9 @@
                               <a:alpha val="100000"/>
                             </a:srgbClr>
                           </a:solidFill>
-                          <a:latin typeface="Helvetica"/>
-                          <a:ea typeface="Helvetica"/>
-                          <a:cs typeface="Helvetica"/>
+                          <a:latin typeface="Times New Roman"/>
+                          <a:ea typeface="Times New Roman"/>
+                          <a:cs typeface="Times New Roman"/>
                         </a:rPr>
                         <a:t>setosa</a:t>
                       </a:r>
@@ -6322,9 +6322,9 @@
                               <a:alpha val="100000"/>
                             </a:srgbClr>
                           </a:solidFill>
-                          <a:latin typeface="Helvetica"/>
-                          <a:ea typeface="Helvetica"/>
-                          <a:cs typeface="Helvetica"/>
+                          <a:latin typeface="Times New Roman"/>
+                          <a:ea typeface="Times New Roman"/>
+                          <a:cs typeface="Times New Roman"/>
                         </a:rPr>
                         <a:t/>
                       </a:r>
@@ -6335,9 +6335,9 @@
                               <a:alpha val="100000"/>
                             </a:srgbClr>
                           </a:solidFill>
-                          <a:latin typeface="Helvetica"/>
-                          <a:ea typeface="Helvetica"/>
-                          <a:cs typeface="Helvetica"/>
+                          <a:latin typeface="Times New Roman"/>
+                          <a:ea typeface="Times New Roman"/>
+                          <a:cs typeface="Times New Roman"/>
                         </a:rPr>
                         <a:t>4.4</a:t>
                       </a:r>
@@ -6400,9 +6400,9 @@
                               <a:alpha val="100000"/>
                             </a:srgbClr>
                           </a:solidFill>
-                          <a:latin typeface="Helvetica"/>
-                          <a:ea typeface="Helvetica"/>
-                          <a:cs typeface="Helvetica"/>
+                          <a:latin typeface="Times New Roman"/>
+                          <a:ea typeface="Times New Roman"/>
+                          <a:cs typeface="Times New Roman"/>
                         </a:rPr>
                         <a:t/>
                       </a:r>
@@ -6413,9 +6413,9 @@
                               <a:alpha val="100000"/>
                             </a:srgbClr>
                           </a:solidFill>
-                          <a:latin typeface="Helvetica"/>
-                          <a:ea typeface="Helvetica"/>
-                          <a:cs typeface="Helvetica"/>
+                          <a:latin typeface="Times New Roman"/>
+                          <a:ea typeface="Times New Roman"/>
+                          <a:cs typeface="Times New Roman"/>
                         </a:rPr>
                         <a:t>2.9</a:t>
                       </a:r>
@@ -6478,9 +6478,9 @@
                               <a:alpha val="100000"/>
                             </a:srgbClr>
                           </a:solidFill>
-                          <a:latin typeface="Helvetica"/>
-                          <a:ea typeface="Helvetica"/>
-                          <a:cs typeface="Helvetica"/>
+                          <a:latin typeface="Times New Roman"/>
+                          <a:ea typeface="Times New Roman"/>
+                          <a:cs typeface="Times New Roman"/>
                         </a:rPr>
                         <a:t/>
                       </a:r>
@@ -6491,9 +6491,9 @@
                               <a:alpha val="100000"/>
                             </a:srgbClr>
                           </a:solidFill>
-                          <a:latin typeface="Helvetica"/>
-                          <a:ea typeface="Helvetica"/>
-                          <a:cs typeface="Helvetica"/>
+                          <a:latin typeface="Times New Roman"/>
+                          <a:ea typeface="Times New Roman"/>
+                          <a:cs typeface="Times New Roman"/>
                         </a:rPr>
                         <a:t>1.4</a:t>
                       </a:r>
@@ -6556,9 +6556,9 @@
                               <a:alpha val="100000"/>
                             </a:srgbClr>
                           </a:solidFill>
-                          <a:latin typeface="Helvetica"/>
-                          <a:ea typeface="Helvetica"/>
-                          <a:cs typeface="Helvetica"/>
+                          <a:latin typeface="Times New Roman"/>
+                          <a:ea typeface="Times New Roman"/>
+                          <a:cs typeface="Times New Roman"/>
                         </a:rPr>
                         <a:t/>
                       </a:r>
@@ -6569,9 +6569,9 @@
                               <a:alpha val="100000"/>
                             </a:srgbClr>
                           </a:solidFill>
-                          <a:latin typeface="Helvetica"/>
-                          <a:ea typeface="Helvetica"/>
-                          <a:cs typeface="Helvetica"/>
+                          <a:latin typeface="Times New Roman"/>
+                          <a:ea typeface="Times New Roman"/>
+                          <a:cs typeface="Times New Roman"/>
                         </a:rPr>
                         <a:t>0.2</a:t>
                       </a:r>
@@ -6634,9 +6634,9 @@
                               <a:alpha val="100000"/>
                             </a:srgbClr>
                           </a:solidFill>
-                          <a:latin typeface="Helvetica"/>
-                          <a:ea typeface="Helvetica"/>
-                          <a:cs typeface="Helvetica"/>
+                          <a:latin typeface="Times New Roman"/>
+                          <a:ea typeface="Times New Roman"/>
+                          <a:cs typeface="Times New Roman"/>
                         </a:rPr>
                         <a:t/>
                       </a:r>
@@ -6647,9 +6647,9 @@
                               <a:alpha val="100000"/>
                             </a:srgbClr>
                           </a:solidFill>
-                          <a:latin typeface="Helvetica"/>
-                          <a:ea typeface="Helvetica"/>
-                          <a:cs typeface="Helvetica"/>
+                          <a:latin typeface="Times New Roman"/>
+                          <a:ea typeface="Times New Roman"/>
+                          <a:cs typeface="Times New Roman"/>
                         </a:rPr>
                         <a:t>setosa</a:t>
                       </a:r>
@@ -6714,9 +6714,9 @@
                               <a:alpha val="100000"/>
                             </a:srgbClr>
                           </a:solidFill>
-                          <a:latin typeface="Helvetica"/>
-                          <a:ea typeface="Helvetica"/>
-                          <a:cs typeface="Helvetica"/>
+                          <a:latin typeface="Times New Roman"/>
+                          <a:ea typeface="Times New Roman"/>
+                          <a:cs typeface="Times New Roman"/>
                         </a:rPr>
                         <a:t/>
                       </a:r>
@@ -6727,9 +6727,9 @@
                               <a:alpha val="100000"/>
                             </a:srgbClr>
                           </a:solidFill>
-                          <a:latin typeface="Helvetica"/>
-                          <a:ea typeface="Helvetica"/>
-                          <a:cs typeface="Helvetica"/>
+                          <a:latin typeface="Times New Roman"/>
+                          <a:ea typeface="Times New Roman"/>
+                          <a:cs typeface="Times New Roman"/>
                         </a:rPr>
                         <a:t>4.9</a:t>
                       </a:r>
@@ -6793,9 +6793,9 @@
                               <a:alpha val="100000"/>
                             </a:srgbClr>
                           </a:solidFill>
-                          <a:latin typeface="Helvetica"/>
-                          <a:ea typeface="Helvetica"/>
-                          <a:cs typeface="Helvetica"/>
+                          <a:latin typeface="Times New Roman"/>
+                          <a:ea typeface="Times New Roman"/>
+                          <a:cs typeface="Times New Roman"/>
                         </a:rPr>
                         <a:t/>
                       </a:r>
@@ -6806,9 +6806,9 @@
                               <a:alpha val="100000"/>
                             </a:srgbClr>
                           </a:solidFill>
-                          <a:latin typeface="Helvetica"/>
-                          <a:ea typeface="Helvetica"/>
-                          <a:cs typeface="Helvetica"/>
+                          <a:latin typeface="Times New Roman"/>
+                          <a:ea typeface="Times New Roman"/>
+                          <a:cs typeface="Times New Roman"/>
                         </a:rPr>
                         <a:t>3.1</a:t>
                       </a:r>
@@ -6872,9 +6872,9 @@
                               <a:alpha val="100000"/>
                             </a:srgbClr>
                           </a:solidFill>
-                          <a:latin typeface="Helvetica"/>
-                          <a:ea typeface="Helvetica"/>
-                          <a:cs typeface="Helvetica"/>
+                          <a:latin typeface="Times New Roman"/>
+                          <a:ea typeface="Times New Roman"/>
+                          <a:cs typeface="Times New Roman"/>
                         </a:rPr>
                         <a:t/>
                       </a:r>
@@ -6885,9 +6885,9 @@
                               <a:alpha val="100000"/>
                             </a:srgbClr>
                           </a:solidFill>
-                          <a:latin typeface="Helvetica"/>
-                          <a:ea typeface="Helvetica"/>
-                          <a:cs typeface="Helvetica"/>
+                          <a:latin typeface="Times New Roman"/>
+                          <a:ea typeface="Times New Roman"/>
+                          <a:cs typeface="Times New Roman"/>
                         </a:rPr>
                         <a:t>1.5</a:t>
                       </a:r>
@@ -6951,9 +6951,9 @@
                               <a:alpha val="100000"/>
                             </a:srgbClr>
                           </a:solidFill>
-                          <a:latin typeface="Helvetica"/>
-                          <a:ea typeface="Helvetica"/>
-                          <a:cs typeface="Helvetica"/>
+                          <a:latin typeface="Times New Roman"/>
+                          <a:ea typeface="Times New Roman"/>
+                          <a:cs typeface="Times New Roman"/>
                         </a:rPr>
                         <a:t/>
                       </a:r>
@@ -6964,9 +6964,9 @@
                               <a:alpha val="100000"/>
                             </a:srgbClr>
                           </a:solidFill>
-                          <a:latin typeface="Helvetica"/>
-                          <a:ea typeface="Helvetica"/>
-                          <a:cs typeface="Helvetica"/>
+                          <a:latin typeface="Times New Roman"/>
+                          <a:ea typeface="Times New Roman"/>
+                          <a:cs typeface="Times New Roman"/>
                         </a:rPr>
                         <a:t>0.1</a:t>
                       </a:r>
@@ -7030,9 +7030,9 @@
                               <a:alpha val="100000"/>
                             </a:srgbClr>
                           </a:solidFill>
-                          <a:latin typeface="Helvetica"/>
-                          <a:ea typeface="Helvetica"/>
-                          <a:cs typeface="Helvetica"/>
+                          <a:latin typeface="Times New Roman"/>
+                          <a:ea typeface="Times New Roman"/>
+                          <a:cs typeface="Times New Roman"/>
                         </a:rPr>
                         <a:t/>
                       </a:r>
@@ -7043,9 +7043,9 @@
                               <a:alpha val="100000"/>
                             </a:srgbClr>
                           </a:solidFill>
-                          <a:latin typeface="Helvetica"/>
-                          <a:ea typeface="Helvetica"/>
-                          <a:cs typeface="Helvetica"/>
+                          <a:latin typeface="Times New Roman"/>
+                          <a:ea typeface="Times New Roman"/>
+                          <a:cs typeface="Times New Roman"/>
                         </a:rPr>
                         <a:t>setosa</a:t>
                       </a:r>

--- a/docs/articles/base_example.pptx
+++ b/docs/articles/base_example.pptx
@@ -1,12 +1,12 @@
 
 <file path=ppt/presentation.xml><?xml version="1.0" encoding="utf-8"?>
-<p:presentation xmlns:p="http://schemas.openxmlformats.org/presentationml/2006/main" xmlns:a="http://schemas.openxmlformats.org/drawingml/2006/main" xmlns:r="http://schemas.openxmlformats.org/officeDocument/2006/relationships" xmlns:mc="http://schemas.openxmlformats.org/markup-compatibility/2006" xmlns:c="http://schemas.openxmlformats.org/drawingml/2006/chart" xmlns:ns6="http://schemas.openxmlformats.org/drawingml/2006/chartDrawing" xmlns:dgm="http://schemas.openxmlformats.org/drawingml/2006/diagram" xmlns:pic="http://schemas.openxmlformats.org/drawingml/2006/picture" xmlns:wp="http://schemas.openxmlformats.org/drawingml/2006/wordprocessingDrawing" xmlns:xdr="http://schemas.openxmlformats.org/drawingml/2006/spreadsheetDrawing" xmlns:ns11="http://schemas.openxmlformats.org/drawingml/2006/compatibility" xmlns:ns12="http://schemas.openxmlformats.org/drawingml/2006/lockedCanvas" saveSubsetFonts="true">
+<p:presentation xmlns:p="http://schemas.openxmlformats.org/presentationml/2006/main" xmlns:r="http://schemas.openxmlformats.org/officeDocument/2006/relationships" xmlns:a="http://schemas.openxmlformats.org/drawingml/2006/main" xmlns:mc="http://schemas.openxmlformats.org/markup-compatibility/2006" xmlns:c="http://schemas.openxmlformats.org/drawingml/2006/chart" xmlns:ns6="http://schemas.openxmlformats.org/drawingml/2006/chartDrawing" xmlns:dgm="http://schemas.openxmlformats.org/drawingml/2006/diagram" xmlns:pic="http://schemas.openxmlformats.org/drawingml/2006/picture" xmlns:wp="http://schemas.openxmlformats.org/drawingml/2006/wordprocessingDrawing" xmlns:xdr="http://schemas.openxmlformats.org/drawingml/2006/spreadsheetDrawing" xmlns:ns11="http://schemas.openxmlformats.org/drawingml/2006/compatibility" xmlns:ns12="http://schemas.openxmlformats.org/drawingml/2006/lockedCanvas" saveSubsetFonts="true">
   <p:sldMasterIdLst>
     <p:sldMasterId id="2147483648" r:id="rId1"/>
   </p:sldMasterIdLst>
   <p:sldIdLst>
-    <p:sldId id="1892683102" r:id="rId6"/>
-    <p:sldId id="1931659617" r:id="rId7"/>
+    <p:sldId id="869182409" r:id="rId6"/>
+    <p:sldId id="1836513128" r:id="rId7"/>
   </p:sldIdLst>
   <p:sldSz cx="12192000" cy="6858000"/>
   <p:notesSz cx="6858000" cy="9144000"/>
@@ -114,7 +114,7 @@
 </file>
 
 <file path=ppt/slideLayouts/slideLayout1.xml><?xml version="1.0" encoding="utf-8"?>
-<p:sldLayout xmlns:p="http://schemas.openxmlformats.org/presentationml/2006/main" xmlns:a="http://schemas.openxmlformats.org/drawingml/2006/main" xmlns:r="http://schemas.openxmlformats.org/officeDocument/2006/relationships" xmlns:mc="http://schemas.openxmlformats.org/markup-compatibility/2006" xmlns:c="http://schemas.openxmlformats.org/drawingml/2006/chart" xmlns:ns6="http://schemas.openxmlformats.org/drawingml/2006/chartDrawing" xmlns:dgm="http://schemas.openxmlformats.org/drawingml/2006/diagram" xmlns:pic="http://schemas.openxmlformats.org/drawingml/2006/picture" xmlns:wp="http://schemas.openxmlformats.org/drawingml/2006/wordprocessingDrawing" xmlns:xdr="http://schemas.openxmlformats.org/drawingml/2006/spreadsheetDrawing" xmlns:ns11="http://schemas.openxmlformats.org/drawingml/2006/compatibility" xmlns:ns12="http://schemas.openxmlformats.org/drawingml/2006/lockedCanvas" type="title" preserve="true">
+<p:sldLayout xmlns:p="http://schemas.openxmlformats.org/presentationml/2006/main" xmlns:r="http://schemas.openxmlformats.org/officeDocument/2006/relationships" xmlns:a="http://schemas.openxmlformats.org/drawingml/2006/main" xmlns:mc="http://schemas.openxmlformats.org/markup-compatibility/2006" xmlns:c="http://schemas.openxmlformats.org/drawingml/2006/chart" xmlns:ns6="http://schemas.openxmlformats.org/drawingml/2006/chartDrawing" xmlns:dgm="http://schemas.openxmlformats.org/drawingml/2006/diagram" xmlns:pic="http://schemas.openxmlformats.org/drawingml/2006/picture" xmlns:wp="http://schemas.openxmlformats.org/drawingml/2006/wordprocessingDrawing" xmlns:xdr="http://schemas.openxmlformats.org/drawingml/2006/spreadsheetDrawing" xmlns:ns11="http://schemas.openxmlformats.org/drawingml/2006/compatibility" xmlns:ns12="http://schemas.openxmlformats.org/drawingml/2006/lockedCanvas" type="title" preserve="true">
   <p:cSld name="Title Slide">
     <p:spTree>
       <p:nvGrpSpPr>
@@ -313,7 +313,7 @@
 </file>
 
 <file path=ppt/slideLayouts/slideLayout10.xml><?xml version="1.0" encoding="utf-8"?>
-<p:sldLayout xmlns:p="http://schemas.openxmlformats.org/presentationml/2006/main" xmlns:a="http://schemas.openxmlformats.org/drawingml/2006/main" xmlns:r="http://schemas.openxmlformats.org/officeDocument/2006/relationships" xmlns:mc="http://schemas.openxmlformats.org/markup-compatibility/2006" xmlns:c="http://schemas.openxmlformats.org/drawingml/2006/chart" xmlns:ns6="http://schemas.openxmlformats.org/drawingml/2006/chartDrawing" xmlns:dgm="http://schemas.openxmlformats.org/drawingml/2006/diagram" xmlns:pic="http://schemas.openxmlformats.org/drawingml/2006/picture" xmlns:wp="http://schemas.openxmlformats.org/drawingml/2006/wordprocessingDrawing" xmlns:xdr="http://schemas.openxmlformats.org/drawingml/2006/spreadsheetDrawing" xmlns:ns11="http://schemas.openxmlformats.org/drawingml/2006/compatibility" xmlns:ns12="http://schemas.openxmlformats.org/drawingml/2006/lockedCanvas" type="vertTitleAndTx" preserve="true">
+<p:sldLayout xmlns:p="http://schemas.openxmlformats.org/presentationml/2006/main" xmlns:r="http://schemas.openxmlformats.org/officeDocument/2006/relationships" xmlns:a="http://schemas.openxmlformats.org/drawingml/2006/main" xmlns:mc="http://schemas.openxmlformats.org/markup-compatibility/2006" xmlns:c="http://schemas.openxmlformats.org/drawingml/2006/chart" xmlns:ns6="http://schemas.openxmlformats.org/drawingml/2006/chartDrawing" xmlns:dgm="http://schemas.openxmlformats.org/drawingml/2006/diagram" xmlns:pic="http://schemas.openxmlformats.org/drawingml/2006/picture" xmlns:wp="http://schemas.openxmlformats.org/drawingml/2006/wordprocessingDrawing" xmlns:xdr="http://schemas.openxmlformats.org/drawingml/2006/spreadsheetDrawing" xmlns:ns11="http://schemas.openxmlformats.org/drawingml/2006/compatibility" xmlns:ns12="http://schemas.openxmlformats.org/drawingml/2006/lockedCanvas" type="vertTitleAndTx" preserve="true">
   <p:cSld name="Vertical Title and Text">
     <p:spTree>
       <p:nvGrpSpPr>
@@ -500,7 +500,7 @@
 </file>
 
 <file path=ppt/slideLayouts/slideLayout2.xml><?xml version="1.0" encoding="utf-8"?>
-<p:sldLayout xmlns:p="http://schemas.openxmlformats.org/presentationml/2006/main" xmlns:a="http://schemas.openxmlformats.org/drawingml/2006/main" xmlns:r="http://schemas.openxmlformats.org/officeDocument/2006/relationships" xmlns:mc="http://schemas.openxmlformats.org/markup-compatibility/2006" xmlns:c="http://schemas.openxmlformats.org/drawingml/2006/chart" xmlns:ns6="http://schemas.openxmlformats.org/drawingml/2006/chartDrawing" xmlns:dgm="http://schemas.openxmlformats.org/drawingml/2006/diagram" xmlns:pic="http://schemas.openxmlformats.org/drawingml/2006/picture" xmlns:wp="http://schemas.openxmlformats.org/drawingml/2006/wordprocessingDrawing" xmlns:xdr="http://schemas.openxmlformats.org/drawingml/2006/spreadsheetDrawing" xmlns:ns11="http://schemas.openxmlformats.org/drawingml/2006/compatibility" xmlns:ns12="http://schemas.openxmlformats.org/drawingml/2006/lockedCanvas" type="obj" preserve="true">
+<p:sldLayout xmlns:p="http://schemas.openxmlformats.org/presentationml/2006/main" xmlns:r="http://schemas.openxmlformats.org/officeDocument/2006/relationships" xmlns:a="http://schemas.openxmlformats.org/drawingml/2006/main" xmlns:mc="http://schemas.openxmlformats.org/markup-compatibility/2006" xmlns:c="http://schemas.openxmlformats.org/drawingml/2006/chart" xmlns:ns6="http://schemas.openxmlformats.org/drawingml/2006/chartDrawing" xmlns:dgm="http://schemas.openxmlformats.org/drawingml/2006/diagram" xmlns:pic="http://schemas.openxmlformats.org/drawingml/2006/picture" xmlns:wp="http://schemas.openxmlformats.org/drawingml/2006/wordprocessingDrawing" xmlns:xdr="http://schemas.openxmlformats.org/drawingml/2006/spreadsheetDrawing" xmlns:ns11="http://schemas.openxmlformats.org/drawingml/2006/compatibility" xmlns:ns12="http://schemas.openxmlformats.org/drawingml/2006/lockedCanvas" type="obj" preserve="true">
   <p:cSld name="Title and Content">
     <p:spTree>
       <p:nvGrpSpPr>
@@ -682,7 +682,7 @@
 </file>
 
 <file path=ppt/slideLayouts/slideLayout3.xml><?xml version="1.0" encoding="utf-8"?>
-<p:sldLayout xmlns:p="http://schemas.openxmlformats.org/presentationml/2006/main" xmlns:a="http://schemas.openxmlformats.org/drawingml/2006/main" xmlns:r="http://schemas.openxmlformats.org/officeDocument/2006/relationships" xmlns:mc="http://schemas.openxmlformats.org/markup-compatibility/2006" xmlns:c="http://schemas.openxmlformats.org/drawingml/2006/chart" xmlns:ns6="http://schemas.openxmlformats.org/drawingml/2006/chartDrawing" xmlns:dgm="http://schemas.openxmlformats.org/drawingml/2006/diagram" xmlns:pic="http://schemas.openxmlformats.org/drawingml/2006/picture" xmlns:wp="http://schemas.openxmlformats.org/drawingml/2006/wordprocessingDrawing" xmlns:xdr="http://schemas.openxmlformats.org/drawingml/2006/spreadsheetDrawing" xmlns:ns11="http://schemas.openxmlformats.org/drawingml/2006/compatibility" xmlns:ns12="http://schemas.openxmlformats.org/drawingml/2006/lockedCanvas" type="secHead" preserve="true">
+<p:sldLayout xmlns:p="http://schemas.openxmlformats.org/presentationml/2006/main" xmlns:r="http://schemas.openxmlformats.org/officeDocument/2006/relationships" xmlns:a="http://schemas.openxmlformats.org/drawingml/2006/main" xmlns:mc="http://schemas.openxmlformats.org/markup-compatibility/2006" xmlns:c="http://schemas.openxmlformats.org/drawingml/2006/chart" xmlns:ns6="http://schemas.openxmlformats.org/drawingml/2006/chartDrawing" xmlns:dgm="http://schemas.openxmlformats.org/drawingml/2006/diagram" xmlns:pic="http://schemas.openxmlformats.org/drawingml/2006/picture" xmlns:wp="http://schemas.openxmlformats.org/drawingml/2006/wordprocessingDrawing" xmlns:xdr="http://schemas.openxmlformats.org/drawingml/2006/spreadsheetDrawing" xmlns:ns11="http://schemas.openxmlformats.org/drawingml/2006/compatibility" xmlns:ns12="http://schemas.openxmlformats.org/drawingml/2006/lockedCanvas" type="secHead" preserve="true">
   <p:cSld name="Section Header">
     <p:spTree>
       <p:nvGrpSpPr>
@@ -935,7 +935,7 @@
 </file>
 
 <file path=ppt/slideLayouts/slideLayout4.xml><?xml version="1.0" encoding="utf-8"?>
-<p:sldLayout xmlns:p="http://schemas.openxmlformats.org/presentationml/2006/main" xmlns:a="http://schemas.openxmlformats.org/drawingml/2006/main" xmlns:r="http://schemas.openxmlformats.org/officeDocument/2006/relationships" xmlns:mc="http://schemas.openxmlformats.org/markup-compatibility/2006" xmlns:c="http://schemas.openxmlformats.org/drawingml/2006/chart" xmlns:ns6="http://schemas.openxmlformats.org/drawingml/2006/chartDrawing" xmlns:dgm="http://schemas.openxmlformats.org/drawingml/2006/diagram" xmlns:pic="http://schemas.openxmlformats.org/drawingml/2006/picture" xmlns:wp="http://schemas.openxmlformats.org/drawingml/2006/wordprocessingDrawing" xmlns:xdr="http://schemas.openxmlformats.org/drawingml/2006/spreadsheetDrawing" xmlns:ns11="http://schemas.openxmlformats.org/drawingml/2006/compatibility" xmlns:ns12="http://schemas.openxmlformats.org/drawingml/2006/lockedCanvas" type="twoObj" preserve="true">
+<p:sldLayout xmlns:p="http://schemas.openxmlformats.org/presentationml/2006/main" xmlns:r="http://schemas.openxmlformats.org/officeDocument/2006/relationships" xmlns:a="http://schemas.openxmlformats.org/drawingml/2006/main" xmlns:mc="http://schemas.openxmlformats.org/markup-compatibility/2006" xmlns:c="http://schemas.openxmlformats.org/drawingml/2006/chart" xmlns:ns6="http://schemas.openxmlformats.org/drawingml/2006/chartDrawing" xmlns:dgm="http://schemas.openxmlformats.org/drawingml/2006/diagram" xmlns:pic="http://schemas.openxmlformats.org/drawingml/2006/picture" xmlns:wp="http://schemas.openxmlformats.org/drawingml/2006/wordprocessingDrawing" xmlns:xdr="http://schemas.openxmlformats.org/drawingml/2006/spreadsheetDrawing" xmlns:ns11="http://schemas.openxmlformats.org/drawingml/2006/compatibility" xmlns:ns12="http://schemas.openxmlformats.org/drawingml/2006/lockedCanvas" type="twoObj" preserve="true">
   <p:cSld name="Two Content">
     <p:spTree>
       <p:nvGrpSpPr>
@@ -1174,7 +1174,7 @@
 </file>
 
 <file path=ppt/slideLayouts/slideLayout5.xml><?xml version="1.0" encoding="utf-8"?>
-<p:sldLayout xmlns:p="http://schemas.openxmlformats.org/presentationml/2006/main" xmlns:a="http://schemas.openxmlformats.org/drawingml/2006/main" xmlns:r="http://schemas.openxmlformats.org/officeDocument/2006/relationships" xmlns:mc="http://schemas.openxmlformats.org/markup-compatibility/2006" xmlns:c="http://schemas.openxmlformats.org/drawingml/2006/chart" xmlns:ns6="http://schemas.openxmlformats.org/drawingml/2006/chartDrawing" xmlns:dgm="http://schemas.openxmlformats.org/drawingml/2006/diagram" xmlns:pic="http://schemas.openxmlformats.org/drawingml/2006/picture" xmlns:wp="http://schemas.openxmlformats.org/drawingml/2006/wordprocessingDrawing" xmlns:xdr="http://schemas.openxmlformats.org/drawingml/2006/spreadsheetDrawing" xmlns:ns11="http://schemas.openxmlformats.org/drawingml/2006/compatibility" xmlns:ns12="http://schemas.openxmlformats.org/drawingml/2006/lockedCanvas" type="twoTxTwoObj" preserve="true">
+<p:sldLayout xmlns:p="http://schemas.openxmlformats.org/presentationml/2006/main" xmlns:r="http://schemas.openxmlformats.org/officeDocument/2006/relationships" xmlns:a="http://schemas.openxmlformats.org/drawingml/2006/main" xmlns:mc="http://schemas.openxmlformats.org/markup-compatibility/2006" xmlns:c="http://schemas.openxmlformats.org/drawingml/2006/chart" xmlns:ns6="http://schemas.openxmlformats.org/drawingml/2006/chartDrawing" xmlns:dgm="http://schemas.openxmlformats.org/drawingml/2006/diagram" xmlns:pic="http://schemas.openxmlformats.org/drawingml/2006/picture" xmlns:wp="http://schemas.openxmlformats.org/drawingml/2006/wordprocessingDrawing" xmlns:xdr="http://schemas.openxmlformats.org/drawingml/2006/spreadsheetDrawing" xmlns:ns11="http://schemas.openxmlformats.org/drawingml/2006/compatibility" xmlns:ns12="http://schemas.openxmlformats.org/drawingml/2006/lockedCanvas" type="twoTxTwoObj" preserve="true">
   <p:cSld name="Comparison">
     <p:spTree>
       <p:nvGrpSpPr>
@@ -1529,7 +1529,7 @@
 </file>
 
 <file path=ppt/slideLayouts/slideLayout6.xml><?xml version="1.0" encoding="utf-8"?>
-<p:sldLayout xmlns:p="http://schemas.openxmlformats.org/presentationml/2006/main" xmlns:a="http://schemas.openxmlformats.org/drawingml/2006/main" xmlns:r="http://schemas.openxmlformats.org/officeDocument/2006/relationships" xmlns:mc="http://schemas.openxmlformats.org/markup-compatibility/2006" xmlns:c="http://schemas.openxmlformats.org/drawingml/2006/chart" xmlns:ns6="http://schemas.openxmlformats.org/drawingml/2006/chartDrawing" xmlns:dgm="http://schemas.openxmlformats.org/drawingml/2006/diagram" xmlns:pic="http://schemas.openxmlformats.org/drawingml/2006/picture" xmlns:wp="http://schemas.openxmlformats.org/drawingml/2006/wordprocessingDrawing" xmlns:xdr="http://schemas.openxmlformats.org/drawingml/2006/spreadsheetDrawing" xmlns:ns11="http://schemas.openxmlformats.org/drawingml/2006/compatibility" xmlns:ns12="http://schemas.openxmlformats.org/drawingml/2006/lockedCanvas" type="titleOnly" preserve="true">
+<p:sldLayout xmlns:p="http://schemas.openxmlformats.org/presentationml/2006/main" xmlns:r="http://schemas.openxmlformats.org/officeDocument/2006/relationships" xmlns:a="http://schemas.openxmlformats.org/drawingml/2006/main" xmlns:mc="http://schemas.openxmlformats.org/markup-compatibility/2006" xmlns:c="http://schemas.openxmlformats.org/drawingml/2006/chart" xmlns:ns6="http://schemas.openxmlformats.org/drawingml/2006/chartDrawing" xmlns:dgm="http://schemas.openxmlformats.org/drawingml/2006/diagram" xmlns:pic="http://schemas.openxmlformats.org/drawingml/2006/picture" xmlns:wp="http://schemas.openxmlformats.org/drawingml/2006/wordprocessingDrawing" xmlns:xdr="http://schemas.openxmlformats.org/drawingml/2006/spreadsheetDrawing" xmlns:ns11="http://schemas.openxmlformats.org/drawingml/2006/compatibility" xmlns:ns12="http://schemas.openxmlformats.org/drawingml/2006/lockedCanvas" type="titleOnly" preserve="true">
   <p:cSld name="Title Only">
     <p:spTree>
       <p:nvGrpSpPr>
@@ -1654,7 +1654,7 @@
 </file>
 
 <file path=ppt/slideLayouts/slideLayout7.xml><?xml version="1.0" encoding="utf-8"?>
-<p:sldLayout xmlns:p="http://schemas.openxmlformats.org/presentationml/2006/main" xmlns:a="http://schemas.openxmlformats.org/drawingml/2006/main" xmlns:r="http://schemas.openxmlformats.org/officeDocument/2006/relationships" xmlns:mc="http://schemas.openxmlformats.org/markup-compatibility/2006" xmlns:c="http://schemas.openxmlformats.org/drawingml/2006/chart" xmlns:ns6="http://schemas.openxmlformats.org/drawingml/2006/chartDrawing" xmlns:dgm="http://schemas.openxmlformats.org/drawingml/2006/diagram" xmlns:pic="http://schemas.openxmlformats.org/drawingml/2006/picture" xmlns:wp="http://schemas.openxmlformats.org/drawingml/2006/wordprocessingDrawing" xmlns:xdr="http://schemas.openxmlformats.org/drawingml/2006/spreadsheetDrawing" xmlns:ns11="http://schemas.openxmlformats.org/drawingml/2006/compatibility" xmlns:ns12="http://schemas.openxmlformats.org/drawingml/2006/lockedCanvas" type="blank" preserve="true">
+<p:sldLayout xmlns:p="http://schemas.openxmlformats.org/presentationml/2006/main" xmlns:r="http://schemas.openxmlformats.org/officeDocument/2006/relationships" xmlns:a="http://schemas.openxmlformats.org/drawingml/2006/main" xmlns:mc="http://schemas.openxmlformats.org/markup-compatibility/2006" xmlns:c="http://schemas.openxmlformats.org/drawingml/2006/chart" xmlns:ns6="http://schemas.openxmlformats.org/drawingml/2006/chartDrawing" xmlns:dgm="http://schemas.openxmlformats.org/drawingml/2006/diagram" xmlns:pic="http://schemas.openxmlformats.org/drawingml/2006/picture" xmlns:wp="http://schemas.openxmlformats.org/drawingml/2006/wordprocessingDrawing" xmlns:xdr="http://schemas.openxmlformats.org/drawingml/2006/spreadsheetDrawing" xmlns:ns11="http://schemas.openxmlformats.org/drawingml/2006/compatibility" xmlns:ns12="http://schemas.openxmlformats.org/drawingml/2006/lockedCanvas" type="blank" preserve="true">
   <p:cSld name="Blank">
     <p:spTree>
       <p:nvGrpSpPr>
@@ -1756,7 +1756,7 @@
 </file>
 
 <file path=ppt/slideLayouts/slideLayout8.xml><?xml version="1.0" encoding="utf-8"?>
-<p:sldLayout xmlns:p="http://schemas.openxmlformats.org/presentationml/2006/main" xmlns:a="http://schemas.openxmlformats.org/drawingml/2006/main" xmlns:r="http://schemas.openxmlformats.org/officeDocument/2006/relationships" xmlns:mc="http://schemas.openxmlformats.org/markup-compatibility/2006" xmlns:c="http://schemas.openxmlformats.org/drawingml/2006/chart" xmlns:ns6="http://schemas.openxmlformats.org/drawingml/2006/chartDrawing" xmlns:dgm="http://schemas.openxmlformats.org/drawingml/2006/diagram" xmlns:pic="http://schemas.openxmlformats.org/drawingml/2006/picture" xmlns:wp="http://schemas.openxmlformats.org/drawingml/2006/wordprocessingDrawing" xmlns:xdr="http://schemas.openxmlformats.org/drawingml/2006/spreadsheetDrawing" xmlns:ns11="http://schemas.openxmlformats.org/drawingml/2006/compatibility" xmlns:ns12="http://schemas.openxmlformats.org/drawingml/2006/lockedCanvas" type="objTx" preserve="true">
+<p:sldLayout xmlns:p="http://schemas.openxmlformats.org/presentationml/2006/main" xmlns:r="http://schemas.openxmlformats.org/officeDocument/2006/relationships" xmlns:a="http://schemas.openxmlformats.org/drawingml/2006/main" xmlns:mc="http://schemas.openxmlformats.org/markup-compatibility/2006" xmlns:c="http://schemas.openxmlformats.org/drawingml/2006/chart" xmlns:ns6="http://schemas.openxmlformats.org/drawingml/2006/chartDrawing" xmlns:dgm="http://schemas.openxmlformats.org/drawingml/2006/diagram" xmlns:pic="http://schemas.openxmlformats.org/drawingml/2006/picture" xmlns:wp="http://schemas.openxmlformats.org/drawingml/2006/wordprocessingDrawing" xmlns:xdr="http://schemas.openxmlformats.org/drawingml/2006/spreadsheetDrawing" xmlns:ns11="http://schemas.openxmlformats.org/drawingml/2006/compatibility" xmlns:ns12="http://schemas.openxmlformats.org/drawingml/2006/lockedCanvas" type="objTx" preserve="true">
   <p:cSld name="Content with Caption">
     <p:spTree>
       <p:nvGrpSpPr>
@@ -2040,7 +2040,7 @@
 </file>
 
 <file path=ppt/slideLayouts/slideLayout9.xml><?xml version="1.0" encoding="utf-8"?>
-<p:sldLayout xmlns:p="http://schemas.openxmlformats.org/presentationml/2006/main" xmlns:a="http://schemas.openxmlformats.org/drawingml/2006/main" xmlns:r="http://schemas.openxmlformats.org/officeDocument/2006/relationships" xmlns:mc="http://schemas.openxmlformats.org/markup-compatibility/2006" xmlns:c="http://schemas.openxmlformats.org/drawingml/2006/chart" xmlns:ns6="http://schemas.openxmlformats.org/drawingml/2006/chartDrawing" xmlns:dgm="http://schemas.openxmlformats.org/drawingml/2006/diagram" xmlns:pic="http://schemas.openxmlformats.org/drawingml/2006/picture" xmlns:wp="http://schemas.openxmlformats.org/drawingml/2006/wordprocessingDrawing" xmlns:xdr="http://schemas.openxmlformats.org/drawingml/2006/spreadsheetDrawing" xmlns:ns11="http://schemas.openxmlformats.org/drawingml/2006/compatibility" xmlns:ns12="http://schemas.openxmlformats.org/drawingml/2006/lockedCanvas" type="vertTx" preserve="true">
+<p:sldLayout xmlns:p="http://schemas.openxmlformats.org/presentationml/2006/main" xmlns:r="http://schemas.openxmlformats.org/officeDocument/2006/relationships" xmlns:a="http://schemas.openxmlformats.org/drawingml/2006/main" xmlns:mc="http://schemas.openxmlformats.org/markup-compatibility/2006" xmlns:c="http://schemas.openxmlformats.org/drawingml/2006/chart" xmlns:ns6="http://schemas.openxmlformats.org/drawingml/2006/chartDrawing" xmlns:dgm="http://schemas.openxmlformats.org/drawingml/2006/diagram" xmlns:pic="http://schemas.openxmlformats.org/drawingml/2006/picture" xmlns:wp="http://schemas.openxmlformats.org/drawingml/2006/wordprocessingDrawing" xmlns:xdr="http://schemas.openxmlformats.org/drawingml/2006/spreadsheetDrawing" xmlns:ns11="http://schemas.openxmlformats.org/drawingml/2006/compatibility" xmlns:ns12="http://schemas.openxmlformats.org/drawingml/2006/lockedCanvas" type="vertTx" preserve="true">
   <p:cSld name="Title and Vertical Text">
     <p:spTree>
       <p:nvGrpSpPr>
@@ -2217,7 +2217,7 @@
 </file>
 
 <file path=ppt/slideMasters/slideMaster1.xml><?xml version="1.0" encoding="utf-8"?>
-<p:sldMaster xmlns:p="http://schemas.openxmlformats.org/presentationml/2006/main" xmlns:a="http://schemas.openxmlformats.org/drawingml/2006/main" xmlns:r="http://schemas.openxmlformats.org/officeDocument/2006/relationships" xmlns:mc="http://schemas.openxmlformats.org/markup-compatibility/2006" xmlns:c="http://schemas.openxmlformats.org/drawingml/2006/chart" xmlns:ns6="http://schemas.openxmlformats.org/drawingml/2006/chartDrawing" xmlns:dgm="http://schemas.openxmlformats.org/drawingml/2006/diagram" xmlns:pic="http://schemas.openxmlformats.org/drawingml/2006/picture" xmlns:wp="http://schemas.openxmlformats.org/drawingml/2006/wordprocessingDrawing" xmlns:xdr="http://schemas.openxmlformats.org/drawingml/2006/spreadsheetDrawing" xmlns:ns11="http://schemas.openxmlformats.org/drawingml/2006/compatibility" xmlns:ns12="http://schemas.openxmlformats.org/drawingml/2006/lockedCanvas">
+<p:sldMaster xmlns:p="http://schemas.openxmlformats.org/presentationml/2006/main" xmlns:r="http://schemas.openxmlformats.org/officeDocument/2006/relationships" xmlns:a="http://schemas.openxmlformats.org/drawingml/2006/main" xmlns:mc="http://schemas.openxmlformats.org/markup-compatibility/2006" xmlns:c="http://schemas.openxmlformats.org/drawingml/2006/chart" xmlns:ns6="http://schemas.openxmlformats.org/drawingml/2006/chartDrawing" xmlns:dgm="http://schemas.openxmlformats.org/drawingml/2006/diagram" xmlns:pic="http://schemas.openxmlformats.org/drawingml/2006/picture" xmlns:wp="http://schemas.openxmlformats.org/drawingml/2006/wordprocessingDrawing" xmlns:xdr="http://schemas.openxmlformats.org/drawingml/2006/spreadsheetDrawing" xmlns:ns11="http://schemas.openxmlformats.org/drawingml/2006/compatibility" xmlns:ns12="http://schemas.openxmlformats.org/drawingml/2006/lockedCanvas">
   <p:cSld>
     <p:bg>
       <p:bgRef idx="1001">
@@ -2763,7 +2763,7 @@
 </file>
 
 <file path=ppt/slides/slide1.xml><?xml version="1.0" encoding="utf-8"?>
-<p:sld xmlns:p="http://schemas.openxmlformats.org/presentationml/2006/main" xmlns:a="http://schemas.openxmlformats.org/drawingml/2006/main" xmlns:r="http://schemas.openxmlformats.org/officeDocument/2006/relationships" xmlns:mc="http://schemas.openxmlformats.org/markup-compatibility/2006" xmlns:c="http://schemas.openxmlformats.org/drawingml/2006/chart" xmlns:ns6="http://schemas.openxmlformats.org/drawingml/2006/chartDrawing" xmlns:dgm="http://schemas.openxmlformats.org/drawingml/2006/diagram" xmlns:pic="http://schemas.openxmlformats.org/drawingml/2006/picture" xmlns:wp="http://schemas.openxmlformats.org/drawingml/2006/wordprocessingDrawing" xmlns:xdr="http://schemas.openxmlformats.org/drawingml/2006/spreadsheetDrawing" xmlns:ns11="http://schemas.openxmlformats.org/drawingml/2006/compatibility" xmlns:ns12="http://schemas.openxmlformats.org/drawingml/2006/lockedCanvas">
+<p:sld xmlns:p="http://schemas.openxmlformats.org/presentationml/2006/main" xmlns:r="http://schemas.openxmlformats.org/officeDocument/2006/relationships" xmlns:a="http://schemas.openxmlformats.org/drawingml/2006/main" xmlns:mc="http://schemas.openxmlformats.org/markup-compatibility/2006" xmlns:c="http://schemas.openxmlformats.org/drawingml/2006/chart" xmlns:ns6="http://schemas.openxmlformats.org/drawingml/2006/chartDrawing" xmlns:dgm="http://schemas.openxmlformats.org/drawingml/2006/diagram" xmlns:pic="http://schemas.openxmlformats.org/drawingml/2006/picture" xmlns:wp="http://schemas.openxmlformats.org/drawingml/2006/wordprocessingDrawing" xmlns:xdr="http://schemas.openxmlformats.org/drawingml/2006/spreadsheetDrawing" xmlns:ns11="http://schemas.openxmlformats.org/drawingml/2006/compatibility" xmlns:ns12="http://schemas.openxmlformats.org/drawingml/2006/lockedCanvas">
   <p:cSld>
     <p:spTree>
       <p:nvGrpSpPr>
@@ -7130,7 +7130,7 @@
 </file>
 
 <file path=ppt/slides/slide2.xml><?xml version="1.0" encoding="utf-8"?>
-<p:sld xmlns:p="http://schemas.openxmlformats.org/presentationml/2006/main" xmlns:a="http://schemas.openxmlformats.org/drawingml/2006/main" xmlns:r="http://schemas.openxmlformats.org/officeDocument/2006/relationships" xmlns:mc="http://schemas.openxmlformats.org/markup-compatibility/2006" xmlns:c="http://schemas.openxmlformats.org/drawingml/2006/chart" xmlns:ns6="http://schemas.openxmlformats.org/drawingml/2006/chartDrawing" xmlns:dgm="http://schemas.openxmlformats.org/drawingml/2006/diagram" xmlns:pic="http://schemas.openxmlformats.org/drawingml/2006/picture" xmlns:wp="http://schemas.openxmlformats.org/drawingml/2006/wordprocessingDrawing" xmlns:xdr="http://schemas.openxmlformats.org/drawingml/2006/spreadsheetDrawing" xmlns:ns11="http://schemas.openxmlformats.org/drawingml/2006/compatibility" xmlns:ns12="http://schemas.openxmlformats.org/drawingml/2006/lockedCanvas">
+<p:sld xmlns:p="http://schemas.openxmlformats.org/presentationml/2006/main" xmlns:r="http://schemas.openxmlformats.org/officeDocument/2006/relationships" xmlns:a="http://schemas.openxmlformats.org/drawingml/2006/main" xmlns:mc="http://schemas.openxmlformats.org/markup-compatibility/2006" xmlns:c="http://schemas.openxmlformats.org/drawingml/2006/chart" xmlns:ns6="http://schemas.openxmlformats.org/drawingml/2006/chartDrawing" xmlns:dgm="http://schemas.openxmlformats.org/drawingml/2006/diagram" xmlns:pic="http://schemas.openxmlformats.org/drawingml/2006/picture" xmlns:wp="http://schemas.openxmlformats.org/drawingml/2006/wordprocessingDrawing" xmlns:xdr="http://schemas.openxmlformats.org/drawingml/2006/spreadsheetDrawing" xmlns:ns11="http://schemas.openxmlformats.org/drawingml/2006/compatibility" xmlns:ns12="http://schemas.openxmlformats.org/drawingml/2006/lockedCanvas">
   <p:cSld>
     <p:spTree>
       <p:nvGrpSpPr>

--- a/docs/articles/base_example.pptx
+++ b/docs/articles/base_example.pptx
@@ -1,12 +1,12 @@
 
 <file path=ppt/presentation.xml><?xml version="1.0" encoding="utf-8"?>
-<p:presentation xmlns:p="http://schemas.openxmlformats.org/presentationml/2006/main" xmlns:r="http://schemas.openxmlformats.org/officeDocument/2006/relationships" xmlns:a="http://schemas.openxmlformats.org/drawingml/2006/main" xmlns:mc="http://schemas.openxmlformats.org/markup-compatibility/2006" xmlns:c="http://schemas.openxmlformats.org/drawingml/2006/chart" xmlns:ns6="http://schemas.openxmlformats.org/drawingml/2006/chartDrawing" xmlns:dgm="http://schemas.openxmlformats.org/drawingml/2006/diagram" xmlns:pic="http://schemas.openxmlformats.org/drawingml/2006/picture" xmlns:wp="http://schemas.openxmlformats.org/drawingml/2006/wordprocessingDrawing" xmlns:xdr="http://schemas.openxmlformats.org/drawingml/2006/spreadsheetDrawing" xmlns:ns11="http://schemas.openxmlformats.org/drawingml/2006/compatibility" xmlns:ns12="http://schemas.openxmlformats.org/drawingml/2006/lockedCanvas" saveSubsetFonts="true">
+<p:presentation xmlns:a="http://schemas.openxmlformats.org/drawingml/2006/main" xmlns:r="http://schemas.openxmlformats.org/officeDocument/2006/relationships" xmlns:p="http://schemas.openxmlformats.org/presentationml/2006/main" xmlns:mc="http://schemas.openxmlformats.org/markup-compatibility/2006" xmlns:c="http://schemas.openxmlformats.org/drawingml/2006/chart" xmlns:ns6="http://schemas.openxmlformats.org/drawingml/2006/chartDrawing" xmlns:dgm="http://schemas.openxmlformats.org/drawingml/2006/diagram" xmlns:pic="http://schemas.openxmlformats.org/drawingml/2006/picture" xmlns:wp="http://schemas.openxmlformats.org/drawingml/2006/wordprocessingDrawing" xmlns:xdr="http://schemas.openxmlformats.org/drawingml/2006/spreadsheetDrawing" xmlns:ns11="http://schemas.openxmlformats.org/drawingml/2006/compatibility" xmlns:ns12="http://schemas.openxmlformats.org/drawingml/2006/lockedCanvas" saveSubsetFonts="true">
   <p:sldMasterIdLst>
     <p:sldMasterId id="2147483648" r:id="rId1"/>
   </p:sldMasterIdLst>
   <p:sldIdLst>
-    <p:sldId id="869182409" r:id="rId6"/>
-    <p:sldId id="1836513128" r:id="rId7"/>
+    <p:sldId id="298852029" r:id="rId6"/>
+    <p:sldId id="1446536020" r:id="rId7"/>
   </p:sldIdLst>
   <p:sldSz cx="12192000" cy="6858000"/>
   <p:notesSz cx="6858000" cy="9144000"/>
@@ -114,7 +114,7 @@
 </file>
 
 <file path=ppt/slideLayouts/slideLayout1.xml><?xml version="1.0" encoding="utf-8"?>
-<p:sldLayout xmlns:p="http://schemas.openxmlformats.org/presentationml/2006/main" xmlns:r="http://schemas.openxmlformats.org/officeDocument/2006/relationships" xmlns:a="http://schemas.openxmlformats.org/drawingml/2006/main" xmlns:mc="http://schemas.openxmlformats.org/markup-compatibility/2006" xmlns:c="http://schemas.openxmlformats.org/drawingml/2006/chart" xmlns:ns6="http://schemas.openxmlformats.org/drawingml/2006/chartDrawing" xmlns:dgm="http://schemas.openxmlformats.org/drawingml/2006/diagram" xmlns:pic="http://schemas.openxmlformats.org/drawingml/2006/picture" xmlns:wp="http://schemas.openxmlformats.org/drawingml/2006/wordprocessingDrawing" xmlns:xdr="http://schemas.openxmlformats.org/drawingml/2006/spreadsheetDrawing" xmlns:ns11="http://schemas.openxmlformats.org/drawingml/2006/compatibility" xmlns:ns12="http://schemas.openxmlformats.org/drawingml/2006/lockedCanvas" type="title" preserve="true">
+<p:sldLayout xmlns:a="http://schemas.openxmlformats.org/drawingml/2006/main" xmlns:r="http://schemas.openxmlformats.org/officeDocument/2006/relationships" xmlns:p="http://schemas.openxmlformats.org/presentationml/2006/main" xmlns:mc="http://schemas.openxmlformats.org/markup-compatibility/2006" xmlns:c="http://schemas.openxmlformats.org/drawingml/2006/chart" xmlns:ns6="http://schemas.openxmlformats.org/drawingml/2006/chartDrawing" xmlns:dgm="http://schemas.openxmlformats.org/drawingml/2006/diagram" xmlns:pic="http://schemas.openxmlformats.org/drawingml/2006/picture" xmlns:wp="http://schemas.openxmlformats.org/drawingml/2006/wordprocessingDrawing" xmlns:xdr="http://schemas.openxmlformats.org/drawingml/2006/spreadsheetDrawing" xmlns:ns11="http://schemas.openxmlformats.org/drawingml/2006/compatibility" xmlns:ns12="http://schemas.openxmlformats.org/drawingml/2006/lockedCanvas" type="title" preserve="true">
   <p:cSld name="Title Slide">
     <p:spTree>
       <p:nvGrpSpPr>
@@ -313,7 +313,7 @@
 </file>
 
 <file path=ppt/slideLayouts/slideLayout10.xml><?xml version="1.0" encoding="utf-8"?>
-<p:sldLayout xmlns:p="http://schemas.openxmlformats.org/presentationml/2006/main" xmlns:r="http://schemas.openxmlformats.org/officeDocument/2006/relationships" xmlns:a="http://schemas.openxmlformats.org/drawingml/2006/main" xmlns:mc="http://schemas.openxmlformats.org/markup-compatibility/2006" xmlns:c="http://schemas.openxmlformats.org/drawingml/2006/chart" xmlns:ns6="http://schemas.openxmlformats.org/drawingml/2006/chartDrawing" xmlns:dgm="http://schemas.openxmlformats.org/drawingml/2006/diagram" xmlns:pic="http://schemas.openxmlformats.org/drawingml/2006/picture" xmlns:wp="http://schemas.openxmlformats.org/drawingml/2006/wordprocessingDrawing" xmlns:xdr="http://schemas.openxmlformats.org/drawingml/2006/spreadsheetDrawing" xmlns:ns11="http://schemas.openxmlformats.org/drawingml/2006/compatibility" xmlns:ns12="http://schemas.openxmlformats.org/drawingml/2006/lockedCanvas" type="vertTitleAndTx" preserve="true">
+<p:sldLayout xmlns:a="http://schemas.openxmlformats.org/drawingml/2006/main" xmlns:r="http://schemas.openxmlformats.org/officeDocument/2006/relationships" xmlns:p="http://schemas.openxmlformats.org/presentationml/2006/main" xmlns:mc="http://schemas.openxmlformats.org/markup-compatibility/2006" xmlns:c="http://schemas.openxmlformats.org/drawingml/2006/chart" xmlns:ns6="http://schemas.openxmlformats.org/drawingml/2006/chartDrawing" xmlns:dgm="http://schemas.openxmlformats.org/drawingml/2006/diagram" xmlns:pic="http://schemas.openxmlformats.org/drawingml/2006/picture" xmlns:wp="http://schemas.openxmlformats.org/drawingml/2006/wordprocessingDrawing" xmlns:xdr="http://schemas.openxmlformats.org/drawingml/2006/spreadsheetDrawing" xmlns:ns11="http://schemas.openxmlformats.org/drawingml/2006/compatibility" xmlns:ns12="http://schemas.openxmlformats.org/drawingml/2006/lockedCanvas" type="vertTitleAndTx" preserve="true">
   <p:cSld name="Vertical Title and Text">
     <p:spTree>
       <p:nvGrpSpPr>
@@ -500,7 +500,7 @@
 </file>
 
 <file path=ppt/slideLayouts/slideLayout2.xml><?xml version="1.0" encoding="utf-8"?>
-<p:sldLayout xmlns:p="http://schemas.openxmlformats.org/presentationml/2006/main" xmlns:r="http://schemas.openxmlformats.org/officeDocument/2006/relationships" xmlns:a="http://schemas.openxmlformats.org/drawingml/2006/main" xmlns:mc="http://schemas.openxmlformats.org/markup-compatibility/2006" xmlns:c="http://schemas.openxmlformats.org/drawingml/2006/chart" xmlns:ns6="http://schemas.openxmlformats.org/drawingml/2006/chartDrawing" xmlns:dgm="http://schemas.openxmlformats.org/drawingml/2006/diagram" xmlns:pic="http://schemas.openxmlformats.org/drawingml/2006/picture" xmlns:wp="http://schemas.openxmlformats.org/drawingml/2006/wordprocessingDrawing" xmlns:xdr="http://schemas.openxmlformats.org/drawingml/2006/spreadsheetDrawing" xmlns:ns11="http://schemas.openxmlformats.org/drawingml/2006/compatibility" xmlns:ns12="http://schemas.openxmlformats.org/drawingml/2006/lockedCanvas" type="obj" preserve="true">
+<p:sldLayout xmlns:a="http://schemas.openxmlformats.org/drawingml/2006/main" xmlns:r="http://schemas.openxmlformats.org/officeDocument/2006/relationships" xmlns:p="http://schemas.openxmlformats.org/presentationml/2006/main" xmlns:mc="http://schemas.openxmlformats.org/markup-compatibility/2006" xmlns:c="http://schemas.openxmlformats.org/drawingml/2006/chart" xmlns:ns6="http://schemas.openxmlformats.org/drawingml/2006/chartDrawing" xmlns:dgm="http://schemas.openxmlformats.org/drawingml/2006/diagram" xmlns:pic="http://schemas.openxmlformats.org/drawingml/2006/picture" xmlns:wp="http://schemas.openxmlformats.org/drawingml/2006/wordprocessingDrawing" xmlns:xdr="http://schemas.openxmlformats.org/drawingml/2006/spreadsheetDrawing" xmlns:ns11="http://schemas.openxmlformats.org/drawingml/2006/compatibility" xmlns:ns12="http://schemas.openxmlformats.org/drawingml/2006/lockedCanvas" type="obj" preserve="true">
   <p:cSld name="Title and Content">
     <p:spTree>
       <p:nvGrpSpPr>
@@ -682,7 +682,7 @@
 </file>
 
 <file path=ppt/slideLayouts/slideLayout3.xml><?xml version="1.0" encoding="utf-8"?>
-<p:sldLayout xmlns:p="http://schemas.openxmlformats.org/presentationml/2006/main" xmlns:r="http://schemas.openxmlformats.org/officeDocument/2006/relationships" xmlns:a="http://schemas.openxmlformats.org/drawingml/2006/main" xmlns:mc="http://schemas.openxmlformats.org/markup-compatibility/2006" xmlns:c="http://schemas.openxmlformats.org/drawingml/2006/chart" xmlns:ns6="http://schemas.openxmlformats.org/drawingml/2006/chartDrawing" xmlns:dgm="http://schemas.openxmlformats.org/drawingml/2006/diagram" xmlns:pic="http://schemas.openxmlformats.org/drawingml/2006/picture" xmlns:wp="http://schemas.openxmlformats.org/drawingml/2006/wordprocessingDrawing" xmlns:xdr="http://schemas.openxmlformats.org/drawingml/2006/spreadsheetDrawing" xmlns:ns11="http://schemas.openxmlformats.org/drawingml/2006/compatibility" xmlns:ns12="http://schemas.openxmlformats.org/drawingml/2006/lockedCanvas" type="secHead" preserve="true">
+<p:sldLayout xmlns:a="http://schemas.openxmlformats.org/drawingml/2006/main" xmlns:r="http://schemas.openxmlformats.org/officeDocument/2006/relationships" xmlns:p="http://schemas.openxmlformats.org/presentationml/2006/main" xmlns:mc="http://schemas.openxmlformats.org/markup-compatibility/2006" xmlns:c="http://schemas.openxmlformats.org/drawingml/2006/chart" xmlns:ns6="http://schemas.openxmlformats.org/drawingml/2006/chartDrawing" xmlns:dgm="http://schemas.openxmlformats.org/drawingml/2006/diagram" xmlns:pic="http://schemas.openxmlformats.org/drawingml/2006/picture" xmlns:wp="http://schemas.openxmlformats.org/drawingml/2006/wordprocessingDrawing" xmlns:xdr="http://schemas.openxmlformats.org/drawingml/2006/spreadsheetDrawing" xmlns:ns11="http://schemas.openxmlformats.org/drawingml/2006/compatibility" xmlns:ns12="http://schemas.openxmlformats.org/drawingml/2006/lockedCanvas" type="secHead" preserve="true">
   <p:cSld name="Section Header">
     <p:spTree>
       <p:nvGrpSpPr>
@@ -935,7 +935,7 @@
 </file>
 
 <file path=ppt/slideLayouts/slideLayout4.xml><?xml version="1.0" encoding="utf-8"?>
-<p:sldLayout xmlns:p="http://schemas.openxmlformats.org/presentationml/2006/main" xmlns:r="http://schemas.openxmlformats.org/officeDocument/2006/relationships" xmlns:a="http://schemas.openxmlformats.org/drawingml/2006/main" xmlns:mc="http://schemas.openxmlformats.org/markup-compatibility/2006" xmlns:c="http://schemas.openxmlformats.org/drawingml/2006/chart" xmlns:ns6="http://schemas.openxmlformats.org/drawingml/2006/chartDrawing" xmlns:dgm="http://schemas.openxmlformats.org/drawingml/2006/diagram" xmlns:pic="http://schemas.openxmlformats.org/drawingml/2006/picture" xmlns:wp="http://schemas.openxmlformats.org/drawingml/2006/wordprocessingDrawing" xmlns:xdr="http://schemas.openxmlformats.org/drawingml/2006/spreadsheetDrawing" xmlns:ns11="http://schemas.openxmlformats.org/drawingml/2006/compatibility" xmlns:ns12="http://schemas.openxmlformats.org/drawingml/2006/lockedCanvas" type="twoObj" preserve="true">
+<p:sldLayout xmlns:a="http://schemas.openxmlformats.org/drawingml/2006/main" xmlns:r="http://schemas.openxmlformats.org/officeDocument/2006/relationships" xmlns:p="http://schemas.openxmlformats.org/presentationml/2006/main" xmlns:mc="http://schemas.openxmlformats.org/markup-compatibility/2006" xmlns:c="http://schemas.openxmlformats.org/drawingml/2006/chart" xmlns:ns6="http://schemas.openxmlformats.org/drawingml/2006/chartDrawing" xmlns:dgm="http://schemas.openxmlformats.org/drawingml/2006/diagram" xmlns:pic="http://schemas.openxmlformats.org/drawingml/2006/picture" xmlns:wp="http://schemas.openxmlformats.org/drawingml/2006/wordprocessingDrawing" xmlns:xdr="http://schemas.openxmlformats.org/drawingml/2006/spreadsheetDrawing" xmlns:ns11="http://schemas.openxmlformats.org/drawingml/2006/compatibility" xmlns:ns12="http://schemas.openxmlformats.org/drawingml/2006/lockedCanvas" type="twoObj" preserve="true">
   <p:cSld name="Two Content">
     <p:spTree>
       <p:nvGrpSpPr>
@@ -1174,7 +1174,7 @@
 </file>
 
 <file path=ppt/slideLayouts/slideLayout5.xml><?xml version="1.0" encoding="utf-8"?>
-<p:sldLayout xmlns:p="http://schemas.openxmlformats.org/presentationml/2006/main" xmlns:r="http://schemas.openxmlformats.org/officeDocument/2006/relationships" xmlns:a="http://schemas.openxmlformats.org/drawingml/2006/main" xmlns:mc="http://schemas.openxmlformats.org/markup-compatibility/2006" xmlns:c="http://schemas.openxmlformats.org/drawingml/2006/chart" xmlns:ns6="http://schemas.openxmlformats.org/drawingml/2006/chartDrawing" xmlns:dgm="http://schemas.openxmlformats.org/drawingml/2006/diagram" xmlns:pic="http://schemas.openxmlformats.org/drawingml/2006/picture" xmlns:wp="http://schemas.openxmlformats.org/drawingml/2006/wordprocessingDrawing" xmlns:xdr="http://schemas.openxmlformats.org/drawingml/2006/spreadsheetDrawing" xmlns:ns11="http://schemas.openxmlformats.org/drawingml/2006/compatibility" xmlns:ns12="http://schemas.openxmlformats.org/drawingml/2006/lockedCanvas" type="twoTxTwoObj" preserve="true">
+<p:sldLayout xmlns:a="http://schemas.openxmlformats.org/drawingml/2006/main" xmlns:r="http://schemas.openxmlformats.org/officeDocument/2006/relationships" xmlns:p="http://schemas.openxmlformats.org/presentationml/2006/main" xmlns:mc="http://schemas.openxmlformats.org/markup-compatibility/2006" xmlns:c="http://schemas.openxmlformats.org/drawingml/2006/chart" xmlns:ns6="http://schemas.openxmlformats.org/drawingml/2006/chartDrawing" xmlns:dgm="http://schemas.openxmlformats.org/drawingml/2006/diagram" xmlns:pic="http://schemas.openxmlformats.org/drawingml/2006/picture" xmlns:wp="http://schemas.openxmlformats.org/drawingml/2006/wordprocessingDrawing" xmlns:xdr="http://schemas.openxmlformats.org/drawingml/2006/spreadsheetDrawing" xmlns:ns11="http://schemas.openxmlformats.org/drawingml/2006/compatibility" xmlns:ns12="http://schemas.openxmlformats.org/drawingml/2006/lockedCanvas" type="twoTxTwoObj" preserve="true">
   <p:cSld name="Comparison">
     <p:spTree>
       <p:nvGrpSpPr>
@@ -1529,7 +1529,7 @@
 </file>
 
 <file path=ppt/slideLayouts/slideLayout6.xml><?xml version="1.0" encoding="utf-8"?>
-<p:sldLayout xmlns:p="http://schemas.openxmlformats.org/presentationml/2006/main" xmlns:r="http://schemas.openxmlformats.org/officeDocument/2006/relationships" xmlns:a="http://schemas.openxmlformats.org/drawingml/2006/main" xmlns:mc="http://schemas.openxmlformats.org/markup-compatibility/2006" xmlns:c="http://schemas.openxmlformats.org/drawingml/2006/chart" xmlns:ns6="http://schemas.openxmlformats.org/drawingml/2006/chartDrawing" xmlns:dgm="http://schemas.openxmlformats.org/drawingml/2006/diagram" xmlns:pic="http://schemas.openxmlformats.org/drawingml/2006/picture" xmlns:wp="http://schemas.openxmlformats.org/drawingml/2006/wordprocessingDrawing" xmlns:xdr="http://schemas.openxmlformats.org/drawingml/2006/spreadsheetDrawing" xmlns:ns11="http://schemas.openxmlformats.org/drawingml/2006/compatibility" xmlns:ns12="http://schemas.openxmlformats.org/drawingml/2006/lockedCanvas" type="titleOnly" preserve="true">
+<p:sldLayout xmlns:a="http://schemas.openxmlformats.org/drawingml/2006/main" xmlns:r="http://schemas.openxmlformats.org/officeDocument/2006/relationships" xmlns:p="http://schemas.openxmlformats.org/presentationml/2006/main" xmlns:mc="http://schemas.openxmlformats.org/markup-compatibility/2006" xmlns:c="http://schemas.openxmlformats.org/drawingml/2006/chart" xmlns:ns6="http://schemas.openxmlformats.org/drawingml/2006/chartDrawing" xmlns:dgm="http://schemas.openxmlformats.org/drawingml/2006/diagram" xmlns:pic="http://schemas.openxmlformats.org/drawingml/2006/picture" xmlns:wp="http://schemas.openxmlformats.org/drawingml/2006/wordprocessingDrawing" xmlns:xdr="http://schemas.openxmlformats.org/drawingml/2006/spreadsheetDrawing" xmlns:ns11="http://schemas.openxmlformats.org/drawingml/2006/compatibility" xmlns:ns12="http://schemas.openxmlformats.org/drawingml/2006/lockedCanvas" type="titleOnly" preserve="true">
   <p:cSld name="Title Only">
     <p:spTree>
       <p:nvGrpSpPr>
@@ -1654,7 +1654,7 @@
 </file>
 
 <file path=ppt/slideLayouts/slideLayout7.xml><?xml version="1.0" encoding="utf-8"?>
-<p:sldLayout xmlns:p="http://schemas.openxmlformats.org/presentationml/2006/main" xmlns:r="http://schemas.openxmlformats.org/officeDocument/2006/relationships" xmlns:a="http://schemas.openxmlformats.org/drawingml/2006/main" xmlns:mc="http://schemas.openxmlformats.org/markup-compatibility/2006" xmlns:c="http://schemas.openxmlformats.org/drawingml/2006/chart" xmlns:ns6="http://schemas.openxmlformats.org/drawingml/2006/chartDrawing" xmlns:dgm="http://schemas.openxmlformats.org/drawingml/2006/diagram" xmlns:pic="http://schemas.openxmlformats.org/drawingml/2006/picture" xmlns:wp="http://schemas.openxmlformats.org/drawingml/2006/wordprocessingDrawing" xmlns:xdr="http://schemas.openxmlformats.org/drawingml/2006/spreadsheetDrawing" xmlns:ns11="http://schemas.openxmlformats.org/drawingml/2006/compatibility" xmlns:ns12="http://schemas.openxmlformats.org/drawingml/2006/lockedCanvas" type="blank" preserve="true">
+<p:sldLayout xmlns:a="http://schemas.openxmlformats.org/drawingml/2006/main" xmlns:r="http://schemas.openxmlformats.org/officeDocument/2006/relationships" xmlns:p="http://schemas.openxmlformats.org/presentationml/2006/main" xmlns:mc="http://schemas.openxmlformats.org/markup-compatibility/2006" xmlns:c="http://schemas.openxmlformats.org/drawingml/2006/chart" xmlns:ns6="http://schemas.openxmlformats.org/drawingml/2006/chartDrawing" xmlns:dgm="http://schemas.openxmlformats.org/drawingml/2006/diagram" xmlns:pic="http://schemas.openxmlformats.org/drawingml/2006/picture" xmlns:wp="http://schemas.openxmlformats.org/drawingml/2006/wordprocessingDrawing" xmlns:xdr="http://schemas.openxmlformats.org/drawingml/2006/spreadsheetDrawing" xmlns:ns11="http://schemas.openxmlformats.org/drawingml/2006/compatibility" xmlns:ns12="http://schemas.openxmlformats.org/drawingml/2006/lockedCanvas" type="blank" preserve="true">
   <p:cSld name="Blank">
     <p:spTree>
       <p:nvGrpSpPr>
@@ -1756,7 +1756,7 @@
 </file>
 
 <file path=ppt/slideLayouts/slideLayout8.xml><?xml version="1.0" encoding="utf-8"?>
-<p:sldLayout xmlns:p="http://schemas.openxmlformats.org/presentationml/2006/main" xmlns:r="http://schemas.openxmlformats.org/officeDocument/2006/relationships" xmlns:a="http://schemas.openxmlformats.org/drawingml/2006/main" xmlns:mc="http://schemas.openxmlformats.org/markup-compatibility/2006" xmlns:c="http://schemas.openxmlformats.org/drawingml/2006/chart" xmlns:ns6="http://schemas.openxmlformats.org/drawingml/2006/chartDrawing" xmlns:dgm="http://schemas.openxmlformats.org/drawingml/2006/diagram" xmlns:pic="http://schemas.openxmlformats.org/drawingml/2006/picture" xmlns:wp="http://schemas.openxmlformats.org/drawingml/2006/wordprocessingDrawing" xmlns:xdr="http://schemas.openxmlformats.org/drawingml/2006/spreadsheetDrawing" xmlns:ns11="http://schemas.openxmlformats.org/drawingml/2006/compatibility" xmlns:ns12="http://schemas.openxmlformats.org/drawingml/2006/lockedCanvas" type="objTx" preserve="true">
+<p:sldLayout xmlns:a="http://schemas.openxmlformats.org/drawingml/2006/main" xmlns:r="http://schemas.openxmlformats.org/officeDocument/2006/relationships" xmlns:p="http://schemas.openxmlformats.org/presentationml/2006/main" xmlns:mc="http://schemas.openxmlformats.org/markup-compatibility/2006" xmlns:c="http://schemas.openxmlformats.org/drawingml/2006/chart" xmlns:ns6="http://schemas.openxmlformats.org/drawingml/2006/chartDrawing" xmlns:dgm="http://schemas.openxmlformats.org/drawingml/2006/diagram" xmlns:pic="http://schemas.openxmlformats.org/drawingml/2006/picture" xmlns:wp="http://schemas.openxmlformats.org/drawingml/2006/wordprocessingDrawing" xmlns:xdr="http://schemas.openxmlformats.org/drawingml/2006/spreadsheetDrawing" xmlns:ns11="http://schemas.openxmlformats.org/drawingml/2006/compatibility" xmlns:ns12="http://schemas.openxmlformats.org/drawingml/2006/lockedCanvas" type="objTx" preserve="true">
   <p:cSld name="Content with Caption">
     <p:spTree>
       <p:nvGrpSpPr>
@@ -2040,7 +2040,7 @@
 </file>
 
 <file path=ppt/slideLayouts/slideLayout9.xml><?xml version="1.0" encoding="utf-8"?>
-<p:sldLayout xmlns:p="http://schemas.openxmlformats.org/presentationml/2006/main" xmlns:r="http://schemas.openxmlformats.org/officeDocument/2006/relationships" xmlns:a="http://schemas.openxmlformats.org/drawingml/2006/main" xmlns:mc="http://schemas.openxmlformats.org/markup-compatibility/2006" xmlns:c="http://schemas.openxmlformats.org/drawingml/2006/chart" xmlns:ns6="http://schemas.openxmlformats.org/drawingml/2006/chartDrawing" xmlns:dgm="http://schemas.openxmlformats.org/drawingml/2006/diagram" xmlns:pic="http://schemas.openxmlformats.org/drawingml/2006/picture" xmlns:wp="http://schemas.openxmlformats.org/drawingml/2006/wordprocessingDrawing" xmlns:xdr="http://schemas.openxmlformats.org/drawingml/2006/spreadsheetDrawing" xmlns:ns11="http://schemas.openxmlformats.org/drawingml/2006/compatibility" xmlns:ns12="http://schemas.openxmlformats.org/drawingml/2006/lockedCanvas" type="vertTx" preserve="true">
+<p:sldLayout xmlns:a="http://schemas.openxmlformats.org/drawingml/2006/main" xmlns:r="http://schemas.openxmlformats.org/officeDocument/2006/relationships" xmlns:p="http://schemas.openxmlformats.org/presentationml/2006/main" xmlns:mc="http://schemas.openxmlformats.org/markup-compatibility/2006" xmlns:c="http://schemas.openxmlformats.org/drawingml/2006/chart" xmlns:ns6="http://schemas.openxmlformats.org/drawingml/2006/chartDrawing" xmlns:dgm="http://schemas.openxmlformats.org/drawingml/2006/diagram" xmlns:pic="http://schemas.openxmlformats.org/drawingml/2006/picture" xmlns:wp="http://schemas.openxmlformats.org/drawingml/2006/wordprocessingDrawing" xmlns:xdr="http://schemas.openxmlformats.org/drawingml/2006/spreadsheetDrawing" xmlns:ns11="http://schemas.openxmlformats.org/drawingml/2006/compatibility" xmlns:ns12="http://schemas.openxmlformats.org/drawingml/2006/lockedCanvas" type="vertTx" preserve="true">
   <p:cSld name="Title and Vertical Text">
     <p:spTree>
       <p:nvGrpSpPr>
@@ -2217,7 +2217,7 @@
 </file>
 
 <file path=ppt/slideMasters/slideMaster1.xml><?xml version="1.0" encoding="utf-8"?>
-<p:sldMaster xmlns:p="http://schemas.openxmlformats.org/presentationml/2006/main" xmlns:r="http://schemas.openxmlformats.org/officeDocument/2006/relationships" xmlns:a="http://schemas.openxmlformats.org/drawingml/2006/main" xmlns:mc="http://schemas.openxmlformats.org/markup-compatibility/2006" xmlns:c="http://schemas.openxmlformats.org/drawingml/2006/chart" xmlns:ns6="http://schemas.openxmlformats.org/drawingml/2006/chartDrawing" xmlns:dgm="http://schemas.openxmlformats.org/drawingml/2006/diagram" xmlns:pic="http://schemas.openxmlformats.org/drawingml/2006/picture" xmlns:wp="http://schemas.openxmlformats.org/drawingml/2006/wordprocessingDrawing" xmlns:xdr="http://schemas.openxmlformats.org/drawingml/2006/spreadsheetDrawing" xmlns:ns11="http://schemas.openxmlformats.org/drawingml/2006/compatibility" xmlns:ns12="http://schemas.openxmlformats.org/drawingml/2006/lockedCanvas">
+<p:sldMaster xmlns:a="http://schemas.openxmlformats.org/drawingml/2006/main" xmlns:r="http://schemas.openxmlformats.org/officeDocument/2006/relationships" xmlns:p="http://schemas.openxmlformats.org/presentationml/2006/main" xmlns:mc="http://schemas.openxmlformats.org/markup-compatibility/2006" xmlns:c="http://schemas.openxmlformats.org/drawingml/2006/chart" xmlns:ns6="http://schemas.openxmlformats.org/drawingml/2006/chartDrawing" xmlns:dgm="http://schemas.openxmlformats.org/drawingml/2006/diagram" xmlns:pic="http://schemas.openxmlformats.org/drawingml/2006/picture" xmlns:wp="http://schemas.openxmlformats.org/drawingml/2006/wordprocessingDrawing" xmlns:xdr="http://schemas.openxmlformats.org/drawingml/2006/spreadsheetDrawing" xmlns:ns11="http://schemas.openxmlformats.org/drawingml/2006/compatibility" xmlns:ns12="http://schemas.openxmlformats.org/drawingml/2006/lockedCanvas">
   <p:cSld>
     <p:bg>
       <p:bgRef idx="1001">
@@ -2763,7 +2763,7 @@
 </file>
 
 <file path=ppt/slides/slide1.xml><?xml version="1.0" encoding="utf-8"?>
-<p:sld xmlns:p="http://schemas.openxmlformats.org/presentationml/2006/main" xmlns:r="http://schemas.openxmlformats.org/officeDocument/2006/relationships" xmlns:a="http://schemas.openxmlformats.org/drawingml/2006/main" xmlns:mc="http://schemas.openxmlformats.org/markup-compatibility/2006" xmlns:c="http://schemas.openxmlformats.org/drawingml/2006/chart" xmlns:ns6="http://schemas.openxmlformats.org/drawingml/2006/chartDrawing" xmlns:dgm="http://schemas.openxmlformats.org/drawingml/2006/diagram" xmlns:pic="http://schemas.openxmlformats.org/drawingml/2006/picture" xmlns:wp="http://schemas.openxmlformats.org/drawingml/2006/wordprocessingDrawing" xmlns:xdr="http://schemas.openxmlformats.org/drawingml/2006/spreadsheetDrawing" xmlns:ns11="http://schemas.openxmlformats.org/drawingml/2006/compatibility" xmlns:ns12="http://schemas.openxmlformats.org/drawingml/2006/lockedCanvas">
+<p:sld xmlns:a="http://schemas.openxmlformats.org/drawingml/2006/main" xmlns:r="http://schemas.openxmlformats.org/officeDocument/2006/relationships" xmlns:p="http://schemas.openxmlformats.org/presentationml/2006/main" xmlns:mc="http://schemas.openxmlformats.org/markup-compatibility/2006" xmlns:c="http://schemas.openxmlformats.org/drawingml/2006/chart" xmlns:ns6="http://schemas.openxmlformats.org/drawingml/2006/chartDrawing" xmlns:dgm="http://schemas.openxmlformats.org/drawingml/2006/diagram" xmlns:pic="http://schemas.openxmlformats.org/drawingml/2006/picture" xmlns:wp="http://schemas.openxmlformats.org/drawingml/2006/wordprocessingDrawing" xmlns:xdr="http://schemas.openxmlformats.org/drawingml/2006/spreadsheetDrawing" xmlns:ns11="http://schemas.openxmlformats.org/drawingml/2006/compatibility" xmlns:ns12="http://schemas.openxmlformats.org/drawingml/2006/lockedCanvas">
   <p:cSld>
     <p:spTree>
       <p:nvGrpSpPr>
@@ -7130,7 +7130,7 @@
 </file>
 
 <file path=ppt/slides/slide2.xml><?xml version="1.0" encoding="utf-8"?>
-<p:sld xmlns:p="http://schemas.openxmlformats.org/presentationml/2006/main" xmlns:r="http://schemas.openxmlformats.org/officeDocument/2006/relationships" xmlns:a="http://schemas.openxmlformats.org/drawingml/2006/main" xmlns:mc="http://schemas.openxmlformats.org/markup-compatibility/2006" xmlns:c="http://schemas.openxmlformats.org/drawingml/2006/chart" xmlns:ns6="http://schemas.openxmlformats.org/drawingml/2006/chartDrawing" xmlns:dgm="http://schemas.openxmlformats.org/drawingml/2006/diagram" xmlns:pic="http://schemas.openxmlformats.org/drawingml/2006/picture" xmlns:wp="http://schemas.openxmlformats.org/drawingml/2006/wordprocessingDrawing" xmlns:xdr="http://schemas.openxmlformats.org/drawingml/2006/spreadsheetDrawing" xmlns:ns11="http://schemas.openxmlformats.org/drawingml/2006/compatibility" xmlns:ns12="http://schemas.openxmlformats.org/drawingml/2006/lockedCanvas">
+<p:sld xmlns:a="http://schemas.openxmlformats.org/drawingml/2006/main" xmlns:r="http://schemas.openxmlformats.org/officeDocument/2006/relationships" xmlns:p="http://schemas.openxmlformats.org/presentationml/2006/main" xmlns:mc="http://schemas.openxmlformats.org/markup-compatibility/2006" xmlns:c="http://schemas.openxmlformats.org/drawingml/2006/chart" xmlns:ns6="http://schemas.openxmlformats.org/drawingml/2006/chartDrawing" xmlns:dgm="http://schemas.openxmlformats.org/drawingml/2006/diagram" xmlns:pic="http://schemas.openxmlformats.org/drawingml/2006/picture" xmlns:wp="http://schemas.openxmlformats.org/drawingml/2006/wordprocessingDrawing" xmlns:xdr="http://schemas.openxmlformats.org/drawingml/2006/spreadsheetDrawing" xmlns:ns11="http://schemas.openxmlformats.org/drawingml/2006/compatibility" xmlns:ns12="http://schemas.openxmlformats.org/drawingml/2006/lockedCanvas">
   <p:cSld>
     <p:spTree>
       <p:nvGrpSpPr>

--- a/docs/articles/base_example.pptx
+++ b/docs/articles/base_example.pptx
@@ -1,12 +1,12 @@
 
 <file path=ppt/presentation.xml><?xml version="1.0" encoding="utf-8"?>
-<p:presentation xmlns:a="http://schemas.openxmlformats.org/drawingml/2006/main" xmlns:r="http://schemas.openxmlformats.org/officeDocument/2006/relationships" xmlns:p="http://schemas.openxmlformats.org/presentationml/2006/main" xmlns:mc="http://schemas.openxmlformats.org/markup-compatibility/2006" xmlns:c="http://schemas.openxmlformats.org/drawingml/2006/chart" xmlns:ns6="http://schemas.openxmlformats.org/drawingml/2006/chartDrawing" xmlns:dgm="http://schemas.openxmlformats.org/drawingml/2006/diagram" xmlns:pic="http://schemas.openxmlformats.org/drawingml/2006/picture" xmlns:wp="http://schemas.openxmlformats.org/drawingml/2006/wordprocessingDrawing" xmlns:xdr="http://schemas.openxmlformats.org/drawingml/2006/spreadsheetDrawing" xmlns:ns11="http://schemas.openxmlformats.org/drawingml/2006/compatibility" xmlns:ns12="http://schemas.openxmlformats.org/drawingml/2006/lockedCanvas" saveSubsetFonts="true">
+<p:presentation xmlns:r="http://schemas.openxmlformats.org/officeDocument/2006/relationships" xmlns:a="http://schemas.openxmlformats.org/drawingml/2006/main" xmlns:p="http://schemas.openxmlformats.org/presentationml/2006/main" xmlns:mc="http://schemas.openxmlformats.org/markup-compatibility/2006" xmlns:c="http://schemas.openxmlformats.org/drawingml/2006/chart" xmlns:ns6="http://schemas.openxmlformats.org/drawingml/2006/chartDrawing" xmlns:dgm="http://schemas.openxmlformats.org/drawingml/2006/diagram" xmlns:pic="http://schemas.openxmlformats.org/drawingml/2006/picture" xmlns:wp="http://schemas.openxmlformats.org/drawingml/2006/wordprocessingDrawing" xmlns:xdr="http://schemas.openxmlformats.org/drawingml/2006/spreadsheetDrawing" xmlns:ns11="http://schemas.openxmlformats.org/drawingml/2006/compatibility" xmlns:ns12="http://schemas.openxmlformats.org/drawingml/2006/lockedCanvas" saveSubsetFonts="true">
   <p:sldMasterIdLst>
     <p:sldMasterId id="2147483648" r:id="rId1"/>
   </p:sldMasterIdLst>
   <p:sldIdLst>
-    <p:sldId id="298852029" r:id="rId6"/>
-    <p:sldId id="1446536020" r:id="rId7"/>
+    <p:sldId id="1754568130" r:id="rId6"/>
+    <p:sldId id="1342927710" r:id="rId7"/>
   </p:sldIdLst>
   <p:sldSz cx="12192000" cy="6858000"/>
   <p:notesSz cx="6858000" cy="9144000"/>
@@ -114,7 +114,7 @@
 </file>
 
 <file path=ppt/slideLayouts/slideLayout1.xml><?xml version="1.0" encoding="utf-8"?>
-<p:sldLayout xmlns:a="http://schemas.openxmlformats.org/drawingml/2006/main" xmlns:r="http://schemas.openxmlformats.org/officeDocument/2006/relationships" xmlns:p="http://schemas.openxmlformats.org/presentationml/2006/main" xmlns:mc="http://schemas.openxmlformats.org/markup-compatibility/2006" xmlns:c="http://schemas.openxmlformats.org/drawingml/2006/chart" xmlns:ns6="http://schemas.openxmlformats.org/drawingml/2006/chartDrawing" xmlns:dgm="http://schemas.openxmlformats.org/drawingml/2006/diagram" xmlns:pic="http://schemas.openxmlformats.org/drawingml/2006/picture" xmlns:wp="http://schemas.openxmlformats.org/drawingml/2006/wordprocessingDrawing" xmlns:xdr="http://schemas.openxmlformats.org/drawingml/2006/spreadsheetDrawing" xmlns:ns11="http://schemas.openxmlformats.org/drawingml/2006/compatibility" xmlns:ns12="http://schemas.openxmlformats.org/drawingml/2006/lockedCanvas" type="title" preserve="true">
+<p:sldLayout xmlns:r="http://schemas.openxmlformats.org/officeDocument/2006/relationships" xmlns:a="http://schemas.openxmlformats.org/drawingml/2006/main" xmlns:p="http://schemas.openxmlformats.org/presentationml/2006/main" xmlns:mc="http://schemas.openxmlformats.org/markup-compatibility/2006" xmlns:c="http://schemas.openxmlformats.org/drawingml/2006/chart" xmlns:ns6="http://schemas.openxmlformats.org/drawingml/2006/chartDrawing" xmlns:dgm="http://schemas.openxmlformats.org/drawingml/2006/diagram" xmlns:pic="http://schemas.openxmlformats.org/drawingml/2006/picture" xmlns:wp="http://schemas.openxmlformats.org/drawingml/2006/wordprocessingDrawing" xmlns:xdr="http://schemas.openxmlformats.org/drawingml/2006/spreadsheetDrawing" xmlns:ns11="http://schemas.openxmlformats.org/drawingml/2006/compatibility" xmlns:ns12="http://schemas.openxmlformats.org/drawingml/2006/lockedCanvas" type="title" preserve="true">
   <p:cSld name="Title Slide">
     <p:spTree>
       <p:nvGrpSpPr>
@@ -313,7 +313,7 @@
 </file>
 
 <file path=ppt/slideLayouts/slideLayout10.xml><?xml version="1.0" encoding="utf-8"?>
-<p:sldLayout xmlns:a="http://schemas.openxmlformats.org/drawingml/2006/main" xmlns:r="http://schemas.openxmlformats.org/officeDocument/2006/relationships" xmlns:p="http://schemas.openxmlformats.org/presentationml/2006/main" xmlns:mc="http://schemas.openxmlformats.org/markup-compatibility/2006" xmlns:c="http://schemas.openxmlformats.org/drawingml/2006/chart" xmlns:ns6="http://schemas.openxmlformats.org/drawingml/2006/chartDrawing" xmlns:dgm="http://schemas.openxmlformats.org/drawingml/2006/diagram" xmlns:pic="http://schemas.openxmlformats.org/drawingml/2006/picture" xmlns:wp="http://schemas.openxmlformats.org/drawingml/2006/wordprocessingDrawing" xmlns:xdr="http://schemas.openxmlformats.org/drawingml/2006/spreadsheetDrawing" xmlns:ns11="http://schemas.openxmlformats.org/drawingml/2006/compatibility" xmlns:ns12="http://schemas.openxmlformats.org/drawingml/2006/lockedCanvas" type="vertTitleAndTx" preserve="true">
+<p:sldLayout xmlns:r="http://schemas.openxmlformats.org/officeDocument/2006/relationships" xmlns:a="http://schemas.openxmlformats.org/drawingml/2006/main" xmlns:p="http://schemas.openxmlformats.org/presentationml/2006/main" xmlns:mc="http://schemas.openxmlformats.org/markup-compatibility/2006" xmlns:c="http://schemas.openxmlformats.org/drawingml/2006/chart" xmlns:ns6="http://schemas.openxmlformats.org/drawingml/2006/chartDrawing" xmlns:dgm="http://schemas.openxmlformats.org/drawingml/2006/diagram" xmlns:pic="http://schemas.openxmlformats.org/drawingml/2006/picture" xmlns:wp="http://schemas.openxmlformats.org/drawingml/2006/wordprocessingDrawing" xmlns:xdr="http://schemas.openxmlformats.org/drawingml/2006/spreadsheetDrawing" xmlns:ns11="http://schemas.openxmlformats.org/drawingml/2006/compatibility" xmlns:ns12="http://schemas.openxmlformats.org/drawingml/2006/lockedCanvas" type="vertTitleAndTx" preserve="true">
   <p:cSld name="Vertical Title and Text">
     <p:spTree>
       <p:nvGrpSpPr>
@@ -500,7 +500,7 @@
 </file>
 
 <file path=ppt/slideLayouts/slideLayout2.xml><?xml version="1.0" encoding="utf-8"?>
-<p:sldLayout xmlns:a="http://schemas.openxmlformats.org/drawingml/2006/main" xmlns:r="http://schemas.openxmlformats.org/officeDocument/2006/relationships" xmlns:p="http://schemas.openxmlformats.org/presentationml/2006/main" xmlns:mc="http://schemas.openxmlformats.org/markup-compatibility/2006" xmlns:c="http://schemas.openxmlformats.org/drawingml/2006/chart" xmlns:ns6="http://schemas.openxmlformats.org/drawingml/2006/chartDrawing" xmlns:dgm="http://schemas.openxmlformats.org/drawingml/2006/diagram" xmlns:pic="http://schemas.openxmlformats.org/drawingml/2006/picture" xmlns:wp="http://schemas.openxmlformats.org/drawingml/2006/wordprocessingDrawing" xmlns:xdr="http://schemas.openxmlformats.org/drawingml/2006/spreadsheetDrawing" xmlns:ns11="http://schemas.openxmlformats.org/drawingml/2006/compatibility" xmlns:ns12="http://schemas.openxmlformats.org/drawingml/2006/lockedCanvas" type="obj" preserve="true">
+<p:sldLayout xmlns:r="http://schemas.openxmlformats.org/officeDocument/2006/relationships" xmlns:a="http://schemas.openxmlformats.org/drawingml/2006/main" xmlns:p="http://schemas.openxmlformats.org/presentationml/2006/main" xmlns:mc="http://schemas.openxmlformats.org/markup-compatibility/2006" xmlns:c="http://schemas.openxmlformats.org/drawingml/2006/chart" xmlns:ns6="http://schemas.openxmlformats.org/drawingml/2006/chartDrawing" xmlns:dgm="http://schemas.openxmlformats.org/drawingml/2006/diagram" xmlns:pic="http://schemas.openxmlformats.org/drawingml/2006/picture" xmlns:wp="http://schemas.openxmlformats.org/drawingml/2006/wordprocessingDrawing" xmlns:xdr="http://schemas.openxmlformats.org/drawingml/2006/spreadsheetDrawing" xmlns:ns11="http://schemas.openxmlformats.org/drawingml/2006/compatibility" xmlns:ns12="http://schemas.openxmlformats.org/drawingml/2006/lockedCanvas" type="obj" preserve="true">
   <p:cSld name="Title and Content">
     <p:spTree>
       <p:nvGrpSpPr>
@@ -682,7 +682,7 @@
 </file>
 
 <file path=ppt/slideLayouts/slideLayout3.xml><?xml version="1.0" encoding="utf-8"?>
-<p:sldLayout xmlns:a="http://schemas.openxmlformats.org/drawingml/2006/main" xmlns:r="http://schemas.openxmlformats.org/officeDocument/2006/relationships" xmlns:p="http://schemas.openxmlformats.org/presentationml/2006/main" xmlns:mc="http://schemas.openxmlformats.org/markup-compatibility/2006" xmlns:c="http://schemas.openxmlformats.org/drawingml/2006/chart" xmlns:ns6="http://schemas.openxmlformats.org/drawingml/2006/chartDrawing" xmlns:dgm="http://schemas.openxmlformats.org/drawingml/2006/diagram" xmlns:pic="http://schemas.openxmlformats.org/drawingml/2006/picture" xmlns:wp="http://schemas.openxmlformats.org/drawingml/2006/wordprocessingDrawing" xmlns:xdr="http://schemas.openxmlformats.org/drawingml/2006/spreadsheetDrawing" xmlns:ns11="http://schemas.openxmlformats.org/drawingml/2006/compatibility" xmlns:ns12="http://schemas.openxmlformats.org/drawingml/2006/lockedCanvas" type="secHead" preserve="true">
+<p:sldLayout xmlns:r="http://schemas.openxmlformats.org/officeDocument/2006/relationships" xmlns:a="http://schemas.openxmlformats.org/drawingml/2006/main" xmlns:p="http://schemas.openxmlformats.org/presentationml/2006/main" xmlns:mc="http://schemas.openxmlformats.org/markup-compatibility/2006" xmlns:c="http://schemas.openxmlformats.org/drawingml/2006/chart" xmlns:ns6="http://schemas.openxmlformats.org/drawingml/2006/chartDrawing" xmlns:dgm="http://schemas.openxmlformats.org/drawingml/2006/diagram" xmlns:pic="http://schemas.openxmlformats.org/drawingml/2006/picture" xmlns:wp="http://schemas.openxmlformats.org/drawingml/2006/wordprocessingDrawing" xmlns:xdr="http://schemas.openxmlformats.org/drawingml/2006/spreadsheetDrawing" xmlns:ns11="http://schemas.openxmlformats.org/drawingml/2006/compatibility" xmlns:ns12="http://schemas.openxmlformats.org/drawingml/2006/lockedCanvas" type="secHead" preserve="true">
   <p:cSld name="Section Header">
     <p:spTree>
       <p:nvGrpSpPr>
@@ -935,7 +935,7 @@
 </file>
 
 <file path=ppt/slideLayouts/slideLayout4.xml><?xml version="1.0" encoding="utf-8"?>
-<p:sldLayout xmlns:a="http://schemas.openxmlformats.org/drawingml/2006/main" xmlns:r="http://schemas.openxmlformats.org/officeDocument/2006/relationships" xmlns:p="http://schemas.openxmlformats.org/presentationml/2006/main" xmlns:mc="http://schemas.openxmlformats.org/markup-compatibility/2006" xmlns:c="http://schemas.openxmlformats.org/drawingml/2006/chart" xmlns:ns6="http://schemas.openxmlformats.org/drawingml/2006/chartDrawing" xmlns:dgm="http://schemas.openxmlformats.org/drawingml/2006/diagram" xmlns:pic="http://schemas.openxmlformats.org/drawingml/2006/picture" xmlns:wp="http://schemas.openxmlformats.org/drawingml/2006/wordprocessingDrawing" xmlns:xdr="http://schemas.openxmlformats.org/drawingml/2006/spreadsheetDrawing" xmlns:ns11="http://schemas.openxmlformats.org/drawingml/2006/compatibility" xmlns:ns12="http://schemas.openxmlformats.org/drawingml/2006/lockedCanvas" type="twoObj" preserve="true">
+<p:sldLayout xmlns:r="http://schemas.openxmlformats.org/officeDocument/2006/relationships" xmlns:a="http://schemas.openxmlformats.org/drawingml/2006/main" xmlns:p="http://schemas.openxmlformats.org/presentationml/2006/main" xmlns:mc="http://schemas.openxmlformats.org/markup-compatibility/2006" xmlns:c="http://schemas.openxmlformats.org/drawingml/2006/chart" xmlns:ns6="http://schemas.openxmlformats.org/drawingml/2006/chartDrawing" xmlns:dgm="http://schemas.openxmlformats.org/drawingml/2006/diagram" xmlns:pic="http://schemas.openxmlformats.org/drawingml/2006/picture" xmlns:wp="http://schemas.openxmlformats.org/drawingml/2006/wordprocessingDrawing" xmlns:xdr="http://schemas.openxmlformats.org/drawingml/2006/spreadsheetDrawing" xmlns:ns11="http://schemas.openxmlformats.org/drawingml/2006/compatibility" xmlns:ns12="http://schemas.openxmlformats.org/drawingml/2006/lockedCanvas" type="twoObj" preserve="true">
   <p:cSld name="Two Content">
     <p:spTree>
       <p:nvGrpSpPr>
@@ -1174,7 +1174,7 @@
 </file>
 
 <file path=ppt/slideLayouts/slideLayout5.xml><?xml version="1.0" encoding="utf-8"?>
-<p:sldLayout xmlns:a="http://schemas.openxmlformats.org/drawingml/2006/main" xmlns:r="http://schemas.openxmlformats.org/officeDocument/2006/relationships" xmlns:p="http://schemas.openxmlformats.org/presentationml/2006/main" xmlns:mc="http://schemas.openxmlformats.org/markup-compatibility/2006" xmlns:c="http://schemas.openxmlformats.org/drawingml/2006/chart" xmlns:ns6="http://schemas.openxmlformats.org/drawingml/2006/chartDrawing" xmlns:dgm="http://schemas.openxmlformats.org/drawingml/2006/diagram" xmlns:pic="http://schemas.openxmlformats.org/drawingml/2006/picture" xmlns:wp="http://schemas.openxmlformats.org/drawingml/2006/wordprocessingDrawing" xmlns:xdr="http://schemas.openxmlformats.org/drawingml/2006/spreadsheetDrawing" xmlns:ns11="http://schemas.openxmlformats.org/drawingml/2006/compatibility" xmlns:ns12="http://schemas.openxmlformats.org/drawingml/2006/lockedCanvas" type="twoTxTwoObj" preserve="true">
+<p:sldLayout xmlns:r="http://schemas.openxmlformats.org/officeDocument/2006/relationships" xmlns:a="http://schemas.openxmlformats.org/drawingml/2006/main" xmlns:p="http://schemas.openxmlformats.org/presentationml/2006/main" xmlns:mc="http://schemas.openxmlformats.org/markup-compatibility/2006" xmlns:c="http://schemas.openxmlformats.org/drawingml/2006/chart" xmlns:ns6="http://schemas.openxmlformats.org/drawingml/2006/chartDrawing" xmlns:dgm="http://schemas.openxmlformats.org/drawingml/2006/diagram" xmlns:pic="http://schemas.openxmlformats.org/drawingml/2006/picture" xmlns:wp="http://schemas.openxmlformats.org/drawingml/2006/wordprocessingDrawing" xmlns:xdr="http://schemas.openxmlformats.org/drawingml/2006/spreadsheetDrawing" xmlns:ns11="http://schemas.openxmlformats.org/drawingml/2006/compatibility" xmlns:ns12="http://schemas.openxmlformats.org/drawingml/2006/lockedCanvas" type="twoTxTwoObj" preserve="true">
   <p:cSld name="Comparison">
     <p:spTree>
       <p:nvGrpSpPr>
@@ -1529,7 +1529,7 @@
 </file>
 
 <file path=ppt/slideLayouts/slideLayout6.xml><?xml version="1.0" encoding="utf-8"?>
-<p:sldLayout xmlns:a="http://schemas.openxmlformats.org/drawingml/2006/main" xmlns:r="http://schemas.openxmlformats.org/officeDocument/2006/relationships" xmlns:p="http://schemas.openxmlformats.org/presentationml/2006/main" xmlns:mc="http://schemas.openxmlformats.org/markup-compatibility/2006" xmlns:c="http://schemas.openxmlformats.org/drawingml/2006/chart" xmlns:ns6="http://schemas.openxmlformats.org/drawingml/2006/chartDrawing" xmlns:dgm="http://schemas.openxmlformats.org/drawingml/2006/diagram" xmlns:pic="http://schemas.openxmlformats.org/drawingml/2006/picture" xmlns:wp="http://schemas.openxmlformats.org/drawingml/2006/wordprocessingDrawing" xmlns:xdr="http://schemas.openxmlformats.org/drawingml/2006/spreadsheetDrawing" xmlns:ns11="http://schemas.openxmlformats.org/drawingml/2006/compatibility" xmlns:ns12="http://schemas.openxmlformats.org/drawingml/2006/lockedCanvas" type="titleOnly" preserve="true">
+<p:sldLayout xmlns:r="http://schemas.openxmlformats.org/officeDocument/2006/relationships" xmlns:a="http://schemas.openxmlformats.org/drawingml/2006/main" xmlns:p="http://schemas.openxmlformats.org/presentationml/2006/main" xmlns:mc="http://schemas.openxmlformats.org/markup-compatibility/2006" xmlns:c="http://schemas.openxmlformats.org/drawingml/2006/chart" xmlns:ns6="http://schemas.openxmlformats.org/drawingml/2006/chartDrawing" xmlns:dgm="http://schemas.openxmlformats.org/drawingml/2006/diagram" xmlns:pic="http://schemas.openxmlformats.org/drawingml/2006/picture" xmlns:wp="http://schemas.openxmlformats.org/drawingml/2006/wordprocessingDrawing" xmlns:xdr="http://schemas.openxmlformats.org/drawingml/2006/spreadsheetDrawing" xmlns:ns11="http://schemas.openxmlformats.org/drawingml/2006/compatibility" xmlns:ns12="http://schemas.openxmlformats.org/drawingml/2006/lockedCanvas" type="titleOnly" preserve="true">
   <p:cSld name="Title Only">
     <p:spTree>
       <p:nvGrpSpPr>
@@ -1654,7 +1654,7 @@
 </file>
 
 <file path=ppt/slideLayouts/slideLayout7.xml><?xml version="1.0" encoding="utf-8"?>
-<p:sldLayout xmlns:a="http://schemas.openxmlformats.org/drawingml/2006/main" xmlns:r="http://schemas.openxmlformats.org/officeDocument/2006/relationships" xmlns:p="http://schemas.openxmlformats.org/presentationml/2006/main" xmlns:mc="http://schemas.openxmlformats.org/markup-compatibility/2006" xmlns:c="http://schemas.openxmlformats.org/drawingml/2006/chart" xmlns:ns6="http://schemas.openxmlformats.org/drawingml/2006/chartDrawing" xmlns:dgm="http://schemas.openxmlformats.org/drawingml/2006/diagram" xmlns:pic="http://schemas.openxmlformats.org/drawingml/2006/picture" xmlns:wp="http://schemas.openxmlformats.org/drawingml/2006/wordprocessingDrawing" xmlns:xdr="http://schemas.openxmlformats.org/drawingml/2006/spreadsheetDrawing" xmlns:ns11="http://schemas.openxmlformats.org/drawingml/2006/compatibility" xmlns:ns12="http://schemas.openxmlformats.org/drawingml/2006/lockedCanvas" type="blank" preserve="true">
+<p:sldLayout xmlns:r="http://schemas.openxmlformats.org/officeDocument/2006/relationships" xmlns:a="http://schemas.openxmlformats.org/drawingml/2006/main" xmlns:p="http://schemas.openxmlformats.org/presentationml/2006/main" xmlns:mc="http://schemas.openxmlformats.org/markup-compatibility/2006" xmlns:c="http://schemas.openxmlformats.org/drawingml/2006/chart" xmlns:ns6="http://schemas.openxmlformats.org/drawingml/2006/chartDrawing" xmlns:dgm="http://schemas.openxmlformats.org/drawingml/2006/diagram" xmlns:pic="http://schemas.openxmlformats.org/drawingml/2006/picture" xmlns:wp="http://schemas.openxmlformats.org/drawingml/2006/wordprocessingDrawing" xmlns:xdr="http://schemas.openxmlformats.org/drawingml/2006/spreadsheetDrawing" xmlns:ns11="http://schemas.openxmlformats.org/drawingml/2006/compatibility" xmlns:ns12="http://schemas.openxmlformats.org/drawingml/2006/lockedCanvas" type="blank" preserve="true">
   <p:cSld name="Blank">
     <p:spTree>
       <p:nvGrpSpPr>
@@ -1756,7 +1756,7 @@
 </file>
 
 <file path=ppt/slideLayouts/slideLayout8.xml><?xml version="1.0" encoding="utf-8"?>
-<p:sldLayout xmlns:a="http://schemas.openxmlformats.org/drawingml/2006/main" xmlns:r="http://schemas.openxmlformats.org/officeDocument/2006/relationships" xmlns:p="http://schemas.openxmlformats.org/presentationml/2006/main" xmlns:mc="http://schemas.openxmlformats.org/markup-compatibility/2006" xmlns:c="http://schemas.openxmlformats.org/drawingml/2006/chart" xmlns:ns6="http://schemas.openxmlformats.org/drawingml/2006/chartDrawing" xmlns:dgm="http://schemas.openxmlformats.org/drawingml/2006/diagram" xmlns:pic="http://schemas.openxmlformats.org/drawingml/2006/picture" xmlns:wp="http://schemas.openxmlformats.org/drawingml/2006/wordprocessingDrawing" xmlns:xdr="http://schemas.openxmlformats.org/drawingml/2006/spreadsheetDrawing" xmlns:ns11="http://schemas.openxmlformats.org/drawingml/2006/compatibility" xmlns:ns12="http://schemas.openxmlformats.org/drawingml/2006/lockedCanvas" type="objTx" preserve="true">
+<p:sldLayout xmlns:r="http://schemas.openxmlformats.org/officeDocument/2006/relationships" xmlns:a="http://schemas.openxmlformats.org/drawingml/2006/main" xmlns:p="http://schemas.openxmlformats.org/presentationml/2006/main" xmlns:mc="http://schemas.openxmlformats.org/markup-compatibility/2006" xmlns:c="http://schemas.openxmlformats.org/drawingml/2006/chart" xmlns:ns6="http://schemas.openxmlformats.org/drawingml/2006/chartDrawing" xmlns:dgm="http://schemas.openxmlformats.org/drawingml/2006/diagram" xmlns:pic="http://schemas.openxmlformats.org/drawingml/2006/picture" xmlns:wp="http://schemas.openxmlformats.org/drawingml/2006/wordprocessingDrawing" xmlns:xdr="http://schemas.openxmlformats.org/drawingml/2006/spreadsheetDrawing" xmlns:ns11="http://schemas.openxmlformats.org/drawingml/2006/compatibility" xmlns:ns12="http://schemas.openxmlformats.org/drawingml/2006/lockedCanvas" type="objTx" preserve="true">
   <p:cSld name="Content with Caption">
     <p:spTree>
       <p:nvGrpSpPr>
@@ -2040,7 +2040,7 @@
 </file>
 
 <file path=ppt/slideLayouts/slideLayout9.xml><?xml version="1.0" encoding="utf-8"?>
-<p:sldLayout xmlns:a="http://schemas.openxmlformats.org/drawingml/2006/main" xmlns:r="http://schemas.openxmlformats.org/officeDocument/2006/relationships" xmlns:p="http://schemas.openxmlformats.org/presentationml/2006/main" xmlns:mc="http://schemas.openxmlformats.org/markup-compatibility/2006" xmlns:c="http://schemas.openxmlformats.org/drawingml/2006/chart" xmlns:ns6="http://schemas.openxmlformats.org/drawingml/2006/chartDrawing" xmlns:dgm="http://schemas.openxmlformats.org/drawingml/2006/diagram" xmlns:pic="http://schemas.openxmlformats.org/drawingml/2006/picture" xmlns:wp="http://schemas.openxmlformats.org/drawingml/2006/wordprocessingDrawing" xmlns:xdr="http://schemas.openxmlformats.org/drawingml/2006/spreadsheetDrawing" xmlns:ns11="http://schemas.openxmlformats.org/drawingml/2006/compatibility" xmlns:ns12="http://schemas.openxmlformats.org/drawingml/2006/lockedCanvas" type="vertTx" preserve="true">
+<p:sldLayout xmlns:r="http://schemas.openxmlformats.org/officeDocument/2006/relationships" xmlns:a="http://schemas.openxmlformats.org/drawingml/2006/main" xmlns:p="http://schemas.openxmlformats.org/presentationml/2006/main" xmlns:mc="http://schemas.openxmlformats.org/markup-compatibility/2006" xmlns:c="http://schemas.openxmlformats.org/drawingml/2006/chart" xmlns:ns6="http://schemas.openxmlformats.org/drawingml/2006/chartDrawing" xmlns:dgm="http://schemas.openxmlformats.org/drawingml/2006/diagram" xmlns:pic="http://schemas.openxmlformats.org/drawingml/2006/picture" xmlns:wp="http://schemas.openxmlformats.org/drawingml/2006/wordprocessingDrawing" xmlns:xdr="http://schemas.openxmlformats.org/drawingml/2006/spreadsheetDrawing" xmlns:ns11="http://schemas.openxmlformats.org/drawingml/2006/compatibility" xmlns:ns12="http://schemas.openxmlformats.org/drawingml/2006/lockedCanvas" type="vertTx" preserve="true">
   <p:cSld name="Title and Vertical Text">
     <p:spTree>
       <p:nvGrpSpPr>
@@ -2217,7 +2217,7 @@
 </file>
 
 <file path=ppt/slideMasters/slideMaster1.xml><?xml version="1.0" encoding="utf-8"?>
-<p:sldMaster xmlns:a="http://schemas.openxmlformats.org/drawingml/2006/main" xmlns:r="http://schemas.openxmlformats.org/officeDocument/2006/relationships" xmlns:p="http://schemas.openxmlformats.org/presentationml/2006/main" xmlns:mc="http://schemas.openxmlformats.org/markup-compatibility/2006" xmlns:c="http://schemas.openxmlformats.org/drawingml/2006/chart" xmlns:ns6="http://schemas.openxmlformats.org/drawingml/2006/chartDrawing" xmlns:dgm="http://schemas.openxmlformats.org/drawingml/2006/diagram" xmlns:pic="http://schemas.openxmlformats.org/drawingml/2006/picture" xmlns:wp="http://schemas.openxmlformats.org/drawingml/2006/wordprocessingDrawing" xmlns:xdr="http://schemas.openxmlformats.org/drawingml/2006/spreadsheetDrawing" xmlns:ns11="http://schemas.openxmlformats.org/drawingml/2006/compatibility" xmlns:ns12="http://schemas.openxmlformats.org/drawingml/2006/lockedCanvas">
+<p:sldMaster xmlns:r="http://schemas.openxmlformats.org/officeDocument/2006/relationships" xmlns:a="http://schemas.openxmlformats.org/drawingml/2006/main" xmlns:p="http://schemas.openxmlformats.org/presentationml/2006/main" xmlns:mc="http://schemas.openxmlformats.org/markup-compatibility/2006" xmlns:c="http://schemas.openxmlformats.org/drawingml/2006/chart" xmlns:ns6="http://schemas.openxmlformats.org/drawingml/2006/chartDrawing" xmlns:dgm="http://schemas.openxmlformats.org/drawingml/2006/diagram" xmlns:pic="http://schemas.openxmlformats.org/drawingml/2006/picture" xmlns:wp="http://schemas.openxmlformats.org/drawingml/2006/wordprocessingDrawing" xmlns:xdr="http://schemas.openxmlformats.org/drawingml/2006/spreadsheetDrawing" xmlns:ns11="http://schemas.openxmlformats.org/drawingml/2006/compatibility" xmlns:ns12="http://schemas.openxmlformats.org/drawingml/2006/lockedCanvas">
   <p:cSld>
     <p:bg>
       <p:bgRef idx="1001">
@@ -2763,7 +2763,7 @@
 </file>
 
 <file path=ppt/slides/slide1.xml><?xml version="1.0" encoding="utf-8"?>
-<p:sld xmlns:a="http://schemas.openxmlformats.org/drawingml/2006/main" xmlns:r="http://schemas.openxmlformats.org/officeDocument/2006/relationships" xmlns:p="http://schemas.openxmlformats.org/presentationml/2006/main" xmlns:mc="http://schemas.openxmlformats.org/markup-compatibility/2006" xmlns:c="http://schemas.openxmlformats.org/drawingml/2006/chart" xmlns:ns6="http://schemas.openxmlformats.org/drawingml/2006/chartDrawing" xmlns:dgm="http://schemas.openxmlformats.org/drawingml/2006/diagram" xmlns:pic="http://schemas.openxmlformats.org/drawingml/2006/picture" xmlns:wp="http://schemas.openxmlformats.org/drawingml/2006/wordprocessingDrawing" xmlns:xdr="http://schemas.openxmlformats.org/drawingml/2006/spreadsheetDrawing" xmlns:ns11="http://schemas.openxmlformats.org/drawingml/2006/compatibility" xmlns:ns12="http://schemas.openxmlformats.org/drawingml/2006/lockedCanvas">
+<p:sld xmlns:r="http://schemas.openxmlformats.org/officeDocument/2006/relationships" xmlns:a="http://schemas.openxmlformats.org/drawingml/2006/main" xmlns:p="http://schemas.openxmlformats.org/presentationml/2006/main" xmlns:mc="http://schemas.openxmlformats.org/markup-compatibility/2006" xmlns:c="http://schemas.openxmlformats.org/drawingml/2006/chart" xmlns:ns6="http://schemas.openxmlformats.org/drawingml/2006/chartDrawing" xmlns:dgm="http://schemas.openxmlformats.org/drawingml/2006/diagram" xmlns:pic="http://schemas.openxmlformats.org/drawingml/2006/picture" xmlns:wp="http://schemas.openxmlformats.org/drawingml/2006/wordprocessingDrawing" xmlns:xdr="http://schemas.openxmlformats.org/drawingml/2006/spreadsheetDrawing" xmlns:ns11="http://schemas.openxmlformats.org/drawingml/2006/compatibility" xmlns:ns12="http://schemas.openxmlformats.org/drawingml/2006/lockedCanvas">
   <p:cSld>
     <p:spTree>
       <p:nvGrpSpPr>
@@ -2844,9 +2844,9 @@
                               <a:alpha val="100000"/>
                             </a:srgbClr>
                           </a:solidFill>
-                          <a:latin typeface="Times New Roman"/>
-                          <a:ea typeface="Times New Roman"/>
-                          <a:cs typeface="Times New Roman"/>
+                          <a:latin typeface="Helvetica"/>
+                          <a:ea typeface="Helvetica"/>
+                          <a:cs typeface="Helvetica"/>
                         </a:rPr>
                         <a:t>Sepal.Length</a:t>
                       </a:r>
@@ -2911,9 +2911,9 @@
                               <a:alpha val="100000"/>
                             </a:srgbClr>
                           </a:solidFill>
-                          <a:latin typeface="Times New Roman"/>
-                          <a:ea typeface="Times New Roman"/>
-                          <a:cs typeface="Times New Roman"/>
+                          <a:latin typeface="Helvetica"/>
+                          <a:ea typeface="Helvetica"/>
+                          <a:cs typeface="Helvetica"/>
                         </a:rPr>
                         <a:t>Sepal.Width</a:t>
                       </a:r>
@@ -2978,9 +2978,9 @@
                               <a:alpha val="100000"/>
                             </a:srgbClr>
                           </a:solidFill>
-                          <a:latin typeface="Times New Roman"/>
-                          <a:ea typeface="Times New Roman"/>
-                          <a:cs typeface="Times New Roman"/>
+                          <a:latin typeface="Helvetica"/>
+                          <a:ea typeface="Helvetica"/>
+                          <a:cs typeface="Helvetica"/>
                         </a:rPr>
                         <a:t>Petal.Length</a:t>
                       </a:r>
@@ -3045,9 +3045,9 @@
                               <a:alpha val="100000"/>
                             </a:srgbClr>
                           </a:solidFill>
-                          <a:latin typeface="Times New Roman"/>
-                          <a:ea typeface="Times New Roman"/>
-                          <a:cs typeface="Times New Roman"/>
+                          <a:latin typeface="Helvetica"/>
+                          <a:ea typeface="Helvetica"/>
+                          <a:cs typeface="Helvetica"/>
                         </a:rPr>
                         <a:t>Petal.Width</a:t>
                       </a:r>
@@ -3112,9 +3112,9 @@
                               <a:alpha val="100000"/>
                             </a:srgbClr>
                           </a:solidFill>
-                          <a:latin typeface="Times New Roman"/>
-                          <a:ea typeface="Times New Roman"/>
-                          <a:cs typeface="Times New Roman"/>
+                          <a:latin typeface="Helvetica"/>
+                          <a:ea typeface="Helvetica"/>
+                          <a:cs typeface="Helvetica"/>
                         </a:rPr>
                         <a:t>Species</a:t>
                       </a:r>
@@ -3181,9 +3181,9 @@
                               <a:alpha val="100000"/>
                             </a:srgbClr>
                           </a:solidFill>
-                          <a:latin typeface="Times New Roman"/>
-                          <a:ea typeface="Times New Roman"/>
-                          <a:cs typeface="Times New Roman"/>
+                          <a:latin typeface="Helvetica"/>
+                          <a:ea typeface="Helvetica"/>
+                          <a:cs typeface="Helvetica"/>
                         </a:rPr>
                         <a:t/>
                       </a:r>
@@ -3194,9 +3194,9 @@
                               <a:alpha val="100000"/>
                             </a:srgbClr>
                           </a:solidFill>
-                          <a:latin typeface="Times New Roman"/>
-                          <a:ea typeface="Times New Roman"/>
-                          <a:cs typeface="Times New Roman"/>
+                          <a:latin typeface="Helvetica"/>
+                          <a:ea typeface="Helvetica"/>
+                          <a:cs typeface="Helvetica"/>
                         </a:rPr>
                         <a:t>5.1</a:t>
                       </a:r>
@@ -3260,9 +3260,9 @@
                               <a:alpha val="100000"/>
                             </a:srgbClr>
                           </a:solidFill>
-                          <a:latin typeface="Times New Roman"/>
-                          <a:ea typeface="Times New Roman"/>
-                          <a:cs typeface="Times New Roman"/>
+                          <a:latin typeface="Helvetica"/>
+                          <a:ea typeface="Helvetica"/>
+                          <a:cs typeface="Helvetica"/>
                         </a:rPr>
                         <a:t/>
                       </a:r>
@@ -3273,9 +3273,9 @@
                               <a:alpha val="100000"/>
                             </a:srgbClr>
                           </a:solidFill>
-                          <a:latin typeface="Times New Roman"/>
-                          <a:ea typeface="Times New Roman"/>
-                          <a:cs typeface="Times New Roman"/>
+                          <a:latin typeface="Helvetica"/>
+                          <a:ea typeface="Helvetica"/>
+                          <a:cs typeface="Helvetica"/>
                         </a:rPr>
                         <a:t>3.5</a:t>
                       </a:r>
@@ -3339,9 +3339,9 @@
                               <a:alpha val="100000"/>
                             </a:srgbClr>
                           </a:solidFill>
-                          <a:latin typeface="Times New Roman"/>
-                          <a:ea typeface="Times New Roman"/>
-                          <a:cs typeface="Times New Roman"/>
+                          <a:latin typeface="Helvetica"/>
+                          <a:ea typeface="Helvetica"/>
+                          <a:cs typeface="Helvetica"/>
                         </a:rPr>
                         <a:t/>
                       </a:r>
@@ -3352,9 +3352,9 @@
                               <a:alpha val="100000"/>
                             </a:srgbClr>
                           </a:solidFill>
-                          <a:latin typeface="Times New Roman"/>
-                          <a:ea typeface="Times New Roman"/>
-                          <a:cs typeface="Times New Roman"/>
+                          <a:latin typeface="Helvetica"/>
+                          <a:ea typeface="Helvetica"/>
+                          <a:cs typeface="Helvetica"/>
                         </a:rPr>
                         <a:t>1.4</a:t>
                       </a:r>
@@ -3418,9 +3418,9 @@
                               <a:alpha val="100000"/>
                             </a:srgbClr>
                           </a:solidFill>
-                          <a:latin typeface="Times New Roman"/>
-                          <a:ea typeface="Times New Roman"/>
-                          <a:cs typeface="Times New Roman"/>
+                          <a:latin typeface="Helvetica"/>
+                          <a:ea typeface="Helvetica"/>
+                          <a:cs typeface="Helvetica"/>
                         </a:rPr>
                         <a:t/>
                       </a:r>
@@ -3431,9 +3431,9 @@
                               <a:alpha val="100000"/>
                             </a:srgbClr>
                           </a:solidFill>
-                          <a:latin typeface="Times New Roman"/>
-                          <a:ea typeface="Times New Roman"/>
-                          <a:cs typeface="Times New Roman"/>
+                          <a:latin typeface="Helvetica"/>
+                          <a:ea typeface="Helvetica"/>
+                          <a:cs typeface="Helvetica"/>
                         </a:rPr>
                         <a:t>0.2</a:t>
                       </a:r>
@@ -3497,9 +3497,9 @@
                               <a:alpha val="100000"/>
                             </a:srgbClr>
                           </a:solidFill>
-                          <a:latin typeface="Times New Roman"/>
-                          <a:ea typeface="Times New Roman"/>
-                          <a:cs typeface="Times New Roman"/>
+                          <a:latin typeface="Helvetica"/>
+                          <a:ea typeface="Helvetica"/>
+                          <a:cs typeface="Helvetica"/>
                         </a:rPr>
                         <a:t/>
                       </a:r>
@@ -3510,9 +3510,9 @@
                               <a:alpha val="100000"/>
                             </a:srgbClr>
                           </a:solidFill>
-                          <a:latin typeface="Times New Roman"/>
-                          <a:ea typeface="Times New Roman"/>
-                          <a:cs typeface="Times New Roman"/>
+                          <a:latin typeface="Helvetica"/>
+                          <a:ea typeface="Helvetica"/>
+                          <a:cs typeface="Helvetica"/>
                         </a:rPr>
                         <a:t>setosa</a:t>
                       </a:r>
@@ -3578,9 +3578,9 @@
                               <a:alpha val="100000"/>
                             </a:srgbClr>
                           </a:solidFill>
-                          <a:latin typeface="Times New Roman"/>
-                          <a:ea typeface="Times New Roman"/>
-                          <a:cs typeface="Times New Roman"/>
+                          <a:latin typeface="Helvetica"/>
+                          <a:ea typeface="Helvetica"/>
+                          <a:cs typeface="Helvetica"/>
                         </a:rPr>
                         <a:t/>
                       </a:r>
@@ -3591,9 +3591,9 @@
                               <a:alpha val="100000"/>
                             </a:srgbClr>
                           </a:solidFill>
-                          <a:latin typeface="Times New Roman"/>
-                          <a:ea typeface="Times New Roman"/>
-                          <a:cs typeface="Times New Roman"/>
+                          <a:latin typeface="Helvetica"/>
+                          <a:ea typeface="Helvetica"/>
+                          <a:cs typeface="Helvetica"/>
                         </a:rPr>
                         <a:t>4.9</a:t>
                       </a:r>
@@ -3656,9 +3656,9 @@
                               <a:alpha val="100000"/>
                             </a:srgbClr>
                           </a:solidFill>
-                          <a:latin typeface="Times New Roman"/>
-                          <a:ea typeface="Times New Roman"/>
-                          <a:cs typeface="Times New Roman"/>
+                          <a:latin typeface="Helvetica"/>
+                          <a:ea typeface="Helvetica"/>
+                          <a:cs typeface="Helvetica"/>
                         </a:rPr>
                         <a:t/>
                       </a:r>
@@ -3669,9 +3669,9 @@
                               <a:alpha val="100000"/>
                             </a:srgbClr>
                           </a:solidFill>
-                          <a:latin typeface="Times New Roman"/>
-                          <a:ea typeface="Times New Roman"/>
-                          <a:cs typeface="Times New Roman"/>
+                          <a:latin typeface="Helvetica"/>
+                          <a:ea typeface="Helvetica"/>
+                          <a:cs typeface="Helvetica"/>
                         </a:rPr>
                         <a:t>3.0</a:t>
                       </a:r>
@@ -3734,9 +3734,9 @@
                               <a:alpha val="100000"/>
                             </a:srgbClr>
                           </a:solidFill>
-                          <a:latin typeface="Times New Roman"/>
-                          <a:ea typeface="Times New Roman"/>
-                          <a:cs typeface="Times New Roman"/>
+                          <a:latin typeface="Helvetica"/>
+                          <a:ea typeface="Helvetica"/>
+                          <a:cs typeface="Helvetica"/>
                         </a:rPr>
                         <a:t/>
                       </a:r>
@@ -3747,9 +3747,9 @@
                               <a:alpha val="100000"/>
                             </a:srgbClr>
                           </a:solidFill>
-                          <a:latin typeface="Times New Roman"/>
-                          <a:ea typeface="Times New Roman"/>
-                          <a:cs typeface="Times New Roman"/>
+                          <a:latin typeface="Helvetica"/>
+                          <a:ea typeface="Helvetica"/>
+                          <a:cs typeface="Helvetica"/>
                         </a:rPr>
                         <a:t>1.4</a:t>
                       </a:r>
@@ -3812,9 +3812,9 @@
                               <a:alpha val="100000"/>
                             </a:srgbClr>
                           </a:solidFill>
-                          <a:latin typeface="Times New Roman"/>
-                          <a:ea typeface="Times New Roman"/>
-                          <a:cs typeface="Times New Roman"/>
+                          <a:latin typeface="Helvetica"/>
+                          <a:ea typeface="Helvetica"/>
+                          <a:cs typeface="Helvetica"/>
                         </a:rPr>
                         <a:t/>
                       </a:r>
@@ -3825,9 +3825,9 @@
                               <a:alpha val="100000"/>
                             </a:srgbClr>
                           </a:solidFill>
-                          <a:latin typeface="Times New Roman"/>
-                          <a:ea typeface="Times New Roman"/>
-                          <a:cs typeface="Times New Roman"/>
+                          <a:latin typeface="Helvetica"/>
+                          <a:ea typeface="Helvetica"/>
+                          <a:cs typeface="Helvetica"/>
                         </a:rPr>
                         <a:t>0.2</a:t>
                       </a:r>
@@ -3890,9 +3890,9 @@
                               <a:alpha val="100000"/>
                             </a:srgbClr>
                           </a:solidFill>
-                          <a:latin typeface="Times New Roman"/>
-                          <a:ea typeface="Times New Roman"/>
-                          <a:cs typeface="Times New Roman"/>
+                          <a:latin typeface="Helvetica"/>
+                          <a:ea typeface="Helvetica"/>
+                          <a:cs typeface="Helvetica"/>
                         </a:rPr>
                         <a:t/>
                       </a:r>
@@ -3903,9 +3903,9 @@
                               <a:alpha val="100000"/>
                             </a:srgbClr>
                           </a:solidFill>
-                          <a:latin typeface="Times New Roman"/>
-                          <a:ea typeface="Times New Roman"/>
-                          <a:cs typeface="Times New Roman"/>
+                          <a:latin typeface="Helvetica"/>
+                          <a:ea typeface="Helvetica"/>
+                          <a:cs typeface="Helvetica"/>
                         </a:rPr>
                         <a:t>setosa</a:t>
                       </a:r>
@@ -3970,9 +3970,9 @@
                               <a:alpha val="100000"/>
                             </a:srgbClr>
                           </a:solidFill>
-                          <a:latin typeface="Times New Roman"/>
-                          <a:ea typeface="Times New Roman"/>
-                          <a:cs typeface="Times New Roman"/>
+                          <a:latin typeface="Helvetica"/>
+                          <a:ea typeface="Helvetica"/>
+                          <a:cs typeface="Helvetica"/>
                         </a:rPr>
                         <a:t/>
                       </a:r>
@@ -3983,9 +3983,9 @@
                               <a:alpha val="100000"/>
                             </a:srgbClr>
                           </a:solidFill>
-                          <a:latin typeface="Times New Roman"/>
-                          <a:ea typeface="Times New Roman"/>
-                          <a:cs typeface="Times New Roman"/>
+                          <a:latin typeface="Helvetica"/>
+                          <a:ea typeface="Helvetica"/>
+                          <a:cs typeface="Helvetica"/>
                         </a:rPr>
                         <a:t>4.7</a:t>
                       </a:r>
@@ -4048,9 +4048,9 @@
                               <a:alpha val="100000"/>
                             </a:srgbClr>
                           </a:solidFill>
-                          <a:latin typeface="Times New Roman"/>
-                          <a:ea typeface="Times New Roman"/>
-                          <a:cs typeface="Times New Roman"/>
+                          <a:latin typeface="Helvetica"/>
+                          <a:ea typeface="Helvetica"/>
+                          <a:cs typeface="Helvetica"/>
                         </a:rPr>
                         <a:t/>
                       </a:r>
@@ -4061,9 +4061,9 @@
                               <a:alpha val="100000"/>
                             </a:srgbClr>
                           </a:solidFill>
-                          <a:latin typeface="Times New Roman"/>
-                          <a:ea typeface="Times New Roman"/>
-                          <a:cs typeface="Times New Roman"/>
+                          <a:latin typeface="Helvetica"/>
+                          <a:ea typeface="Helvetica"/>
+                          <a:cs typeface="Helvetica"/>
                         </a:rPr>
                         <a:t>3.2</a:t>
                       </a:r>
@@ -4126,9 +4126,9 @@
                               <a:alpha val="100000"/>
                             </a:srgbClr>
                           </a:solidFill>
-                          <a:latin typeface="Times New Roman"/>
-                          <a:ea typeface="Times New Roman"/>
-                          <a:cs typeface="Times New Roman"/>
+                          <a:latin typeface="Helvetica"/>
+                          <a:ea typeface="Helvetica"/>
+                          <a:cs typeface="Helvetica"/>
                         </a:rPr>
                         <a:t/>
                       </a:r>
@@ -4139,9 +4139,9 @@
                               <a:alpha val="100000"/>
                             </a:srgbClr>
                           </a:solidFill>
-                          <a:latin typeface="Times New Roman"/>
-                          <a:ea typeface="Times New Roman"/>
-                          <a:cs typeface="Times New Roman"/>
+                          <a:latin typeface="Helvetica"/>
+                          <a:ea typeface="Helvetica"/>
+                          <a:cs typeface="Helvetica"/>
                         </a:rPr>
                         <a:t>1.3</a:t>
                       </a:r>
@@ -4204,9 +4204,9 @@
                               <a:alpha val="100000"/>
                             </a:srgbClr>
                           </a:solidFill>
-                          <a:latin typeface="Times New Roman"/>
-                          <a:ea typeface="Times New Roman"/>
-                          <a:cs typeface="Times New Roman"/>
+                          <a:latin typeface="Helvetica"/>
+                          <a:ea typeface="Helvetica"/>
+                          <a:cs typeface="Helvetica"/>
                         </a:rPr>
                         <a:t/>
                       </a:r>
@@ -4217,9 +4217,9 @@
                               <a:alpha val="100000"/>
                             </a:srgbClr>
                           </a:solidFill>
-                          <a:latin typeface="Times New Roman"/>
-                          <a:ea typeface="Times New Roman"/>
-                          <a:cs typeface="Times New Roman"/>
+                          <a:latin typeface="Helvetica"/>
+                          <a:ea typeface="Helvetica"/>
+                          <a:cs typeface="Helvetica"/>
                         </a:rPr>
                         <a:t>0.2</a:t>
                       </a:r>
@@ -4282,9 +4282,9 @@
                               <a:alpha val="100000"/>
                             </a:srgbClr>
                           </a:solidFill>
-                          <a:latin typeface="Times New Roman"/>
-                          <a:ea typeface="Times New Roman"/>
-                          <a:cs typeface="Times New Roman"/>
+                          <a:latin typeface="Helvetica"/>
+                          <a:ea typeface="Helvetica"/>
+                          <a:cs typeface="Helvetica"/>
                         </a:rPr>
                         <a:t/>
                       </a:r>
@@ -4295,9 +4295,9 @@
                               <a:alpha val="100000"/>
                             </a:srgbClr>
                           </a:solidFill>
-                          <a:latin typeface="Times New Roman"/>
-                          <a:ea typeface="Times New Roman"/>
-                          <a:cs typeface="Times New Roman"/>
+                          <a:latin typeface="Helvetica"/>
+                          <a:ea typeface="Helvetica"/>
+                          <a:cs typeface="Helvetica"/>
                         </a:rPr>
                         <a:t>setosa</a:t>
                       </a:r>
@@ -4362,9 +4362,9 @@
                               <a:alpha val="100000"/>
                             </a:srgbClr>
                           </a:solidFill>
-                          <a:latin typeface="Times New Roman"/>
-                          <a:ea typeface="Times New Roman"/>
-                          <a:cs typeface="Times New Roman"/>
+                          <a:latin typeface="Helvetica"/>
+                          <a:ea typeface="Helvetica"/>
+                          <a:cs typeface="Helvetica"/>
                         </a:rPr>
                         <a:t/>
                       </a:r>
@@ -4375,9 +4375,9 @@
                               <a:alpha val="100000"/>
                             </a:srgbClr>
                           </a:solidFill>
-                          <a:latin typeface="Times New Roman"/>
-                          <a:ea typeface="Times New Roman"/>
-                          <a:cs typeface="Times New Roman"/>
+                          <a:latin typeface="Helvetica"/>
+                          <a:ea typeface="Helvetica"/>
+                          <a:cs typeface="Helvetica"/>
                         </a:rPr>
                         <a:t>4.6</a:t>
                       </a:r>
@@ -4440,9 +4440,9 @@
                               <a:alpha val="100000"/>
                             </a:srgbClr>
                           </a:solidFill>
-                          <a:latin typeface="Times New Roman"/>
-                          <a:ea typeface="Times New Roman"/>
-                          <a:cs typeface="Times New Roman"/>
+                          <a:latin typeface="Helvetica"/>
+                          <a:ea typeface="Helvetica"/>
+                          <a:cs typeface="Helvetica"/>
                         </a:rPr>
                         <a:t/>
                       </a:r>
@@ -4453,9 +4453,9 @@
                               <a:alpha val="100000"/>
                             </a:srgbClr>
                           </a:solidFill>
-                          <a:latin typeface="Times New Roman"/>
-                          <a:ea typeface="Times New Roman"/>
-                          <a:cs typeface="Times New Roman"/>
+                          <a:latin typeface="Helvetica"/>
+                          <a:ea typeface="Helvetica"/>
+                          <a:cs typeface="Helvetica"/>
                         </a:rPr>
                         <a:t>3.1</a:t>
                       </a:r>
@@ -4518,9 +4518,9 @@
                               <a:alpha val="100000"/>
                             </a:srgbClr>
                           </a:solidFill>
-                          <a:latin typeface="Times New Roman"/>
-                          <a:ea typeface="Times New Roman"/>
-                          <a:cs typeface="Times New Roman"/>
+                          <a:latin typeface="Helvetica"/>
+                          <a:ea typeface="Helvetica"/>
+                          <a:cs typeface="Helvetica"/>
                         </a:rPr>
                         <a:t/>
                       </a:r>
@@ -4531,9 +4531,9 @@
                               <a:alpha val="100000"/>
                             </a:srgbClr>
                           </a:solidFill>
-                          <a:latin typeface="Times New Roman"/>
-                          <a:ea typeface="Times New Roman"/>
-                          <a:cs typeface="Times New Roman"/>
+                          <a:latin typeface="Helvetica"/>
+                          <a:ea typeface="Helvetica"/>
+                          <a:cs typeface="Helvetica"/>
                         </a:rPr>
                         <a:t>1.5</a:t>
                       </a:r>
@@ -4596,9 +4596,9 @@
                               <a:alpha val="100000"/>
                             </a:srgbClr>
                           </a:solidFill>
-                          <a:latin typeface="Times New Roman"/>
-                          <a:ea typeface="Times New Roman"/>
-                          <a:cs typeface="Times New Roman"/>
+                          <a:latin typeface="Helvetica"/>
+                          <a:ea typeface="Helvetica"/>
+                          <a:cs typeface="Helvetica"/>
                         </a:rPr>
                         <a:t/>
                       </a:r>
@@ -4609,9 +4609,9 @@
                               <a:alpha val="100000"/>
                             </a:srgbClr>
                           </a:solidFill>
-                          <a:latin typeface="Times New Roman"/>
-                          <a:ea typeface="Times New Roman"/>
-                          <a:cs typeface="Times New Roman"/>
+                          <a:latin typeface="Helvetica"/>
+                          <a:ea typeface="Helvetica"/>
+                          <a:cs typeface="Helvetica"/>
                         </a:rPr>
                         <a:t>0.2</a:t>
                       </a:r>
@@ -4674,9 +4674,9 @@
                               <a:alpha val="100000"/>
                             </a:srgbClr>
                           </a:solidFill>
-                          <a:latin typeface="Times New Roman"/>
-                          <a:ea typeface="Times New Roman"/>
-                          <a:cs typeface="Times New Roman"/>
+                          <a:latin typeface="Helvetica"/>
+                          <a:ea typeface="Helvetica"/>
+                          <a:cs typeface="Helvetica"/>
                         </a:rPr>
                         <a:t/>
                       </a:r>
@@ -4687,9 +4687,9 @@
                               <a:alpha val="100000"/>
                             </a:srgbClr>
                           </a:solidFill>
-                          <a:latin typeface="Times New Roman"/>
-                          <a:ea typeface="Times New Roman"/>
-                          <a:cs typeface="Times New Roman"/>
+                          <a:latin typeface="Helvetica"/>
+                          <a:ea typeface="Helvetica"/>
+                          <a:cs typeface="Helvetica"/>
                         </a:rPr>
                         <a:t>setosa</a:t>
                       </a:r>
@@ -4754,9 +4754,9 @@
                               <a:alpha val="100000"/>
                             </a:srgbClr>
                           </a:solidFill>
-                          <a:latin typeface="Times New Roman"/>
-                          <a:ea typeface="Times New Roman"/>
-                          <a:cs typeface="Times New Roman"/>
+                          <a:latin typeface="Helvetica"/>
+                          <a:ea typeface="Helvetica"/>
+                          <a:cs typeface="Helvetica"/>
                         </a:rPr>
                         <a:t/>
                       </a:r>
@@ -4767,9 +4767,9 @@
                               <a:alpha val="100000"/>
                             </a:srgbClr>
                           </a:solidFill>
-                          <a:latin typeface="Times New Roman"/>
-                          <a:ea typeface="Times New Roman"/>
-                          <a:cs typeface="Times New Roman"/>
+                          <a:latin typeface="Helvetica"/>
+                          <a:ea typeface="Helvetica"/>
+                          <a:cs typeface="Helvetica"/>
                         </a:rPr>
                         <a:t>5.0</a:t>
                       </a:r>
@@ -4832,9 +4832,9 @@
                               <a:alpha val="100000"/>
                             </a:srgbClr>
                           </a:solidFill>
-                          <a:latin typeface="Times New Roman"/>
-                          <a:ea typeface="Times New Roman"/>
-                          <a:cs typeface="Times New Roman"/>
+                          <a:latin typeface="Helvetica"/>
+                          <a:ea typeface="Helvetica"/>
+                          <a:cs typeface="Helvetica"/>
                         </a:rPr>
                         <a:t/>
                       </a:r>
@@ -4845,9 +4845,9 @@
                               <a:alpha val="100000"/>
                             </a:srgbClr>
                           </a:solidFill>
-                          <a:latin typeface="Times New Roman"/>
-                          <a:ea typeface="Times New Roman"/>
-                          <a:cs typeface="Times New Roman"/>
+                          <a:latin typeface="Helvetica"/>
+                          <a:ea typeface="Helvetica"/>
+                          <a:cs typeface="Helvetica"/>
                         </a:rPr>
                         <a:t>3.6</a:t>
                       </a:r>
@@ -4910,9 +4910,9 @@
                               <a:alpha val="100000"/>
                             </a:srgbClr>
                           </a:solidFill>
-                          <a:latin typeface="Times New Roman"/>
-                          <a:ea typeface="Times New Roman"/>
-                          <a:cs typeface="Times New Roman"/>
+                          <a:latin typeface="Helvetica"/>
+                          <a:ea typeface="Helvetica"/>
+                          <a:cs typeface="Helvetica"/>
                         </a:rPr>
                         <a:t/>
                       </a:r>
@@ -4923,9 +4923,9 @@
                               <a:alpha val="100000"/>
                             </a:srgbClr>
                           </a:solidFill>
-                          <a:latin typeface="Times New Roman"/>
-                          <a:ea typeface="Times New Roman"/>
-                          <a:cs typeface="Times New Roman"/>
+                          <a:latin typeface="Helvetica"/>
+                          <a:ea typeface="Helvetica"/>
+                          <a:cs typeface="Helvetica"/>
                         </a:rPr>
                         <a:t>1.4</a:t>
                       </a:r>
@@ -4988,9 +4988,9 @@
                               <a:alpha val="100000"/>
                             </a:srgbClr>
                           </a:solidFill>
-                          <a:latin typeface="Times New Roman"/>
-                          <a:ea typeface="Times New Roman"/>
-                          <a:cs typeface="Times New Roman"/>
+                          <a:latin typeface="Helvetica"/>
+                          <a:ea typeface="Helvetica"/>
+                          <a:cs typeface="Helvetica"/>
                         </a:rPr>
                         <a:t/>
                       </a:r>
@@ -5001,9 +5001,9 @@
                               <a:alpha val="100000"/>
                             </a:srgbClr>
                           </a:solidFill>
-                          <a:latin typeface="Times New Roman"/>
-                          <a:ea typeface="Times New Roman"/>
-                          <a:cs typeface="Times New Roman"/>
+                          <a:latin typeface="Helvetica"/>
+                          <a:ea typeface="Helvetica"/>
+                          <a:cs typeface="Helvetica"/>
                         </a:rPr>
                         <a:t>0.2</a:t>
                       </a:r>
@@ -5066,9 +5066,9 @@
                               <a:alpha val="100000"/>
                             </a:srgbClr>
                           </a:solidFill>
-                          <a:latin typeface="Times New Roman"/>
-                          <a:ea typeface="Times New Roman"/>
-                          <a:cs typeface="Times New Roman"/>
+                          <a:latin typeface="Helvetica"/>
+                          <a:ea typeface="Helvetica"/>
+                          <a:cs typeface="Helvetica"/>
                         </a:rPr>
                         <a:t/>
                       </a:r>
@@ -5079,9 +5079,9 @@
                               <a:alpha val="100000"/>
                             </a:srgbClr>
                           </a:solidFill>
-                          <a:latin typeface="Times New Roman"/>
-                          <a:ea typeface="Times New Roman"/>
-                          <a:cs typeface="Times New Roman"/>
+                          <a:latin typeface="Helvetica"/>
+                          <a:ea typeface="Helvetica"/>
+                          <a:cs typeface="Helvetica"/>
                         </a:rPr>
                         <a:t>setosa</a:t>
                       </a:r>
@@ -5146,9 +5146,9 @@
                               <a:alpha val="100000"/>
                             </a:srgbClr>
                           </a:solidFill>
-                          <a:latin typeface="Times New Roman"/>
-                          <a:ea typeface="Times New Roman"/>
-                          <a:cs typeface="Times New Roman"/>
+                          <a:latin typeface="Helvetica"/>
+                          <a:ea typeface="Helvetica"/>
+                          <a:cs typeface="Helvetica"/>
                         </a:rPr>
                         <a:t/>
                       </a:r>
@@ -5159,9 +5159,9 @@
                               <a:alpha val="100000"/>
                             </a:srgbClr>
                           </a:solidFill>
-                          <a:latin typeface="Times New Roman"/>
-                          <a:ea typeface="Times New Roman"/>
-                          <a:cs typeface="Times New Roman"/>
+                          <a:latin typeface="Helvetica"/>
+                          <a:ea typeface="Helvetica"/>
+                          <a:cs typeface="Helvetica"/>
                         </a:rPr>
                         <a:t>5.4</a:t>
                       </a:r>
@@ -5224,9 +5224,9 @@
                               <a:alpha val="100000"/>
                             </a:srgbClr>
                           </a:solidFill>
-                          <a:latin typeface="Times New Roman"/>
-                          <a:ea typeface="Times New Roman"/>
-                          <a:cs typeface="Times New Roman"/>
+                          <a:latin typeface="Helvetica"/>
+                          <a:ea typeface="Helvetica"/>
+                          <a:cs typeface="Helvetica"/>
                         </a:rPr>
                         <a:t/>
                       </a:r>
@@ -5237,9 +5237,9 @@
                               <a:alpha val="100000"/>
                             </a:srgbClr>
                           </a:solidFill>
-                          <a:latin typeface="Times New Roman"/>
-                          <a:ea typeface="Times New Roman"/>
-                          <a:cs typeface="Times New Roman"/>
+                          <a:latin typeface="Helvetica"/>
+                          <a:ea typeface="Helvetica"/>
+                          <a:cs typeface="Helvetica"/>
                         </a:rPr>
                         <a:t>3.9</a:t>
                       </a:r>
@@ -5302,9 +5302,9 @@
                               <a:alpha val="100000"/>
                             </a:srgbClr>
                           </a:solidFill>
-                          <a:latin typeface="Times New Roman"/>
-                          <a:ea typeface="Times New Roman"/>
-                          <a:cs typeface="Times New Roman"/>
+                          <a:latin typeface="Helvetica"/>
+                          <a:ea typeface="Helvetica"/>
+                          <a:cs typeface="Helvetica"/>
                         </a:rPr>
                         <a:t/>
                       </a:r>
@@ -5315,9 +5315,9 @@
                               <a:alpha val="100000"/>
                             </a:srgbClr>
                           </a:solidFill>
-                          <a:latin typeface="Times New Roman"/>
-                          <a:ea typeface="Times New Roman"/>
-                          <a:cs typeface="Times New Roman"/>
+                          <a:latin typeface="Helvetica"/>
+                          <a:ea typeface="Helvetica"/>
+                          <a:cs typeface="Helvetica"/>
                         </a:rPr>
                         <a:t>1.7</a:t>
                       </a:r>
@@ -5380,9 +5380,9 @@
                               <a:alpha val="100000"/>
                             </a:srgbClr>
                           </a:solidFill>
-                          <a:latin typeface="Times New Roman"/>
-                          <a:ea typeface="Times New Roman"/>
-                          <a:cs typeface="Times New Roman"/>
+                          <a:latin typeface="Helvetica"/>
+                          <a:ea typeface="Helvetica"/>
+                          <a:cs typeface="Helvetica"/>
                         </a:rPr>
                         <a:t/>
                       </a:r>
@@ -5393,9 +5393,9 @@
                               <a:alpha val="100000"/>
                             </a:srgbClr>
                           </a:solidFill>
-                          <a:latin typeface="Times New Roman"/>
-                          <a:ea typeface="Times New Roman"/>
-                          <a:cs typeface="Times New Roman"/>
+                          <a:latin typeface="Helvetica"/>
+                          <a:ea typeface="Helvetica"/>
+                          <a:cs typeface="Helvetica"/>
                         </a:rPr>
                         <a:t>0.4</a:t>
                       </a:r>
@@ -5458,9 +5458,9 @@
                               <a:alpha val="100000"/>
                             </a:srgbClr>
                           </a:solidFill>
-                          <a:latin typeface="Times New Roman"/>
-                          <a:ea typeface="Times New Roman"/>
-                          <a:cs typeface="Times New Roman"/>
+                          <a:latin typeface="Helvetica"/>
+                          <a:ea typeface="Helvetica"/>
+                          <a:cs typeface="Helvetica"/>
                         </a:rPr>
                         <a:t/>
                       </a:r>
@@ -5471,9 +5471,9 @@
                               <a:alpha val="100000"/>
                             </a:srgbClr>
                           </a:solidFill>
-                          <a:latin typeface="Times New Roman"/>
-                          <a:ea typeface="Times New Roman"/>
-                          <a:cs typeface="Times New Roman"/>
+                          <a:latin typeface="Helvetica"/>
+                          <a:ea typeface="Helvetica"/>
+                          <a:cs typeface="Helvetica"/>
                         </a:rPr>
                         <a:t>setosa</a:t>
                       </a:r>
@@ -5538,9 +5538,9 @@
                               <a:alpha val="100000"/>
                             </a:srgbClr>
                           </a:solidFill>
-                          <a:latin typeface="Times New Roman"/>
-                          <a:ea typeface="Times New Roman"/>
-                          <a:cs typeface="Times New Roman"/>
+                          <a:latin typeface="Helvetica"/>
+                          <a:ea typeface="Helvetica"/>
+                          <a:cs typeface="Helvetica"/>
                         </a:rPr>
                         <a:t/>
                       </a:r>
@@ -5551,9 +5551,9 @@
                               <a:alpha val="100000"/>
                             </a:srgbClr>
                           </a:solidFill>
-                          <a:latin typeface="Times New Roman"/>
-                          <a:ea typeface="Times New Roman"/>
-                          <a:cs typeface="Times New Roman"/>
+                          <a:latin typeface="Helvetica"/>
+                          <a:ea typeface="Helvetica"/>
+                          <a:cs typeface="Helvetica"/>
                         </a:rPr>
                         <a:t>4.6</a:t>
                       </a:r>
@@ -5616,9 +5616,9 @@
                               <a:alpha val="100000"/>
                             </a:srgbClr>
                           </a:solidFill>
-                          <a:latin typeface="Times New Roman"/>
-                          <a:ea typeface="Times New Roman"/>
-                          <a:cs typeface="Times New Roman"/>
+                          <a:latin typeface="Helvetica"/>
+                          <a:ea typeface="Helvetica"/>
+                          <a:cs typeface="Helvetica"/>
                         </a:rPr>
                         <a:t/>
                       </a:r>
@@ -5629,9 +5629,9 @@
                               <a:alpha val="100000"/>
                             </a:srgbClr>
                           </a:solidFill>
-                          <a:latin typeface="Times New Roman"/>
-                          <a:ea typeface="Times New Roman"/>
-                          <a:cs typeface="Times New Roman"/>
+                          <a:latin typeface="Helvetica"/>
+                          <a:ea typeface="Helvetica"/>
+                          <a:cs typeface="Helvetica"/>
                         </a:rPr>
                         <a:t>3.4</a:t>
                       </a:r>
@@ -5694,9 +5694,9 @@
                               <a:alpha val="100000"/>
                             </a:srgbClr>
                           </a:solidFill>
-                          <a:latin typeface="Times New Roman"/>
-                          <a:ea typeface="Times New Roman"/>
-                          <a:cs typeface="Times New Roman"/>
+                          <a:latin typeface="Helvetica"/>
+                          <a:ea typeface="Helvetica"/>
+                          <a:cs typeface="Helvetica"/>
                         </a:rPr>
                         <a:t/>
                       </a:r>
@@ -5707,9 +5707,9 @@
                               <a:alpha val="100000"/>
                             </a:srgbClr>
                           </a:solidFill>
-                          <a:latin typeface="Times New Roman"/>
-                          <a:ea typeface="Times New Roman"/>
-                          <a:cs typeface="Times New Roman"/>
+                          <a:latin typeface="Helvetica"/>
+                          <a:ea typeface="Helvetica"/>
+                          <a:cs typeface="Helvetica"/>
                         </a:rPr>
                         <a:t>1.4</a:t>
                       </a:r>
@@ -5772,9 +5772,9 @@
                               <a:alpha val="100000"/>
                             </a:srgbClr>
                           </a:solidFill>
-                          <a:latin typeface="Times New Roman"/>
-                          <a:ea typeface="Times New Roman"/>
-                          <a:cs typeface="Times New Roman"/>
+                          <a:latin typeface="Helvetica"/>
+                          <a:ea typeface="Helvetica"/>
+                          <a:cs typeface="Helvetica"/>
                         </a:rPr>
                         <a:t/>
                       </a:r>
@@ -5785,9 +5785,9 @@
                               <a:alpha val="100000"/>
                             </a:srgbClr>
                           </a:solidFill>
-                          <a:latin typeface="Times New Roman"/>
-                          <a:ea typeface="Times New Roman"/>
-                          <a:cs typeface="Times New Roman"/>
+                          <a:latin typeface="Helvetica"/>
+                          <a:ea typeface="Helvetica"/>
+                          <a:cs typeface="Helvetica"/>
                         </a:rPr>
                         <a:t>0.3</a:t>
                       </a:r>
@@ -5850,9 +5850,9 @@
                               <a:alpha val="100000"/>
                             </a:srgbClr>
                           </a:solidFill>
-                          <a:latin typeface="Times New Roman"/>
-                          <a:ea typeface="Times New Roman"/>
-                          <a:cs typeface="Times New Roman"/>
+                          <a:latin typeface="Helvetica"/>
+                          <a:ea typeface="Helvetica"/>
+                          <a:cs typeface="Helvetica"/>
                         </a:rPr>
                         <a:t/>
                       </a:r>
@@ -5863,9 +5863,9 @@
                               <a:alpha val="100000"/>
                             </a:srgbClr>
                           </a:solidFill>
-                          <a:latin typeface="Times New Roman"/>
-                          <a:ea typeface="Times New Roman"/>
-                          <a:cs typeface="Times New Roman"/>
+                          <a:latin typeface="Helvetica"/>
+                          <a:ea typeface="Helvetica"/>
+                          <a:cs typeface="Helvetica"/>
                         </a:rPr>
                         <a:t>setosa</a:t>
                       </a:r>
@@ -5930,9 +5930,9 @@
                               <a:alpha val="100000"/>
                             </a:srgbClr>
                           </a:solidFill>
-                          <a:latin typeface="Times New Roman"/>
-                          <a:ea typeface="Times New Roman"/>
-                          <a:cs typeface="Times New Roman"/>
+                          <a:latin typeface="Helvetica"/>
+                          <a:ea typeface="Helvetica"/>
+                          <a:cs typeface="Helvetica"/>
                         </a:rPr>
                         <a:t/>
                       </a:r>
@@ -5943,9 +5943,9 @@
                               <a:alpha val="100000"/>
                             </a:srgbClr>
                           </a:solidFill>
-                          <a:latin typeface="Times New Roman"/>
-                          <a:ea typeface="Times New Roman"/>
-                          <a:cs typeface="Times New Roman"/>
+                          <a:latin typeface="Helvetica"/>
+                          <a:ea typeface="Helvetica"/>
+                          <a:cs typeface="Helvetica"/>
                         </a:rPr>
                         <a:t>5.0</a:t>
                       </a:r>
@@ -6008,9 +6008,9 @@
                               <a:alpha val="100000"/>
                             </a:srgbClr>
                           </a:solidFill>
-                          <a:latin typeface="Times New Roman"/>
-                          <a:ea typeface="Times New Roman"/>
-                          <a:cs typeface="Times New Roman"/>
+                          <a:latin typeface="Helvetica"/>
+                          <a:ea typeface="Helvetica"/>
+                          <a:cs typeface="Helvetica"/>
                         </a:rPr>
                         <a:t/>
                       </a:r>
@@ -6021,9 +6021,9 @@
                               <a:alpha val="100000"/>
                             </a:srgbClr>
                           </a:solidFill>
-                          <a:latin typeface="Times New Roman"/>
-                          <a:ea typeface="Times New Roman"/>
-                          <a:cs typeface="Times New Roman"/>
+                          <a:latin typeface="Helvetica"/>
+                          <a:ea typeface="Helvetica"/>
+                          <a:cs typeface="Helvetica"/>
                         </a:rPr>
                         <a:t>3.4</a:t>
                       </a:r>
@@ -6086,9 +6086,9 @@
                               <a:alpha val="100000"/>
                             </a:srgbClr>
                           </a:solidFill>
-                          <a:latin typeface="Times New Roman"/>
-                          <a:ea typeface="Times New Roman"/>
-                          <a:cs typeface="Times New Roman"/>
+                          <a:latin typeface="Helvetica"/>
+                          <a:ea typeface="Helvetica"/>
+                          <a:cs typeface="Helvetica"/>
                         </a:rPr>
                         <a:t/>
                       </a:r>
@@ -6099,9 +6099,9 @@
                               <a:alpha val="100000"/>
                             </a:srgbClr>
                           </a:solidFill>
-                          <a:latin typeface="Times New Roman"/>
-                          <a:ea typeface="Times New Roman"/>
-                          <a:cs typeface="Times New Roman"/>
+                          <a:latin typeface="Helvetica"/>
+                          <a:ea typeface="Helvetica"/>
+                          <a:cs typeface="Helvetica"/>
                         </a:rPr>
                         <a:t>1.5</a:t>
                       </a:r>
@@ -6164,9 +6164,9 @@
                               <a:alpha val="100000"/>
                             </a:srgbClr>
                           </a:solidFill>
-                          <a:latin typeface="Times New Roman"/>
-                          <a:ea typeface="Times New Roman"/>
-                          <a:cs typeface="Times New Roman"/>
+                          <a:latin typeface="Helvetica"/>
+                          <a:ea typeface="Helvetica"/>
+                          <a:cs typeface="Helvetica"/>
                         </a:rPr>
                         <a:t/>
                       </a:r>
@@ -6177,9 +6177,9 @@
                               <a:alpha val="100000"/>
                             </a:srgbClr>
                           </a:solidFill>
-                          <a:latin typeface="Times New Roman"/>
-                          <a:ea typeface="Times New Roman"/>
-                          <a:cs typeface="Times New Roman"/>
+                          <a:latin typeface="Helvetica"/>
+                          <a:ea typeface="Helvetica"/>
+                          <a:cs typeface="Helvetica"/>
                         </a:rPr>
                         <a:t>0.2</a:t>
                       </a:r>
@@ -6242,9 +6242,9 @@
                               <a:alpha val="100000"/>
                             </a:srgbClr>
                           </a:solidFill>
-                          <a:latin typeface="Times New Roman"/>
-                          <a:ea typeface="Times New Roman"/>
-                          <a:cs typeface="Times New Roman"/>
+                          <a:latin typeface="Helvetica"/>
+                          <a:ea typeface="Helvetica"/>
+                          <a:cs typeface="Helvetica"/>
                         </a:rPr>
                         <a:t/>
                       </a:r>
@@ -6255,9 +6255,9 @@
                               <a:alpha val="100000"/>
                             </a:srgbClr>
                           </a:solidFill>
-                          <a:latin typeface="Times New Roman"/>
-                          <a:ea typeface="Times New Roman"/>
-                          <a:cs typeface="Times New Roman"/>
+                          <a:latin typeface="Helvetica"/>
+                          <a:ea typeface="Helvetica"/>
+                          <a:cs typeface="Helvetica"/>
                         </a:rPr>
                         <a:t>setosa</a:t>
                       </a:r>
@@ -6322,9 +6322,9 @@
                               <a:alpha val="100000"/>
                             </a:srgbClr>
                           </a:solidFill>
-                          <a:latin typeface="Times New Roman"/>
-                          <a:ea typeface="Times New Roman"/>
-                          <a:cs typeface="Times New Roman"/>
+                          <a:latin typeface="Helvetica"/>
+                          <a:ea typeface="Helvetica"/>
+                          <a:cs typeface="Helvetica"/>
                         </a:rPr>
                         <a:t/>
                       </a:r>
@@ -6335,9 +6335,9 @@
                               <a:alpha val="100000"/>
                             </a:srgbClr>
                           </a:solidFill>
-                          <a:latin typeface="Times New Roman"/>
-                          <a:ea typeface="Times New Roman"/>
-                          <a:cs typeface="Times New Roman"/>
+                          <a:latin typeface="Helvetica"/>
+                          <a:ea typeface="Helvetica"/>
+                          <a:cs typeface="Helvetica"/>
                         </a:rPr>
                         <a:t>4.4</a:t>
                       </a:r>
@@ -6400,9 +6400,9 @@
                               <a:alpha val="100000"/>
                             </a:srgbClr>
                           </a:solidFill>
-                          <a:latin typeface="Times New Roman"/>
-                          <a:ea typeface="Times New Roman"/>
-                          <a:cs typeface="Times New Roman"/>
+                          <a:latin typeface="Helvetica"/>
+                          <a:ea typeface="Helvetica"/>
+                          <a:cs typeface="Helvetica"/>
                         </a:rPr>
                         <a:t/>
                       </a:r>
@@ -6413,9 +6413,9 @@
                               <a:alpha val="100000"/>
                             </a:srgbClr>
                           </a:solidFill>
-                          <a:latin typeface="Times New Roman"/>
-                          <a:ea typeface="Times New Roman"/>
-                          <a:cs typeface="Times New Roman"/>
+                          <a:latin typeface="Helvetica"/>
+                          <a:ea typeface="Helvetica"/>
+                          <a:cs typeface="Helvetica"/>
                         </a:rPr>
                         <a:t>2.9</a:t>
                       </a:r>
@@ -6478,9 +6478,9 @@
                               <a:alpha val="100000"/>
                             </a:srgbClr>
                           </a:solidFill>
-                          <a:latin typeface="Times New Roman"/>
-                          <a:ea typeface="Times New Roman"/>
-                          <a:cs typeface="Times New Roman"/>
+                          <a:latin typeface="Helvetica"/>
+                          <a:ea typeface="Helvetica"/>
+                          <a:cs typeface="Helvetica"/>
                         </a:rPr>
                         <a:t/>
                       </a:r>
@@ -6491,9 +6491,9 @@
                               <a:alpha val="100000"/>
                             </a:srgbClr>
                           </a:solidFill>
-                          <a:latin typeface="Times New Roman"/>
-                          <a:ea typeface="Times New Roman"/>
-                          <a:cs typeface="Times New Roman"/>
+                          <a:latin typeface="Helvetica"/>
+                          <a:ea typeface="Helvetica"/>
+                          <a:cs typeface="Helvetica"/>
                         </a:rPr>
                         <a:t>1.4</a:t>
                       </a:r>
@@ -6556,9 +6556,9 @@
                               <a:alpha val="100000"/>
                             </a:srgbClr>
                           </a:solidFill>
-                          <a:latin typeface="Times New Roman"/>
-                          <a:ea typeface="Times New Roman"/>
-                          <a:cs typeface="Times New Roman"/>
+                          <a:latin typeface="Helvetica"/>
+                          <a:ea typeface="Helvetica"/>
+                          <a:cs typeface="Helvetica"/>
                         </a:rPr>
                         <a:t/>
                       </a:r>
@@ -6569,9 +6569,9 @@
                               <a:alpha val="100000"/>
                             </a:srgbClr>
                           </a:solidFill>
-                          <a:latin typeface="Times New Roman"/>
-                          <a:ea typeface="Times New Roman"/>
-                          <a:cs typeface="Times New Roman"/>
+                          <a:latin typeface="Helvetica"/>
+                          <a:ea typeface="Helvetica"/>
+                          <a:cs typeface="Helvetica"/>
                         </a:rPr>
                         <a:t>0.2</a:t>
                       </a:r>
@@ -6634,9 +6634,9 @@
                               <a:alpha val="100000"/>
                             </a:srgbClr>
                           </a:solidFill>
-                          <a:latin typeface="Times New Roman"/>
-                          <a:ea typeface="Times New Roman"/>
-                          <a:cs typeface="Times New Roman"/>
+                          <a:latin typeface="Helvetica"/>
+                          <a:ea typeface="Helvetica"/>
+                          <a:cs typeface="Helvetica"/>
                         </a:rPr>
                         <a:t/>
                       </a:r>
@@ -6647,9 +6647,9 @@
                               <a:alpha val="100000"/>
                             </a:srgbClr>
                           </a:solidFill>
-                          <a:latin typeface="Times New Roman"/>
-                          <a:ea typeface="Times New Roman"/>
-                          <a:cs typeface="Times New Roman"/>
+                          <a:latin typeface="Helvetica"/>
+                          <a:ea typeface="Helvetica"/>
+                          <a:cs typeface="Helvetica"/>
                         </a:rPr>
                         <a:t>setosa</a:t>
                       </a:r>
@@ -6714,9 +6714,9 @@
                               <a:alpha val="100000"/>
                             </a:srgbClr>
                           </a:solidFill>
-                          <a:latin typeface="Times New Roman"/>
-                          <a:ea typeface="Times New Roman"/>
-                          <a:cs typeface="Times New Roman"/>
+                          <a:latin typeface="Helvetica"/>
+                          <a:ea typeface="Helvetica"/>
+                          <a:cs typeface="Helvetica"/>
                         </a:rPr>
                         <a:t/>
                       </a:r>
@@ -6727,9 +6727,9 @@
                               <a:alpha val="100000"/>
                             </a:srgbClr>
                           </a:solidFill>
-                          <a:latin typeface="Times New Roman"/>
-                          <a:ea typeface="Times New Roman"/>
-                          <a:cs typeface="Times New Roman"/>
+                          <a:latin typeface="Helvetica"/>
+                          <a:ea typeface="Helvetica"/>
+                          <a:cs typeface="Helvetica"/>
                         </a:rPr>
                         <a:t>4.9</a:t>
                       </a:r>
@@ -6793,9 +6793,9 @@
                               <a:alpha val="100000"/>
                             </a:srgbClr>
                           </a:solidFill>
-                          <a:latin typeface="Times New Roman"/>
-                          <a:ea typeface="Times New Roman"/>
-                          <a:cs typeface="Times New Roman"/>
+                          <a:latin typeface="Helvetica"/>
+                          <a:ea typeface="Helvetica"/>
+                          <a:cs typeface="Helvetica"/>
                         </a:rPr>
                         <a:t/>
                       </a:r>
@@ -6806,9 +6806,9 @@
                               <a:alpha val="100000"/>
                             </a:srgbClr>
                           </a:solidFill>
-                          <a:latin typeface="Times New Roman"/>
-                          <a:ea typeface="Times New Roman"/>
-                          <a:cs typeface="Times New Roman"/>
+                          <a:latin typeface="Helvetica"/>
+                          <a:ea typeface="Helvetica"/>
+                          <a:cs typeface="Helvetica"/>
                         </a:rPr>
                         <a:t>3.1</a:t>
                       </a:r>
@@ -6872,9 +6872,9 @@
                               <a:alpha val="100000"/>
                             </a:srgbClr>
                           </a:solidFill>
-                          <a:latin typeface="Times New Roman"/>
-                          <a:ea typeface="Times New Roman"/>
-                          <a:cs typeface="Times New Roman"/>
+                          <a:latin typeface="Helvetica"/>
+                          <a:ea typeface="Helvetica"/>
+                          <a:cs typeface="Helvetica"/>
                         </a:rPr>
                         <a:t/>
                       </a:r>
@@ -6885,9 +6885,9 @@
                               <a:alpha val="100000"/>
                             </a:srgbClr>
                           </a:solidFill>
-                          <a:latin typeface="Times New Roman"/>
-                          <a:ea typeface="Times New Roman"/>
-                          <a:cs typeface="Times New Roman"/>
+                          <a:latin typeface="Helvetica"/>
+                          <a:ea typeface="Helvetica"/>
+                          <a:cs typeface="Helvetica"/>
                         </a:rPr>
                         <a:t>1.5</a:t>
                       </a:r>
@@ -6951,9 +6951,9 @@
                               <a:alpha val="100000"/>
                             </a:srgbClr>
                           </a:solidFill>
-                          <a:latin typeface="Times New Roman"/>
-                          <a:ea typeface="Times New Roman"/>
-                          <a:cs typeface="Times New Roman"/>
+                          <a:latin typeface="Helvetica"/>
+                          <a:ea typeface="Helvetica"/>
+                          <a:cs typeface="Helvetica"/>
                         </a:rPr>
                         <a:t/>
                       </a:r>
@@ -6964,9 +6964,9 @@
                               <a:alpha val="100000"/>
                             </a:srgbClr>
                           </a:solidFill>
-                          <a:latin typeface="Times New Roman"/>
-                          <a:ea typeface="Times New Roman"/>
-                          <a:cs typeface="Times New Roman"/>
+                          <a:latin typeface="Helvetica"/>
+                          <a:ea typeface="Helvetica"/>
+                          <a:cs typeface="Helvetica"/>
                         </a:rPr>
                         <a:t>0.1</a:t>
                       </a:r>
@@ -7030,9 +7030,9 @@
                               <a:alpha val="100000"/>
                             </a:srgbClr>
                           </a:solidFill>
-                          <a:latin typeface="Times New Roman"/>
-                          <a:ea typeface="Times New Roman"/>
-                          <a:cs typeface="Times New Roman"/>
+                          <a:latin typeface="Helvetica"/>
+                          <a:ea typeface="Helvetica"/>
+                          <a:cs typeface="Helvetica"/>
                         </a:rPr>
                         <a:t/>
                       </a:r>
@@ -7043,9 +7043,9 @@
                               <a:alpha val="100000"/>
                             </a:srgbClr>
                           </a:solidFill>
-                          <a:latin typeface="Times New Roman"/>
-                          <a:ea typeface="Times New Roman"/>
-                          <a:cs typeface="Times New Roman"/>
+                          <a:latin typeface="Helvetica"/>
+                          <a:ea typeface="Helvetica"/>
+                          <a:cs typeface="Helvetica"/>
                         </a:rPr>
                         <a:t>setosa</a:t>
                       </a:r>
@@ -7130,7 +7130,7 @@
 </file>
 
 <file path=ppt/slides/slide2.xml><?xml version="1.0" encoding="utf-8"?>
-<p:sld xmlns:a="http://schemas.openxmlformats.org/drawingml/2006/main" xmlns:r="http://schemas.openxmlformats.org/officeDocument/2006/relationships" xmlns:p="http://schemas.openxmlformats.org/presentationml/2006/main" xmlns:mc="http://schemas.openxmlformats.org/markup-compatibility/2006" xmlns:c="http://schemas.openxmlformats.org/drawingml/2006/chart" xmlns:ns6="http://schemas.openxmlformats.org/drawingml/2006/chartDrawing" xmlns:dgm="http://schemas.openxmlformats.org/drawingml/2006/diagram" xmlns:pic="http://schemas.openxmlformats.org/drawingml/2006/picture" xmlns:wp="http://schemas.openxmlformats.org/drawingml/2006/wordprocessingDrawing" xmlns:xdr="http://schemas.openxmlformats.org/drawingml/2006/spreadsheetDrawing" xmlns:ns11="http://schemas.openxmlformats.org/drawingml/2006/compatibility" xmlns:ns12="http://schemas.openxmlformats.org/drawingml/2006/lockedCanvas">
+<p:sld xmlns:r="http://schemas.openxmlformats.org/officeDocument/2006/relationships" xmlns:a="http://schemas.openxmlformats.org/drawingml/2006/main" xmlns:p="http://schemas.openxmlformats.org/presentationml/2006/main" xmlns:mc="http://schemas.openxmlformats.org/markup-compatibility/2006" xmlns:c="http://schemas.openxmlformats.org/drawingml/2006/chart" xmlns:ns6="http://schemas.openxmlformats.org/drawingml/2006/chartDrawing" xmlns:dgm="http://schemas.openxmlformats.org/drawingml/2006/diagram" xmlns:pic="http://schemas.openxmlformats.org/drawingml/2006/picture" xmlns:wp="http://schemas.openxmlformats.org/drawingml/2006/wordprocessingDrawing" xmlns:xdr="http://schemas.openxmlformats.org/drawingml/2006/spreadsheetDrawing" xmlns:ns11="http://schemas.openxmlformats.org/drawingml/2006/compatibility" xmlns:ns12="http://schemas.openxmlformats.org/drawingml/2006/lockedCanvas">
   <p:cSld>
     <p:spTree>
       <p:nvGrpSpPr>

--- a/docs/articles/base_example.pptx
+++ b/docs/articles/base_example.pptx
@@ -1,12 +1,12 @@
 
 <file path=ppt/presentation.xml><?xml version="1.0" encoding="utf-8"?>
-<p:presentation xmlns:r="http://schemas.openxmlformats.org/officeDocument/2006/relationships" xmlns:a="http://schemas.openxmlformats.org/drawingml/2006/main" xmlns:p="http://schemas.openxmlformats.org/presentationml/2006/main" xmlns:mc="http://schemas.openxmlformats.org/markup-compatibility/2006" xmlns:c="http://schemas.openxmlformats.org/drawingml/2006/chart" xmlns:ns6="http://schemas.openxmlformats.org/drawingml/2006/chartDrawing" xmlns:dgm="http://schemas.openxmlformats.org/drawingml/2006/diagram" xmlns:pic="http://schemas.openxmlformats.org/drawingml/2006/picture" xmlns:wp="http://schemas.openxmlformats.org/drawingml/2006/wordprocessingDrawing" xmlns:xdr="http://schemas.openxmlformats.org/drawingml/2006/spreadsheetDrawing" xmlns:ns11="http://schemas.openxmlformats.org/drawingml/2006/compatibility" xmlns:ns12="http://schemas.openxmlformats.org/drawingml/2006/lockedCanvas" saveSubsetFonts="true">
+<p:presentation xmlns:a="http://schemas.openxmlformats.org/drawingml/2006/main" xmlns:r="http://schemas.openxmlformats.org/officeDocument/2006/relationships" xmlns:p="http://schemas.openxmlformats.org/presentationml/2006/main" xmlns:mc="http://schemas.openxmlformats.org/markup-compatibility/2006" xmlns:c="http://schemas.openxmlformats.org/drawingml/2006/chart" xmlns:ns6="http://schemas.openxmlformats.org/drawingml/2006/chartDrawing" xmlns:dgm="http://schemas.openxmlformats.org/drawingml/2006/diagram" xmlns:pic="http://schemas.openxmlformats.org/drawingml/2006/picture" xmlns:wp="http://schemas.openxmlformats.org/drawingml/2006/wordprocessingDrawing" xmlns:xdr="http://schemas.openxmlformats.org/drawingml/2006/spreadsheetDrawing" xmlns:ns11="http://schemas.openxmlformats.org/drawingml/2006/compatibility" xmlns:ns12="http://schemas.openxmlformats.org/drawingml/2006/lockedCanvas" saveSubsetFonts="true">
   <p:sldMasterIdLst>
     <p:sldMasterId id="2147483648" r:id="rId1"/>
   </p:sldMasterIdLst>
   <p:sldIdLst>
-    <p:sldId id="1754568130" r:id="rId6"/>
-    <p:sldId id="1342927710" r:id="rId7"/>
+    <p:sldId id="1617537522" r:id="rId6"/>
+    <p:sldId id="1001468441" r:id="rId7"/>
   </p:sldIdLst>
   <p:sldSz cx="12192000" cy="6858000"/>
   <p:notesSz cx="6858000" cy="9144000"/>
@@ -114,7 +114,7 @@
 </file>
 
 <file path=ppt/slideLayouts/slideLayout1.xml><?xml version="1.0" encoding="utf-8"?>
-<p:sldLayout xmlns:r="http://schemas.openxmlformats.org/officeDocument/2006/relationships" xmlns:a="http://schemas.openxmlformats.org/drawingml/2006/main" xmlns:p="http://schemas.openxmlformats.org/presentationml/2006/main" xmlns:mc="http://schemas.openxmlformats.org/markup-compatibility/2006" xmlns:c="http://schemas.openxmlformats.org/drawingml/2006/chart" xmlns:ns6="http://schemas.openxmlformats.org/drawingml/2006/chartDrawing" xmlns:dgm="http://schemas.openxmlformats.org/drawingml/2006/diagram" xmlns:pic="http://schemas.openxmlformats.org/drawingml/2006/picture" xmlns:wp="http://schemas.openxmlformats.org/drawingml/2006/wordprocessingDrawing" xmlns:xdr="http://schemas.openxmlformats.org/drawingml/2006/spreadsheetDrawing" xmlns:ns11="http://schemas.openxmlformats.org/drawingml/2006/compatibility" xmlns:ns12="http://schemas.openxmlformats.org/drawingml/2006/lockedCanvas" type="title" preserve="true">
+<p:sldLayout xmlns:a="http://schemas.openxmlformats.org/drawingml/2006/main" xmlns:r="http://schemas.openxmlformats.org/officeDocument/2006/relationships" xmlns:p="http://schemas.openxmlformats.org/presentationml/2006/main" xmlns:mc="http://schemas.openxmlformats.org/markup-compatibility/2006" xmlns:c="http://schemas.openxmlformats.org/drawingml/2006/chart" xmlns:ns6="http://schemas.openxmlformats.org/drawingml/2006/chartDrawing" xmlns:dgm="http://schemas.openxmlformats.org/drawingml/2006/diagram" xmlns:pic="http://schemas.openxmlformats.org/drawingml/2006/picture" xmlns:wp="http://schemas.openxmlformats.org/drawingml/2006/wordprocessingDrawing" xmlns:xdr="http://schemas.openxmlformats.org/drawingml/2006/spreadsheetDrawing" xmlns:ns11="http://schemas.openxmlformats.org/drawingml/2006/compatibility" xmlns:ns12="http://schemas.openxmlformats.org/drawingml/2006/lockedCanvas" type="title" preserve="true">
   <p:cSld name="Title Slide">
     <p:spTree>
       <p:nvGrpSpPr>
@@ -313,7 +313,7 @@
 </file>
 
 <file path=ppt/slideLayouts/slideLayout10.xml><?xml version="1.0" encoding="utf-8"?>
-<p:sldLayout xmlns:r="http://schemas.openxmlformats.org/officeDocument/2006/relationships" xmlns:a="http://schemas.openxmlformats.org/drawingml/2006/main" xmlns:p="http://schemas.openxmlformats.org/presentationml/2006/main" xmlns:mc="http://schemas.openxmlformats.org/markup-compatibility/2006" xmlns:c="http://schemas.openxmlformats.org/drawingml/2006/chart" xmlns:ns6="http://schemas.openxmlformats.org/drawingml/2006/chartDrawing" xmlns:dgm="http://schemas.openxmlformats.org/drawingml/2006/diagram" xmlns:pic="http://schemas.openxmlformats.org/drawingml/2006/picture" xmlns:wp="http://schemas.openxmlformats.org/drawingml/2006/wordprocessingDrawing" xmlns:xdr="http://schemas.openxmlformats.org/drawingml/2006/spreadsheetDrawing" xmlns:ns11="http://schemas.openxmlformats.org/drawingml/2006/compatibility" xmlns:ns12="http://schemas.openxmlformats.org/drawingml/2006/lockedCanvas" type="vertTitleAndTx" preserve="true">
+<p:sldLayout xmlns:a="http://schemas.openxmlformats.org/drawingml/2006/main" xmlns:r="http://schemas.openxmlformats.org/officeDocument/2006/relationships" xmlns:p="http://schemas.openxmlformats.org/presentationml/2006/main" xmlns:mc="http://schemas.openxmlformats.org/markup-compatibility/2006" xmlns:c="http://schemas.openxmlformats.org/drawingml/2006/chart" xmlns:ns6="http://schemas.openxmlformats.org/drawingml/2006/chartDrawing" xmlns:dgm="http://schemas.openxmlformats.org/drawingml/2006/diagram" xmlns:pic="http://schemas.openxmlformats.org/drawingml/2006/picture" xmlns:wp="http://schemas.openxmlformats.org/drawingml/2006/wordprocessingDrawing" xmlns:xdr="http://schemas.openxmlformats.org/drawingml/2006/spreadsheetDrawing" xmlns:ns11="http://schemas.openxmlformats.org/drawingml/2006/compatibility" xmlns:ns12="http://schemas.openxmlformats.org/drawingml/2006/lockedCanvas" type="vertTitleAndTx" preserve="true">
   <p:cSld name="Vertical Title and Text">
     <p:spTree>
       <p:nvGrpSpPr>
@@ -500,7 +500,7 @@
 </file>
 
 <file path=ppt/slideLayouts/slideLayout2.xml><?xml version="1.0" encoding="utf-8"?>
-<p:sldLayout xmlns:r="http://schemas.openxmlformats.org/officeDocument/2006/relationships" xmlns:a="http://schemas.openxmlformats.org/drawingml/2006/main" xmlns:p="http://schemas.openxmlformats.org/presentationml/2006/main" xmlns:mc="http://schemas.openxmlformats.org/markup-compatibility/2006" xmlns:c="http://schemas.openxmlformats.org/drawingml/2006/chart" xmlns:ns6="http://schemas.openxmlformats.org/drawingml/2006/chartDrawing" xmlns:dgm="http://schemas.openxmlformats.org/drawingml/2006/diagram" xmlns:pic="http://schemas.openxmlformats.org/drawingml/2006/picture" xmlns:wp="http://schemas.openxmlformats.org/drawingml/2006/wordprocessingDrawing" xmlns:xdr="http://schemas.openxmlformats.org/drawingml/2006/spreadsheetDrawing" xmlns:ns11="http://schemas.openxmlformats.org/drawingml/2006/compatibility" xmlns:ns12="http://schemas.openxmlformats.org/drawingml/2006/lockedCanvas" type="obj" preserve="true">
+<p:sldLayout xmlns:a="http://schemas.openxmlformats.org/drawingml/2006/main" xmlns:r="http://schemas.openxmlformats.org/officeDocument/2006/relationships" xmlns:p="http://schemas.openxmlformats.org/presentationml/2006/main" xmlns:mc="http://schemas.openxmlformats.org/markup-compatibility/2006" xmlns:c="http://schemas.openxmlformats.org/drawingml/2006/chart" xmlns:ns6="http://schemas.openxmlformats.org/drawingml/2006/chartDrawing" xmlns:dgm="http://schemas.openxmlformats.org/drawingml/2006/diagram" xmlns:pic="http://schemas.openxmlformats.org/drawingml/2006/picture" xmlns:wp="http://schemas.openxmlformats.org/drawingml/2006/wordprocessingDrawing" xmlns:xdr="http://schemas.openxmlformats.org/drawingml/2006/spreadsheetDrawing" xmlns:ns11="http://schemas.openxmlformats.org/drawingml/2006/compatibility" xmlns:ns12="http://schemas.openxmlformats.org/drawingml/2006/lockedCanvas" type="obj" preserve="true">
   <p:cSld name="Title and Content">
     <p:spTree>
       <p:nvGrpSpPr>
@@ -682,7 +682,7 @@
 </file>
 
 <file path=ppt/slideLayouts/slideLayout3.xml><?xml version="1.0" encoding="utf-8"?>
-<p:sldLayout xmlns:r="http://schemas.openxmlformats.org/officeDocument/2006/relationships" xmlns:a="http://schemas.openxmlformats.org/drawingml/2006/main" xmlns:p="http://schemas.openxmlformats.org/presentationml/2006/main" xmlns:mc="http://schemas.openxmlformats.org/markup-compatibility/2006" xmlns:c="http://schemas.openxmlformats.org/drawingml/2006/chart" xmlns:ns6="http://schemas.openxmlformats.org/drawingml/2006/chartDrawing" xmlns:dgm="http://schemas.openxmlformats.org/drawingml/2006/diagram" xmlns:pic="http://schemas.openxmlformats.org/drawingml/2006/picture" xmlns:wp="http://schemas.openxmlformats.org/drawingml/2006/wordprocessingDrawing" xmlns:xdr="http://schemas.openxmlformats.org/drawingml/2006/spreadsheetDrawing" xmlns:ns11="http://schemas.openxmlformats.org/drawingml/2006/compatibility" xmlns:ns12="http://schemas.openxmlformats.org/drawingml/2006/lockedCanvas" type="secHead" preserve="true">
+<p:sldLayout xmlns:a="http://schemas.openxmlformats.org/drawingml/2006/main" xmlns:r="http://schemas.openxmlformats.org/officeDocument/2006/relationships" xmlns:p="http://schemas.openxmlformats.org/presentationml/2006/main" xmlns:mc="http://schemas.openxmlformats.org/markup-compatibility/2006" xmlns:c="http://schemas.openxmlformats.org/drawingml/2006/chart" xmlns:ns6="http://schemas.openxmlformats.org/drawingml/2006/chartDrawing" xmlns:dgm="http://schemas.openxmlformats.org/drawingml/2006/diagram" xmlns:pic="http://schemas.openxmlformats.org/drawingml/2006/picture" xmlns:wp="http://schemas.openxmlformats.org/drawingml/2006/wordprocessingDrawing" xmlns:xdr="http://schemas.openxmlformats.org/drawingml/2006/spreadsheetDrawing" xmlns:ns11="http://schemas.openxmlformats.org/drawingml/2006/compatibility" xmlns:ns12="http://schemas.openxmlformats.org/drawingml/2006/lockedCanvas" type="secHead" preserve="true">
   <p:cSld name="Section Header">
     <p:spTree>
       <p:nvGrpSpPr>
@@ -935,7 +935,7 @@
 </file>
 
 <file path=ppt/slideLayouts/slideLayout4.xml><?xml version="1.0" encoding="utf-8"?>
-<p:sldLayout xmlns:r="http://schemas.openxmlformats.org/officeDocument/2006/relationships" xmlns:a="http://schemas.openxmlformats.org/drawingml/2006/main" xmlns:p="http://schemas.openxmlformats.org/presentationml/2006/main" xmlns:mc="http://schemas.openxmlformats.org/markup-compatibility/2006" xmlns:c="http://schemas.openxmlformats.org/drawingml/2006/chart" xmlns:ns6="http://schemas.openxmlformats.org/drawingml/2006/chartDrawing" xmlns:dgm="http://schemas.openxmlformats.org/drawingml/2006/diagram" xmlns:pic="http://schemas.openxmlformats.org/drawingml/2006/picture" xmlns:wp="http://schemas.openxmlformats.org/drawingml/2006/wordprocessingDrawing" xmlns:xdr="http://schemas.openxmlformats.org/drawingml/2006/spreadsheetDrawing" xmlns:ns11="http://schemas.openxmlformats.org/drawingml/2006/compatibility" xmlns:ns12="http://schemas.openxmlformats.org/drawingml/2006/lockedCanvas" type="twoObj" preserve="true">
+<p:sldLayout xmlns:a="http://schemas.openxmlformats.org/drawingml/2006/main" xmlns:r="http://schemas.openxmlformats.org/officeDocument/2006/relationships" xmlns:p="http://schemas.openxmlformats.org/presentationml/2006/main" xmlns:mc="http://schemas.openxmlformats.org/markup-compatibility/2006" xmlns:c="http://schemas.openxmlformats.org/drawingml/2006/chart" xmlns:ns6="http://schemas.openxmlformats.org/drawingml/2006/chartDrawing" xmlns:dgm="http://schemas.openxmlformats.org/drawingml/2006/diagram" xmlns:pic="http://schemas.openxmlformats.org/drawingml/2006/picture" xmlns:wp="http://schemas.openxmlformats.org/drawingml/2006/wordprocessingDrawing" xmlns:xdr="http://schemas.openxmlformats.org/drawingml/2006/spreadsheetDrawing" xmlns:ns11="http://schemas.openxmlformats.org/drawingml/2006/compatibility" xmlns:ns12="http://schemas.openxmlformats.org/drawingml/2006/lockedCanvas" type="twoObj" preserve="true">
   <p:cSld name="Two Content">
     <p:spTree>
       <p:nvGrpSpPr>
@@ -1174,7 +1174,7 @@
 </file>
 
 <file path=ppt/slideLayouts/slideLayout5.xml><?xml version="1.0" encoding="utf-8"?>
-<p:sldLayout xmlns:r="http://schemas.openxmlformats.org/officeDocument/2006/relationships" xmlns:a="http://schemas.openxmlformats.org/drawingml/2006/main" xmlns:p="http://schemas.openxmlformats.org/presentationml/2006/main" xmlns:mc="http://schemas.openxmlformats.org/markup-compatibility/2006" xmlns:c="http://schemas.openxmlformats.org/drawingml/2006/chart" xmlns:ns6="http://schemas.openxmlformats.org/drawingml/2006/chartDrawing" xmlns:dgm="http://schemas.openxmlformats.org/drawingml/2006/diagram" xmlns:pic="http://schemas.openxmlformats.org/drawingml/2006/picture" xmlns:wp="http://schemas.openxmlformats.org/drawingml/2006/wordprocessingDrawing" xmlns:xdr="http://schemas.openxmlformats.org/drawingml/2006/spreadsheetDrawing" xmlns:ns11="http://schemas.openxmlformats.org/drawingml/2006/compatibility" xmlns:ns12="http://schemas.openxmlformats.org/drawingml/2006/lockedCanvas" type="twoTxTwoObj" preserve="true">
+<p:sldLayout xmlns:a="http://schemas.openxmlformats.org/drawingml/2006/main" xmlns:r="http://schemas.openxmlformats.org/officeDocument/2006/relationships" xmlns:p="http://schemas.openxmlformats.org/presentationml/2006/main" xmlns:mc="http://schemas.openxmlformats.org/markup-compatibility/2006" xmlns:c="http://schemas.openxmlformats.org/drawingml/2006/chart" xmlns:ns6="http://schemas.openxmlformats.org/drawingml/2006/chartDrawing" xmlns:dgm="http://schemas.openxmlformats.org/drawingml/2006/diagram" xmlns:pic="http://schemas.openxmlformats.org/drawingml/2006/picture" xmlns:wp="http://schemas.openxmlformats.org/drawingml/2006/wordprocessingDrawing" xmlns:xdr="http://schemas.openxmlformats.org/drawingml/2006/spreadsheetDrawing" xmlns:ns11="http://schemas.openxmlformats.org/drawingml/2006/compatibility" xmlns:ns12="http://schemas.openxmlformats.org/drawingml/2006/lockedCanvas" type="twoTxTwoObj" preserve="true">
   <p:cSld name="Comparison">
     <p:spTree>
       <p:nvGrpSpPr>
@@ -1529,7 +1529,7 @@
 </file>
 
 <file path=ppt/slideLayouts/slideLayout6.xml><?xml version="1.0" encoding="utf-8"?>
-<p:sldLayout xmlns:r="http://schemas.openxmlformats.org/officeDocument/2006/relationships" xmlns:a="http://schemas.openxmlformats.org/drawingml/2006/main" xmlns:p="http://schemas.openxmlformats.org/presentationml/2006/main" xmlns:mc="http://schemas.openxmlformats.org/markup-compatibility/2006" xmlns:c="http://schemas.openxmlformats.org/drawingml/2006/chart" xmlns:ns6="http://schemas.openxmlformats.org/drawingml/2006/chartDrawing" xmlns:dgm="http://schemas.openxmlformats.org/drawingml/2006/diagram" xmlns:pic="http://schemas.openxmlformats.org/drawingml/2006/picture" xmlns:wp="http://schemas.openxmlformats.org/drawingml/2006/wordprocessingDrawing" xmlns:xdr="http://schemas.openxmlformats.org/drawingml/2006/spreadsheetDrawing" xmlns:ns11="http://schemas.openxmlformats.org/drawingml/2006/compatibility" xmlns:ns12="http://schemas.openxmlformats.org/drawingml/2006/lockedCanvas" type="titleOnly" preserve="true">
+<p:sldLayout xmlns:a="http://schemas.openxmlformats.org/drawingml/2006/main" xmlns:r="http://schemas.openxmlformats.org/officeDocument/2006/relationships" xmlns:p="http://schemas.openxmlformats.org/presentationml/2006/main" xmlns:mc="http://schemas.openxmlformats.org/markup-compatibility/2006" xmlns:c="http://schemas.openxmlformats.org/drawingml/2006/chart" xmlns:ns6="http://schemas.openxmlformats.org/drawingml/2006/chartDrawing" xmlns:dgm="http://schemas.openxmlformats.org/drawingml/2006/diagram" xmlns:pic="http://schemas.openxmlformats.org/drawingml/2006/picture" xmlns:wp="http://schemas.openxmlformats.org/drawingml/2006/wordprocessingDrawing" xmlns:xdr="http://schemas.openxmlformats.org/drawingml/2006/spreadsheetDrawing" xmlns:ns11="http://schemas.openxmlformats.org/drawingml/2006/compatibility" xmlns:ns12="http://schemas.openxmlformats.org/drawingml/2006/lockedCanvas" type="titleOnly" preserve="true">
   <p:cSld name="Title Only">
     <p:spTree>
       <p:nvGrpSpPr>
@@ -1654,7 +1654,7 @@
 </file>
 
 <file path=ppt/slideLayouts/slideLayout7.xml><?xml version="1.0" encoding="utf-8"?>
-<p:sldLayout xmlns:r="http://schemas.openxmlformats.org/officeDocument/2006/relationships" xmlns:a="http://schemas.openxmlformats.org/drawingml/2006/main" xmlns:p="http://schemas.openxmlformats.org/presentationml/2006/main" xmlns:mc="http://schemas.openxmlformats.org/markup-compatibility/2006" xmlns:c="http://schemas.openxmlformats.org/drawingml/2006/chart" xmlns:ns6="http://schemas.openxmlformats.org/drawingml/2006/chartDrawing" xmlns:dgm="http://schemas.openxmlformats.org/drawingml/2006/diagram" xmlns:pic="http://schemas.openxmlformats.org/drawingml/2006/picture" xmlns:wp="http://schemas.openxmlformats.org/drawingml/2006/wordprocessingDrawing" xmlns:xdr="http://schemas.openxmlformats.org/drawingml/2006/spreadsheetDrawing" xmlns:ns11="http://schemas.openxmlformats.org/drawingml/2006/compatibility" xmlns:ns12="http://schemas.openxmlformats.org/drawingml/2006/lockedCanvas" type="blank" preserve="true">
+<p:sldLayout xmlns:a="http://schemas.openxmlformats.org/drawingml/2006/main" xmlns:r="http://schemas.openxmlformats.org/officeDocument/2006/relationships" xmlns:p="http://schemas.openxmlformats.org/presentationml/2006/main" xmlns:mc="http://schemas.openxmlformats.org/markup-compatibility/2006" xmlns:c="http://schemas.openxmlformats.org/drawingml/2006/chart" xmlns:ns6="http://schemas.openxmlformats.org/drawingml/2006/chartDrawing" xmlns:dgm="http://schemas.openxmlformats.org/drawingml/2006/diagram" xmlns:pic="http://schemas.openxmlformats.org/drawingml/2006/picture" xmlns:wp="http://schemas.openxmlformats.org/drawingml/2006/wordprocessingDrawing" xmlns:xdr="http://schemas.openxmlformats.org/drawingml/2006/spreadsheetDrawing" xmlns:ns11="http://schemas.openxmlformats.org/drawingml/2006/compatibility" xmlns:ns12="http://schemas.openxmlformats.org/drawingml/2006/lockedCanvas" type="blank" preserve="true">
   <p:cSld name="Blank">
     <p:spTree>
       <p:nvGrpSpPr>
@@ -1756,7 +1756,7 @@
 </file>
 
 <file path=ppt/slideLayouts/slideLayout8.xml><?xml version="1.0" encoding="utf-8"?>
-<p:sldLayout xmlns:r="http://schemas.openxmlformats.org/officeDocument/2006/relationships" xmlns:a="http://schemas.openxmlformats.org/drawingml/2006/main" xmlns:p="http://schemas.openxmlformats.org/presentationml/2006/main" xmlns:mc="http://schemas.openxmlformats.org/markup-compatibility/2006" xmlns:c="http://schemas.openxmlformats.org/drawingml/2006/chart" xmlns:ns6="http://schemas.openxmlformats.org/drawingml/2006/chartDrawing" xmlns:dgm="http://schemas.openxmlformats.org/drawingml/2006/diagram" xmlns:pic="http://schemas.openxmlformats.org/drawingml/2006/picture" xmlns:wp="http://schemas.openxmlformats.org/drawingml/2006/wordprocessingDrawing" xmlns:xdr="http://schemas.openxmlformats.org/drawingml/2006/spreadsheetDrawing" xmlns:ns11="http://schemas.openxmlformats.org/drawingml/2006/compatibility" xmlns:ns12="http://schemas.openxmlformats.org/drawingml/2006/lockedCanvas" type="objTx" preserve="true">
+<p:sldLayout xmlns:a="http://schemas.openxmlformats.org/drawingml/2006/main" xmlns:r="http://schemas.openxmlformats.org/officeDocument/2006/relationships" xmlns:p="http://schemas.openxmlformats.org/presentationml/2006/main" xmlns:mc="http://schemas.openxmlformats.org/markup-compatibility/2006" xmlns:c="http://schemas.openxmlformats.org/drawingml/2006/chart" xmlns:ns6="http://schemas.openxmlformats.org/drawingml/2006/chartDrawing" xmlns:dgm="http://schemas.openxmlformats.org/drawingml/2006/diagram" xmlns:pic="http://schemas.openxmlformats.org/drawingml/2006/picture" xmlns:wp="http://schemas.openxmlformats.org/drawingml/2006/wordprocessingDrawing" xmlns:xdr="http://schemas.openxmlformats.org/drawingml/2006/spreadsheetDrawing" xmlns:ns11="http://schemas.openxmlformats.org/drawingml/2006/compatibility" xmlns:ns12="http://schemas.openxmlformats.org/drawingml/2006/lockedCanvas" type="objTx" preserve="true">
   <p:cSld name="Content with Caption">
     <p:spTree>
       <p:nvGrpSpPr>
@@ -2040,7 +2040,7 @@
 </file>
 
 <file path=ppt/slideLayouts/slideLayout9.xml><?xml version="1.0" encoding="utf-8"?>
-<p:sldLayout xmlns:r="http://schemas.openxmlformats.org/officeDocument/2006/relationships" xmlns:a="http://schemas.openxmlformats.org/drawingml/2006/main" xmlns:p="http://schemas.openxmlformats.org/presentationml/2006/main" xmlns:mc="http://schemas.openxmlformats.org/markup-compatibility/2006" xmlns:c="http://schemas.openxmlformats.org/drawingml/2006/chart" xmlns:ns6="http://schemas.openxmlformats.org/drawingml/2006/chartDrawing" xmlns:dgm="http://schemas.openxmlformats.org/drawingml/2006/diagram" xmlns:pic="http://schemas.openxmlformats.org/drawingml/2006/picture" xmlns:wp="http://schemas.openxmlformats.org/drawingml/2006/wordprocessingDrawing" xmlns:xdr="http://schemas.openxmlformats.org/drawingml/2006/spreadsheetDrawing" xmlns:ns11="http://schemas.openxmlformats.org/drawingml/2006/compatibility" xmlns:ns12="http://schemas.openxmlformats.org/drawingml/2006/lockedCanvas" type="vertTx" preserve="true">
+<p:sldLayout xmlns:a="http://schemas.openxmlformats.org/drawingml/2006/main" xmlns:r="http://schemas.openxmlformats.org/officeDocument/2006/relationships" xmlns:p="http://schemas.openxmlformats.org/presentationml/2006/main" xmlns:mc="http://schemas.openxmlformats.org/markup-compatibility/2006" xmlns:c="http://schemas.openxmlformats.org/drawingml/2006/chart" xmlns:ns6="http://schemas.openxmlformats.org/drawingml/2006/chartDrawing" xmlns:dgm="http://schemas.openxmlformats.org/drawingml/2006/diagram" xmlns:pic="http://schemas.openxmlformats.org/drawingml/2006/picture" xmlns:wp="http://schemas.openxmlformats.org/drawingml/2006/wordprocessingDrawing" xmlns:xdr="http://schemas.openxmlformats.org/drawingml/2006/spreadsheetDrawing" xmlns:ns11="http://schemas.openxmlformats.org/drawingml/2006/compatibility" xmlns:ns12="http://schemas.openxmlformats.org/drawingml/2006/lockedCanvas" type="vertTx" preserve="true">
   <p:cSld name="Title and Vertical Text">
     <p:spTree>
       <p:nvGrpSpPr>
@@ -2217,7 +2217,7 @@
 </file>
 
 <file path=ppt/slideMasters/slideMaster1.xml><?xml version="1.0" encoding="utf-8"?>
-<p:sldMaster xmlns:r="http://schemas.openxmlformats.org/officeDocument/2006/relationships" xmlns:a="http://schemas.openxmlformats.org/drawingml/2006/main" xmlns:p="http://schemas.openxmlformats.org/presentationml/2006/main" xmlns:mc="http://schemas.openxmlformats.org/markup-compatibility/2006" xmlns:c="http://schemas.openxmlformats.org/drawingml/2006/chart" xmlns:ns6="http://schemas.openxmlformats.org/drawingml/2006/chartDrawing" xmlns:dgm="http://schemas.openxmlformats.org/drawingml/2006/diagram" xmlns:pic="http://schemas.openxmlformats.org/drawingml/2006/picture" xmlns:wp="http://schemas.openxmlformats.org/drawingml/2006/wordprocessingDrawing" xmlns:xdr="http://schemas.openxmlformats.org/drawingml/2006/spreadsheetDrawing" xmlns:ns11="http://schemas.openxmlformats.org/drawingml/2006/compatibility" xmlns:ns12="http://schemas.openxmlformats.org/drawingml/2006/lockedCanvas">
+<p:sldMaster xmlns:a="http://schemas.openxmlformats.org/drawingml/2006/main" xmlns:r="http://schemas.openxmlformats.org/officeDocument/2006/relationships" xmlns:p="http://schemas.openxmlformats.org/presentationml/2006/main" xmlns:mc="http://schemas.openxmlformats.org/markup-compatibility/2006" xmlns:c="http://schemas.openxmlformats.org/drawingml/2006/chart" xmlns:ns6="http://schemas.openxmlformats.org/drawingml/2006/chartDrawing" xmlns:dgm="http://schemas.openxmlformats.org/drawingml/2006/diagram" xmlns:pic="http://schemas.openxmlformats.org/drawingml/2006/picture" xmlns:wp="http://schemas.openxmlformats.org/drawingml/2006/wordprocessingDrawing" xmlns:xdr="http://schemas.openxmlformats.org/drawingml/2006/spreadsheetDrawing" xmlns:ns11="http://schemas.openxmlformats.org/drawingml/2006/compatibility" xmlns:ns12="http://schemas.openxmlformats.org/drawingml/2006/lockedCanvas">
   <p:cSld>
     <p:bg>
       <p:bgRef idx="1001">
@@ -2763,7 +2763,7 @@
 </file>
 
 <file path=ppt/slides/slide1.xml><?xml version="1.0" encoding="utf-8"?>
-<p:sld xmlns:r="http://schemas.openxmlformats.org/officeDocument/2006/relationships" xmlns:a="http://schemas.openxmlformats.org/drawingml/2006/main" xmlns:p="http://schemas.openxmlformats.org/presentationml/2006/main" xmlns:mc="http://schemas.openxmlformats.org/markup-compatibility/2006" xmlns:c="http://schemas.openxmlformats.org/drawingml/2006/chart" xmlns:ns6="http://schemas.openxmlformats.org/drawingml/2006/chartDrawing" xmlns:dgm="http://schemas.openxmlformats.org/drawingml/2006/diagram" xmlns:pic="http://schemas.openxmlformats.org/drawingml/2006/picture" xmlns:wp="http://schemas.openxmlformats.org/drawingml/2006/wordprocessingDrawing" xmlns:xdr="http://schemas.openxmlformats.org/drawingml/2006/spreadsheetDrawing" xmlns:ns11="http://schemas.openxmlformats.org/drawingml/2006/compatibility" xmlns:ns12="http://schemas.openxmlformats.org/drawingml/2006/lockedCanvas">
+<p:sld xmlns:a="http://schemas.openxmlformats.org/drawingml/2006/main" xmlns:r="http://schemas.openxmlformats.org/officeDocument/2006/relationships" xmlns:p="http://schemas.openxmlformats.org/presentationml/2006/main" xmlns:mc="http://schemas.openxmlformats.org/markup-compatibility/2006" xmlns:c="http://schemas.openxmlformats.org/drawingml/2006/chart" xmlns:ns6="http://schemas.openxmlformats.org/drawingml/2006/chartDrawing" xmlns:dgm="http://schemas.openxmlformats.org/drawingml/2006/diagram" xmlns:pic="http://schemas.openxmlformats.org/drawingml/2006/picture" xmlns:wp="http://schemas.openxmlformats.org/drawingml/2006/wordprocessingDrawing" xmlns:xdr="http://schemas.openxmlformats.org/drawingml/2006/spreadsheetDrawing" xmlns:ns11="http://schemas.openxmlformats.org/drawingml/2006/compatibility" xmlns:ns12="http://schemas.openxmlformats.org/drawingml/2006/lockedCanvas">
   <p:cSld>
     <p:spTree>
       <p:nvGrpSpPr>
@@ -7130,7 +7130,7 @@
 </file>
 
 <file path=ppt/slides/slide2.xml><?xml version="1.0" encoding="utf-8"?>
-<p:sld xmlns:r="http://schemas.openxmlformats.org/officeDocument/2006/relationships" xmlns:a="http://schemas.openxmlformats.org/drawingml/2006/main" xmlns:p="http://schemas.openxmlformats.org/presentationml/2006/main" xmlns:mc="http://schemas.openxmlformats.org/markup-compatibility/2006" xmlns:c="http://schemas.openxmlformats.org/drawingml/2006/chart" xmlns:ns6="http://schemas.openxmlformats.org/drawingml/2006/chartDrawing" xmlns:dgm="http://schemas.openxmlformats.org/drawingml/2006/diagram" xmlns:pic="http://schemas.openxmlformats.org/drawingml/2006/picture" xmlns:wp="http://schemas.openxmlformats.org/drawingml/2006/wordprocessingDrawing" xmlns:xdr="http://schemas.openxmlformats.org/drawingml/2006/spreadsheetDrawing" xmlns:ns11="http://schemas.openxmlformats.org/drawingml/2006/compatibility" xmlns:ns12="http://schemas.openxmlformats.org/drawingml/2006/lockedCanvas">
+<p:sld xmlns:a="http://schemas.openxmlformats.org/drawingml/2006/main" xmlns:r="http://schemas.openxmlformats.org/officeDocument/2006/relationships" xmlns:p="http://schemas.openxmlformats.org/presentationml/2006/main" xmlns:mc="http://schemas.openxmlformats.org/markup-compatibility/2006" xmlns:c="http://schemas.openxmlformats.org/drawingml/2006/chart" xmlns:ns6="http://schemas.openxmlformats.org/drawingml/2006/chartDrawing" xmlns:dgm="http://schemas.openxmlformats.org/drawingml/2006/diagram" xmlns:pic="http://schemas.openxmlformats.org/drawingml/2006/picture" xmlns:wp="http://schemas.openxmlformats.org/drawingml/2006/wordprocessingDrawing" xmlns:xdr="http://schemas.openxmlformats.org/drawingml/2006/spreadsheetDrawing" xmlns:ns11="http://schemas.openxmlformats.org/drawingml/2006/compatibility" xmlns:ns12="http://schemas.openxmlformats.org/drawingml/2006/lockedCanvas">
   <p:cSld>
     <p:spTree>
       <p:nvGrpSpPr>

--- a/docs/articles/base_example.pptx
+++ b/docs/articles/base_example.pptx
@@ -1,12 +1,12 @@
 
 <file path=ppt/presentation.xml><?xml version="1.0" encoding="utf-8"?>
-<p:presentation xmlns:a="http://schemas.openxmlformats.org/drawingml/2006/main" xmlns:r="http://schemas.openxmlformats.org/officeDocument/2006/relationships" xmlns:p="http://schemas.openxmlformats.org/presentationml/2006/main" xmlns:mc="http://schemas.openxmlformats.org/markup-compatibility/2006" xmlns:c="http://schemas.openxmlformats.org/drawingml/2006/chart" xmlns:ns6="http://schemas.openxmlformats.org/drawingml/2006/chartDrawing" xmlns:dgm="http://schemas.openxmlformats.org/drawingml/2006/diagram" xmlns:pic="http://schemas.openxmlformats.org/drawingml/2006/picture" xmlns:wp="http://schemas.openxmlformats.org/drawingml/2006/wordprocessingDrawing" xmlns:xdr="http://schemas.openxmlformats.org/drawingml/2006/spreadsheetDrawing" xmlns:ns11="http://schemas.openxmlformats.org/drawingml/2006/compatibility" xmlns:ns12="http://schemas.openxmlformats.org/drawingml/2006/lockedCanvas" saveSubsetFonts="true">
+<p:presentation xmlns:p="http://schemas.openxmlformats.org/presentationml/2006/main" xmlns:a="http://schemas.openxmlformats.org/drawingml/2006/main" xmlns:r="http://schemas.openxmlformats.org/officeDocument/2006/relationships" xmlns:mc="http://schemas.openxmlformats.org/markup-compatibility/2006" xmlns:c="http://schemas.openxmlformats.org/drawingml/2006/chart" xmlns:ns6="http://schemas.openxmlformats.org/drawingml/2006/chartDrawing" xmlns:dgm="http://schemas.openxmlformats.org/drawingml/2006/diagram" xmlns:pic="http://schemas.openxmlformats.org/drawingml/2006/picture" xmlns:wp="http://schemas.openxmlformats.org/drawingml/2006/wordprocessingDrawing" xmlns:xdr="http://schemas.openxmlformats.org/drawingml/2006/spreadsheetDrawing" xmlns:ns11="http://schemas.openxmlformats.org/drawingml/2006/compatibility" xmlns:ns12="http://schemas.openxmlformats.org/drawingml/2006/lockedCanvas" saveSubsetFonts="true">
   <p:sldMasterIdLst>
     <p:sldMasterId id="2147483648" r:id="rId1"/>
   </p:sldMasterIdLst>
   <p:sldIdLst>
-    <p:sldId id="1617537522" r:id="rId6"/>
-    <p:sldId id="1001468441" r:id="rId7"/>
+    <p:sldId id="1584745702" r:id="rId6"/>
+    <p:sldId id="441546216" r:id="rId7"/>
   </p:sldIdLst>
   <p:sldSz cx="12192000" cy="6858000"/>
   <p:notesSz cx="6858000" cy="9144000"/>
@@ -114,7 +114,7 @@
 </file>
 
 <file path=ppt/slideLayouts/slideLayout1.xml><?xml version="1.0" encoding="utf-8"?>
-<p:sldLayout xmlns:a="http://schemas.openxmlformats.org/drawingml/2006/main" xmlns:r="http://schemas.openxmlformats.org/officeDocument/2006/relationships" xmlns:p="http://schemas.openxmlformats.org/presentationml/2006/main" xmlns:mc="http://schemas.openxmlformats.org/markup-compatibility/2006" xmlns:c="http://schemas.openxmlformats.org/drawingml/2006/chart" xmlns:ns6="http://schemas.openxmlformats.org/drawingml/2006/chartDrawing" xmlns:dgm="http://schemas.openxmlformats.org/drawingml/2006/diagram" xmlns:pic="http://schemas.openxmlformats.org/drawingml/2006/picture" xmlns:wp="http://schemas.openxmlformats.org/drawingml/2006/wordprocessingDrawing" xmlns:xdr="http://schemas.openxmlformats.org/drawingml/2006/spreadsheetDrawing" xmlns:ns11="http://schemas.openxmlformats.org/drawingml/2006/compatibility" xmlns:ns12="http://schemas.openxmlformats.org/drawingml/2006/lockedCanvas" type="title" preserve="true">
+<p:sldLayout xmlns:p="http://schemas.openxmlformats.org/presentationml/2006/main" xmlns:a="http://schemas.openxmlformats.org/drawingml/2006/main" xmlns:r="http://schemas.openxmlformats.org/officeDocument/2006/relationships" xmlns:mc="http://schemas.openxmlformats.org/markup-compatibility/2006" xmlns:c="http://schemas.openxmlformats.org/drawingml/2006/chart" xmlns:ns6="http://schemas.openxmlformats.org/drawingml/2006/chartDrawing" xmlns:dgm="http://schemas.openxmlformats.org/drawingml/2006/diagram" xmlns:pic="http://schemas.openxmlformats.org/drawingml/2006/picture" xmlns:wp="http://schemas.openxmlformats.org/drawingml/2006/wordprocessingDrawing" xmlns:xdr="http://schemas.openxmlformats.org/drawingml/2006/spreadsheetDrawing" xmlns:ns11="http://schemas.openxmlformats.org/drawingml/2006/compatibility" xmlns:ns12="http://schemas.openxmlformats.org/drawingml/2006/lockedCanvas" type="title" preserve="true">
   <p:cSld name="Title Slide">
     <p:spTree>
       <p:nvGrpSpPr>
@@ -313,7 +313,7 @@
 </file>
 
 <file path=ppt/slideLayouts/slideLayout10.xml><?xml version="1.0" encoding="utf-8"?>
-<p:sldLayout xmlns:a="http://schemas.openxmlformats.org/drawingml/2006/main" xmlns:r="http://schemas.openxmlformats.org/officeDocument/2006/relationships" xmlns:p="http://schemas.openxmlformats.org/presentationml/2006/main" xmlns:mc="http://schemas.openxmlformats.org/markup-compatibility/2006" xmlns:c="http://schemas.openxmlformats.org/drawingml/2006/chart" xmlns:ns6="http://schemas.openxmlformats.org/drawingml/2006/chartDrawing" xmlns:dgm="http://schemas.openxmlformats.org/drawingml/2006/diagram" xmlns:pic="http://schemas.openxmlformats.org/drawingml/2006/picture" xmlns:wp="http://schemas.openxmlformats.org/drawingml/2006/wordprocessingDrawing" xmlns:xdr="http://schemas.openxmlformats.org/drawingml/2006/spreadsheetDrawing" xmlns:ns11="http://schemas.openxmlformats.org/drawingml/2006/compatibility" xmlns:ns12="http://schemas.openxmlformats.org/drawingml/2006/lockedCanvas" type="vertTitleAndTx" preserve="true">
+<p:sldLayout xmlns:p="http://schemas.openxmlformats.org/presentationml/2006/main" xmlns:a="http://schemas.openxmlformats.org/drawingml/2006/main" xmlns:r="http://schemas.openxmlformats.org/officeDocument/2006/relationships" xmlns:mc="http://schemas.openxmlformats.org/markup-compatibility/2006" xmlns:c="http://schemas.openxmlformats.org/drawingml/2006/chart" xmlns:ns6="http://schemas.openxmlformats.org/drawingml/2006/chartDrawing" xmlns:dgm="http://schemas.openxmlformats.org/drawingml/2006/diagram" xmlns:pic="http://schemas.openxmlformats.org/drawingml/2006/picture" xmlns:wp="http://schemas.openxmlformats.org/drawingml/2006/wordprocessingDrawing" xmlns:xdr="http://schemas.openxmlformats.org/drawingml/2006/spreadsheetDrawing" xmlns:ns11="http://schemas.openxmlformats.org/drawingml/2006/compatibility" xmlns:ns12="http://schemas.openxmlformats.org/drawingml/2006/lockedCanvas" type="vertTitleAndTx" preserve="true">
   <p:cSld name="Vertical Title and Text">
     <p:spTree>
       <p:nvGrpSpPr>
@@ -500,7 +500,7 @@
 </file>
 
 <file path=ppt/slideLayouts/slideLayout2.xml><?xml version="1.0" encoding="utf-8"?>
-<p:sldLayout xmlns:a="http://schemas.openxmlformats.org/drawingml/2006/main" xmlns:r="http://schemas.openxmlformats.org/officeDocument/2006/relationships" xmlns:p="http://schemas.openxmlformats.org/presentationml/2006/main" xmlns:mc="http://schemas.openxmlformats.org/markup-compatibility/2006" xmlns:c="http://schemas.openxmlformats.org/drawingml/2006/chart" xmlns:ns6="http://schemas.openxmlformats.org/drawingml/2006/chartDrawing" xmlns:dgm="http://schemas.openxmlformats.org/drawingml/2006/diagram" xmlns:pic="http://schemas.openxmlformats.org/drawingml/2006/picture" xmlns:wp="http://schemas.openxmlformats.org/drawingml/2006/wordprocessingDrawing" xmlns:xdr="http://schemas.openxmlformats.org/drawingml/2006/spreadsheetDrawing" xmlns:ns11="http://schemas.openxmlformats.org/drawingml/2006/compatibility" xmlns:ns12="http://schemas.openxmlformats.org/drawingml/2006/lockedCanvas" type="obj" preserve="true">
+<p:sldLayout xmlns:p="http://schemas.openxmlformats.org/presentationml/2006/main" xmlns:a="http://schemas.openxmlformats.org/drawingml/2006/main" xmlns:r="http://schemas.openxmlformats.org/officeDocument/2006/relationships" xmlns:mc="http://schemas.openxmlformats.org/markup-compatibility/2006" xmlns:c="http://schemas.openxmlformats.org/drawingml/2006/chart" xmlns:ns6="http://schemas.openxmlformats.org/drawingml/2006/chartDrawing" xmlns:dgm="http://schemas.openxmlformats.org/drawingml/2006/diagram" xmlns:pic="http://schemas.openxmlformats.org/drawingml/2006/picture" xmlns:wp="http://schemas.openxmlformats.org/drawingml/2006/wordprocessingDrawing" xmlns:xdr="http://schemas.openxmlformats.org/drawingml/2006/spreadsheetDrawing" xmlns:ns11="http://schemas.openxmlformats.org/drawingml/2006/compatibility" xmlns:ns12="http://schemas.openxmlformats.org/drawingml/2006/lockedCanvas" type="obj" preserve="true">
   <p:cSld name="Title and Content">
     <p:spTree>
       <p:nvGrpSpPr>
@@ -682,7 +682,7 @@
 </file>
 
 <file path=ppt/slideLayouts/slideLayout3.xml><?xml version="1.0" encoding="utf-8"?>
-<p:sldLayout xmlns:a="http://schemas.openxmlformats.org/drawingml/2006/main" xmlns:r="http://schemas.openxmlformats.org/officeDocument/2006/relationships" xmlns:p="http://schemas.openxmlformats.org/presentationml/2006/main" xmlns:mc="http://schemas.openxmlformats.org/markup-compatibility/2006" xmlns:c="http://schemas.openxmlformats.org/drawingml/2006/chart" xmlns:ns6="http://schemas.openxmlformats.org/drawingml/2006/chartDrawing" xmlns:dgm="http://schemas.openxmlformats.org/drawingml/2006/diagram" xmlns:pic="http://schemas.openxmlformats.org/drawingml/2006/picture" xmlns:wp="http://schemas.openxmlformats.org/drawingml/2006/wordprocessingDrawing" xmlns:xdr="http://schemas.openxmlformats.org/drawingml/2006/spreadsheetDrawing" xmlns:ns11="http://schemas.openxmlformats.org/drawingml/2006/compatibility" xmlns:ns12="http://schemas.openxmlformats.org/drawingml/2006/lockedCanvas" type="secHead" preserve="true">
+<p:sldLayout xmlns:p="http://schemas.openxmlformats.org/presentationml/2006/main" xmlns:a="http://schemas.openxmlformats.org/drawingml/2006/main" xmlns:r="http://schemas.openxmlformats.org/officeDocument/2006/relationships" xmlns:mc="http://schemas.openxmlformats.org/markup-compatibility/2006" xmlns:c="http://schemas.openxmlformats.org/drawingml/2006/chart" xmlns:ns6="http://schemas.openxmlformats.org/drawingml/2006/chartDrawing" xmlns:dgm="http://schemas.openxmlformats.org/drawingml/2006/diagram" xmlns:pic="http://schemas.openxmlformats.org/drawingml/2006/picture" xmlns:wp="http://schemas.openxmlformats.org/drawingml/2006/wordprocessingDrawing" xmlns:xdr="http://schemas.openxmlformats.org/drawingml/2006/spreadsheetDrawing" xmlns:ns11="http://schemas.openxmlformats.org/drawingml/2006/compatibility" xmlns:ns12="http://schemas.openxmlformats.org/drawingml/2006/lockedCanvas" type="secHead" preserve="true">
   <p:cSld name="Section Header">
     <p:spTree>
       <p:nvGrpSpPr>
@@ -935,7 +935,7 @@
 </file>
 
 <file path=ppt/slideLayouts/slideLayout4.xml><?xml version="1.0" encoding="utf-8"?>
-<p:sldLayout xmlns:a="http://schemas.openxmlformats.org/drawingml/2006/main" xmlns:r="http://schemas.openxmlformats.org/officeDocument/2006/relationships" xmlns:p="http://schemas.openxmlformats.org/presentationml/2006/main" xmlns:mc="http://schemas.openxmlformats.org/markup-compatibility/2006" xmlns:c="http://schemas.openxmlformats.org/drawingml/2006/chart" xmlns:ns6="http://schemas.openxmlformats.org/drawingml/2006/chartDrawing" xmlns:dgm="http://schemas.openxmlformats.org/drawingml/2006/diagram" xmlns:pic="http://schemas.openxmlformats.org/drawingml/2006/picture" xmlns:wp="http://schemas.openxmlformats.org/drawingml/2006/wordprocessingDrawing" xmlns:xdr="http://schemas.openxmlformats.org/drawingml/2006/spreadsheetDrawing" xmlns:ns11="http://schemas.openxmlformats.org/drawingml/2006/compatibility" xmlns:ns12="http://schemas.openxmlformats.org/drawingml/2006/lockedCanvas" type="twoObj" preserve="true">
+<p:sldLayout xmlns:p="http://schemas.openxmlformats.org/presentationml/2006/main" xmlns:a="http://schemas.openxmlformats.org/drawingml/2006/main" xmlns:r="http://schemas.openxmlformats.org/officeDocument/2006/relationships" xmlns:mc="http://schemas.openxmlformats.org/markup-compatibility/2006" xmlns:c="http://schemas.openxmlformats.org/drawingml/2006/chart" xmlns:ns6="http://schemas.openxmlformats.org/drawingml/2006/chartDrawing" xmlns:dgm="http://schemas.openxmlformats.org/drawingml/2006/diagram" xmlns:pic="http://schemas.openxmlformats.org/drawingml/2006/picture" xmlns:wp="http://schemas.openxmlformats.org/drawingml/2006/wordprocessingDrawing" xmlns:xdr="http://schemas.openxmlformats.org/drawingml/2006/spreadsheetDrawing" xmlns:ns11="http://schemas.openxmlformats.org/drawingml/2006/compatibility" xmlns:ns12="http://schemas.openxmlformats.org/drawingml/2006/lockedCanvas" type="twoObj" preserve="true">
   <p:cSld name="Two Content">
     <p:spTree>
       <p:nvGrpSpPr>
@@ -1174,7 +1174,7 @@
 </file>
 
 <file path=ppt/slideLayouts/slideLayout5.xml><?xml version="1.0" encoding="utf-8"?>
-<p:sldLayout xmlns:a="http://schemas.openxmlformats.org/drawingml/2006/main" xmlns:r="http://schemas.openxmlformats.org/officeDocument/2006/relationships" xmlns:p="http://schemas.openxmlformats.org/presentationml/2006/main" xmlns:mc="http://schemas.openxmlformats.org/markup-compatibility/2006" xmlns:c="http://schemas.openxmlformats.org/drawingml/2006/chart" xmlns:ns6="http://schemas.openxmlformats.org/drawingml/2006/chartDrawing" xmlns:dgm="http://schemas.openxmlformats.org/drawingml/2006/diagram" xmlns:pic="http://schemas.openxmlformats.org/drawingml/2006/picture" xmlns:wp="http://schemas.openxmlformats.org/drawingml/2006/wordprocessingDrawing" xmlns:xdr="http://schemas.openxmlformats.org/drawingml/2006/spreadsheetDrawing" xmlns:ns11="http://schemas.openxmlformats.org/drawingml/2006/compatibility" xmlns:ns12="http://schemas.openxmlformats.org/drawingml/2006/lockedCanvas" type="twoTxTwoObj" preserve="true">
+<p:sldLayout xmlns:p="http://schemas.openxmlformats.org/presentationml/2006/main" xmlns:a="http://schemas.openxmlformats.org/drawingml/2006/main" xmlns:r="http://schemas.openxmlformats.org/officeDocument/2006/relationships" xmlns:mc="http://schemas.openxmlformats.org/markup-compatibility/2006" xmlns:c="http://schemas.openxmlformats.org/drawingml/2006/chart" xmlns:ns6="http://schemas.openxmlformats.org/drawingml/2006/chartDrawing" xmlns:dgm="http://schemas.openxmlformats.org/drawingml/2006/diagram" xmlns:pic="http://schemas.openxmlformats.org/drawingml/2006/picture" xmlns:wp="http://schemas.openxmlformats.org/drawingml/2006/wordprocessingDrawing" xmlns:xdr="http://schemas.openxmlformats.org/drawingml/2006/spreadsheetDrawing" xmlns:ns11="http://schemas.openxmlformats.org/drawingml/2006/compatibility" xmlns:ns12="http://schemas.openxmlformats.org/drawingml/2006/lockedCanvas" type="twoTxTwoObj" preserve="true">
   <p:cSld name="Comparison">
     <p:spTree>
       <p:nvGrpSpPr>
@@ -1529,7 +1529,7 @@
 </file>
 
 <file path=ppt/slideLayouts/slideLayout6.xml><?xml version="1.0" encoding="utf-8"?>
-<p:sldLayout xmlns:a="http://schemas.openxmlformats.org/drawingml/2006/main" xmlns:r="http://schemas.openxmlformats.org/officeDocument/2006/relationships" xmlns:p="http://schemas.openxmlformats.org/presentationml/2006/main" xmlns:mc="http://schemas.openxmlformats.org/markup-compatibility/2006" xmlns:c="http://schemas.openxmlformats.org/drawingml/2006/chart" xmlns:ns6="http://schemas.openxmlformats.org/drawingml/2006/chartDrawing" xmlns:dgm="http://schemas.openxmlformats.org/drawingml/2006/diagram" xmlns:pic="http://schemas.openxmlformats.org/drawingml/2006/picture" xmlns:wp="http://schemas.openxmlformats.org/drawingml/2006/wordprocessingDrawing" xmlns:xdr="http://schemas.openxmlformats.org/drawingml/2006/spreadsheetDrawing" xmlns:ns11="http://schemas.openxmlformats.org/drawingml/2006/compatibility" xmlns:ns12="http://schemas.openxmlformats.org/drawingml/2006/lockedCanvas" type="titleOnly" preserve="true">
+<p:sldLayout xmlns:p="http://schemas.openxmlformats.org/presentationml/2006/main" xmlns:a="http://schemas.openxmlformats.org/drawingml/2006/main" xmlns:r="http://schemas.openxmlformats.org/officeDocument/2006/relationships" xmlns:mc="http://schemas.openxmlformats.org/markup-compatibility/2006" xmlns:c="http://schemas.openxmlformats.org/drawingml/2006/chart" xmlns:ns6="http://schemas.openxmlformats.org/drawingml/2006/chartDrawing" xmlns:dgm="http://schemas.openxmlformats.org/drawingml/2006/diagram" xmlns:pic="http://schemas.openxmlformats.org/drawingml/2006/picture" xmlns:wp="http://schemas.openxmlformats.org/drawingml/2006/wordprocessingDrawing" xmlns:xdr="http://schemas.openxmlformats.org/drawingml/2006/spreadsheetDrawing" xmlns:ns11="http://schemas.openxmlformats.org/drawingml/2006/compatibility" xmlns:ns12="http://schemas.openxmlformats.org/drawingml/2006/lockedCanvas" type="titleOnly" preserve="true">
   <p:cSld name="Title Only">
     <p:spTree>
       <p:nvGrpSpPr>
@@ -1654,7 +1654,7 @@
 </file>
 
 <file path=ppt/slideLayouts/slideLayout7.xml><?xml version="1.0" encoding="utf-8"?>
-<p:sldLayout xmlns:a="http://schemas.openxmlformats.org/drawingml/2006/main" xmlns:r="http://schemas.openxmlformats.org/officeDocument/2006/relationships" xmlns:p="http://schemas.openxmlformats.org/presentationml/2006/main" xmlns:mc="http://schemas.openxmlformats.org/markup-compatibility/2006" xmlns:c="http://schemas.openxmlformats.org/drawingml/2006/chart" xmlns:ns6="http://schemas.openxmlformats.org/drawingml/2006/chartDrawing" xmlns:dgm="http://schemas.openxmlformats.org/drawingml/2006/diagram" xmlns:pic="http://schemas.openxmlformats.org/drawingml/2006/picture" xmlns:wp="http://schemas.openxmlformats.org/drawingml/2006/wordprocessingDrawing" xmlns:xdr="http://schemas.openxmlformats.org/drawingml/2006/spreadsheetDrawing" xmlns:ns11="http://schemas.openxmlformats.org/drawingml/2006/compatibility" xmlns:ns12="http://schemas.openxmlformats.org/drawingml/2006/lockedCanvas" type="blank" preserve="true">
+<p:sldLayout xmlns:p="http://schemas.openxmlformats.org/presentationml/2006/main" xmlns:a="http://schemas.openxmlformats.org/drawingml/2006/main" xmlns:r="http://schemas.openxmlformats.org/officeDocument/2006/relationships" xmlns:mc="http://schemas.openxmlformats.org/markup-compatibility/2006" xmlns:c="http://schemas.openxmlformats.org/drawingml/2006/chart" xmlns:ns6="http://schemas.openxmlformats.org/drawingml/2006/chartDrawing" xmlns:dgm="http://schemas.openxmlformats.org/drawingml/2006/diagram" xmlns:pic="http://schemas.openxmlformats.org/drawingml/2006/picture" xmlns:wp="http://schemas.openxmlformats.org/drawingml/2006/wordprocessingDrawing" xmlns:xdr="http://schemas.openxmlformats.org/drawingml/2006/spreadsheetDrawing" xmlns:ns11="http://schemas.openxmlformats.org/drawingml/2006/compatibility" xmlns:ns12="http://schemas.openxmlformats.org/drawingml/2006/lockedCanvas" type="blank" preserve="true">
   <p:cSld name="Blank">
     <p:spTree>
       <p:nvGrpSpPr>
@@ -1756,7 +1756,7 @@
 </file>
 
 <file path=ppt/slideLayouts/slideLayout8.xml><?xml version="1.0" encoding="utf-8"?>
-<p:sldLayout xmlns:a="http://schemas.openxmlformats.org/drawingml/2006/main" xmlns:r="http://schemas.openxmlformats.org/officeDocument/2006/relationships" xmlns:p="http://schemas.openxmlformats.org/presentationml/2006/main" xmlns:mc="http://schemas.openxmlformats.org/markup-compatibility/2006" xmlns:c="http://schemas.openxmlformats.org/drawingml/2006/chart" xmlns:ns6="http://schemas.openxmlformats.org/drawingml/2006/chartDrawing" xmlns:dgm="http://schemas.openxmlformats.org/drawingml/2006/diagram" xmlns:pic="http://schemas.openxmlformats.org/drawingml/2006/picture" xmlns:wp="http://schemas.openxmlformats.org/drawingml/2006/wordprocessingDrawing" xmlns:xdr="http://schemas.openxmlformats.org/drawingml/2006/spreadsheetDrawing" xmlns:ns11="http://schemas.openxmlformats.org/drawingml/2006/compatibility" xmlns:ns12="http://schemas.openxmlformats.org/drawingml/2006/lockedCanvas" type="objTx" preserve="true">
+<p:sldLayout xmlns:p="http://schemas.openxmlformats.org/presentationml/2006/main" xmlns:a="http://schemas.openxmlformats.org/drawingml/2006/main" xmlns:r="http://schemas.openxmlformats.org/officeDocument/2006/relationships" xmlns:mc="http://schemas.openxmlformats.org/markup-compatibility/2006" xmlns:c="http://schemas.openxmlformats.org/drawingml/2006/chart" xmlns:ns6="http://schemas.openxmlformats.org/drawingml/2006/chartDrawing" xmlns:dgm="http://schemas.openxmlformats.org/drawingml/2006/diagram" xmlns:pic="http://schemas.openxmlformats.org/drawingml/2006/picture" xmlns:wp="http://schemas.openxmlformats.org/drawingml/2006/wordprocessingDrawing" xmlns:xdr="http://schemas.openxmlformats.org/drawingml/2006/spreadsheetDrawing" xmlns:ns11="http://schemas.openxmlformats.org/drawingml/2006/compatibility" xmlns:ns12="http://schemas.openxmlformats.org/drawingml/2006/lockedCanvas" type="objTx" preserve="true">
   <p:cSld name="Content with Caption">
     <p:spTree>
       <p:nvGrpSpPr>
@@ -2040,7 +2040,7 @@
 </file>
 
 <file path=ppt/slideLayouts/slideLayout9.xml><?xml version="1.0" encoding="utf-8"?>
-<p:sldLayout xmlns:a="http://schemas.openxmlformats.org/drawingml/2006/main" xmlns:r="http://schemas.openxmlformats.org/officeDocument/2006/relationships" xmlns:p="http://schemas.openxmlformats.org/presentationml/2006/main" xmlns:mc="http://schemas.openxmlformats.org/markup-compatibility/2006" xmlns:c="http://schemas.openxmlformats.org/drawingml/2006/chart" xmlns:ns6="http://schemas.openxmlformats.org/drawingml/2006/chartDrawing" xmlns:dgm="http://schemas.openxmlformats.org/drawingml/2006/diagram" xmlns:pic="http://schemas.openxmlformats.org/drawingml/2006/picture" xmlns:wp="http://schemas.openxmlformats.org/drawingml/2006/wordprocessingDrawing" xmlns:xdr="http://schemas.openxmlformats.org/drawingml/2006/spreadsheetDrawing" xmlns:ns11="http://schemas.openxmlformats.org/drawingml/2006/compatibility" xmlns:ns12="http://schemas.openxmlformats.org/drawingml/2006/lockedCanvas" type="vertTx" preserve="true">
+<p:sldLayout xmlns:p="http://schemas.openxmlformats.org/presentationml/2006/main" xmlns:a="http://schemas.openxmlformats.org/drawingml/2006/main" xmlns:r="http://schemas.openxmlformats.org/officeDocument/2006/relationships" xmlns:mc="http://schemas.openxmlformats.org/markup-compatibility/2006" xmlns:c="http://schemas.openxmlformats.org/drawingml/2006/chart" xmlns:ns6="http://schemas.openxmlformats.org/drawingml/2006/chartDrawing" xmlns:dgm="http://schemas.openxmlformats.org/drawingml/2006/diagram" xmlns:pic="http://schemas.openxmlformats.org/drawingml/2006/picture" xmlns:wp="http://schemas.openxmlformats.org/drawingml/2006/wordprocessingDrawing" xmlns:xdr="http://schemas.openxmlformats.org/drawingml/2006/spreadsheetDrawing" xmlns:ns11="http://schemas.openxmlformats.org/drawingml/2006/compatibility" xmlns:ns12="http://schemas.openxmlformats.org/drawingml/2006/lockedCanvas" type="vertTx" preserve="true">
   <p:cSld name="Title and Vertical Text">
     <p:spTree>
       <p:nvGrpSpPr>
@@ -2217,7 +2217,7 @@
 </file>
 
 <file path=ppt/slideMasters/slideMaster1.xml><?xml version="1.0" encoding="utf-8"?>
-<p:sldMaster xmlns:a="http://schemas.openxmlformats.org/drawingml/2006/main" xmlns:r="http://schemas.openxmlformats.org/officeDocument/2006/relationships" xmlns:p="http://schemas.openxmlformats.org/presentationml/2006/main" xmlns:mc="http://schemas.openxmlformats.org/markup-compatibility/2006" xmlns:c="http://schemas.openxmlformats.org/drawingml/2006/chart" xmlns:ns6="http://schemas.openxmlformats.org/drawingml/2006/chartDrawing" xmlns:dgm="http://schemas.openxmlformats.org/drawingml/2006/diagram" xmlns:pic="http://schemas.openxmlformats.org/drawingml/2006/picture" xmlns:wp="http://schemas.openxmlformats.org/drawingml/2006/wordprocessingDrawing" xmlns:xdr="http://schemas.openxmlformats.org/drawingml/2006/spreadsheetDrawing" xmlns:ns11="http://schemas.openxmlformats.org/drawingml/2006/compatibility" xmlns:ns12="http://schemas.openxmlformats.org/drawingml/2006/lockedCanvas">
+<p:sldMaster xmlns:p="http://schemas.openxmlformats.org/presentationml/2006/main" xmlns:a="http://schemas.openxmlformats.org/drawingml/2006/main" xmlns:r="http://schemas.openxmlformats.org/officeDocument/2006/relationships" xmlns:mc="http://schemas.openxmlformats.org/markup-compatibility/2006" xmlns:c="http://schemas.openxmlformats.org/drawingml/2006/chart" xmlns:ns6="http://schemas.openxmlformats.org/drawingml/2006/chartDrawing" xmlns:dgm="http://schemas.openxmlformats.org/drawingml/2006/diagram" xmlns:pic="http://schemas.openxmlformats.org/drawingml/2006/picture" xmlns:wp="http://schemas.openxmlformats.org/drawingml/2006/wordprocessingDrawing" xmlns:xdr="http://schemas.openxmlformats.org/drawingml/2006/spreadsheetDrawing" xmlns:ns11="http://schemas.openxmlformats.org/drawingml/2006/compatibility" xmlns:ns12="http://schemas.openxmlformats.org/drawingml/2006/lockedCanvas">
   <p:cSld>
     <p:bg>
       <p:bgRef idx="1001">
@@ -2763,7 +2763,7 @@
 </file>
 
 <file path=ppt/slides/slide1.xml><?xml version="1.0" encoding="utf-8"?>
-<p:sld xmlns:a="http://schemas.openxmlformats.org/drawingml/2006/main" xmlns:r="http://schemas.openxmlformats.org/officeDocument/2006/relationships" xmlns:p="http://schemas.openxmlformats.org/presentationml/2006/main" xmlns:mc="http://schemas.openxmlformats.org/markup-compatibility/2006" xmlns:c="http://schemas.openxmlformats.org/drawingml/2006/chart" xmlns:ns6="http://schemas.openxmlformats.org/drawingml/2006/chartDrawing" xmlns:dgm="http://schemas.openxmlformats.org/drawingml/2006/diagram" xmlns:pic="http://schemas.openxmlformats.org/drawingml/2006/picture" xmlns:wp="http://schemas.openxmlformats.org/drawingml/2006/wordprocessingDrawing" xmlns:xdr="http://schemas.openxmlformats.org/drawingml/2006/spreadsheetDrawing" xmlns:ns11="http://schemas.openxmlformats.org/drawingml/2006/compatibility" xmlns:ns12="http://schemas.openxmlformats.org/drawingml/2006/lockedCanvas">
+<p:sld xmlns:p="http://schemas.openxmlformats.org/presentationml/2006/main" xmlns:a="http://schemas.openxmlformats.org/drawingml/2006/main" xmlns:r="http://schemas.openxmlformats.org/officeDocument/2006/relationships" xmlns:mc="http://schemas.openxmlformats.org/markup-compatibility/2006" xmlns:c="http://schemas.openxmlformats.org/drawingml/2006/chart" xmlns:ns6="http://schemas.openxmlformats.org/drawingml/2006/chartDrawing" xmlns:dgm="http://schemas.openxmlformats.org/drawingml/2006/diagram" xmlns:pic="http://schemas.openxmlformats.org/drawingml/2006/picture" xmlns:wp="http://schemas.openxmlformats.org/drawingml/2006/wordprocessingDrawing" xmlns:xdr="http://schemas.openxmlformats.org/drawingml/2006/spreadsheetDrawing" xmlns:ns11="http://schemas.openxmlformats.org/drawingml/2006/compatibility" xmlns:ns12="http://schemas.openxmlformats.org/drawingml/2006/lockedCanvas">
   <p:cSld>
     <p:spTree>
       <p:nvGrpSpPr>
@@ -2844,9 +2844,9 @@
                               <a:alpha val="100000"/>
                             </a:srgbClr>
                           </a:solidFill>
-                          <a:latin typeface="Helvetica"/>
-                          <a:ea typeface="Helvetica"/>
-                          <a:cs typeface="Helvetica"/>
+                          <a:latin typeface="Times New Roman"/>
+                          <a:ea typeface="Times New Roman"/>
+                          <a:cs typeface="Times New Roman"/>
                         </a:rPr>
                         <a:t>Sepal.Length</a:t>
                       </a:r>
@@ -2911,9 +2911,9 @@
                               <a:alpha val="100000"/>
                             </a:srgbClr>
                           </a:solidFill>
-                          <a:latin typeface="Helvetica"/>
-                          <a:ea typeface="Helvetica"/>
-                          <a:cs typeface="Helvetica"/>
+                          <a:latin typeface="Times New Roman"/>
+                          <a:ea typeface="Times New Roman"/>
+                          <a:cs typeface="Times New Roman"/>
                         </a:rPr>
                         <a:t>Sepal.Width</a:t>
                       </a:r>
@@ -2978,9 +2978,9 @@
                               <a:alpha val="100000"/>
                             </a:srgbClr>
                           </a:solidFill>
-                          <a:latin typeface="Helvetica"/>
-                          <a:ea typeface="Helvetica"/>
-                          <a:cs typeface="Helvetica"/>
+                          <a:latin typeface="Times New Roman"/>
+                          <a:ea typeface="Times New Roman"/>
+                          <a:cs typeface="Times New Roman"/>
                         </a:rPr>
                         <a:t>Petal.Length</a:t>
                       </a:r>
@@ -3045,9 +3045,9 @@
                               <a:alpha val="100000"/>
                             </a:srgbClr>
                           </a:solidFill>
-                          <a:latin typeface="Helvetica"/>
-                          <a:ea typeface="Helvetica"/>
-                          <a:cs typeface="Helvetica"/>
+                          <a:latin typeface="Times New Roman"/>
+                          <a:ea typeface="Times New Roman"/>
+                          <a:cs typeface="Times New Roman"/>
                         </a:rPr>
                         <a:t>Petal.Width</a:t>
                       </a:r>
@@ -3112,9 +3112,9 @@
                               <a:alpha val="100000"/>
                             </a:srgbClr>
                           </a:solidFill>
-                          <a:latin typeface="Helvetica"/>
-                          <a:ea typeface="Helvetica"/>
-                          <a:cs typeface="Helvetica"/>
+                          <a:latin typeface="Times New Roman"/>
+                          <a:ea typeface="Times New Roman"/>
+                          <a:cs typeface="Times New Roman"/>
                         </a:rPr>
                         <a:t>Species</a:t>
                       </a:r>
@@ -3181,9 +3181,9 @@
                               <a:alpha val="100000"/>
                             </a:srgbClr>
                           </a:solidFill>
-                          <a:latin typeface="Helvetica"/>
-                          <a:ea typeface="Helvetica"/>
-                          <a:cs typeface="Helvetica"/>
+                          <a:latin typeface="Times New Roman"/>
+                          <a:ea typeface="Times New Roman"/>
+                          <a:cs typeface="Times New Roman"/>
                         </a:rPr>
                         <a:t/>
                       </a:r>
@@ -3194,9 +3194,9 @@
                               <a:alpha val="100000"/>
                             </a:srgbClr>
                           </a:solidFill>
-                          <a:latin typeface="Helvetica"/>
-                          <a:ea typeface="Helvetica"/>
-                          <a:cs typeface="Helvetica"/>
+                          <a:latin typeface="Times New Roman"/>
+                          <a:ea typeface="Times New Roman"/>
+                          <a:cs typeface="Times New Roman"/>
                         </a:rPr>
                         <a:t>5.1</a:t>
                       </a:r>
@@ -3260,9 +3260,9 @@
                               <a:alpha val="100000"/>
                             </a:srgbClr>
                           </a:solidFill>
-                          <a:latin typeface="Helvetica"/>
-                          <a:ea typeface="Helvetica"/>
-                          <a:cs typeface="Helvetica"/>
+                          <a:latin typeface="Times New Roman"/>
+                          <a:ea typeface="Times New Roman"/>
+                          <a:cs typeface="Times New Roman"/>
                         </a:rPr>
                         <a:t/>
                       </a:r>
@@ -3273,9 +3273,9 @@
                               <a:alpha val="100000"/>
                             </a:srgbClr>
                           </a:solidFill>
-                          <a:latin typeface="Helvetica"/>
-                          <a:ea typeface="Helvetica"/>
-                          <a:cs typeface="Helvetica"/>
+                          <a:latin typeface="Times New Roman"/>
+                          <a:ea typeface="Times New Roman"/>
+                          <a:cs typeface="Times New Roman"/>
                         </a:rPr>
                         <a:t>3.5</a:t>
                       </a:r>
@@ -3339,9 +3339,9 @@
                               <a:alpha val="100000"/>
                             </a:srgbClr>
                           </a:solidFill>
-                          <a:latin typeface="Helvetica"/>
-                          <a:ea typeface="Helvetica"/>
-                          <a:cs typeface="Helvetica"/>
+                          <a:latin typeface="Times New Roman"/>
+                          <a:ea typeface="Times New Roman"/>
+                          <a:cs typeface="Times New Roman"/>
                         </a:rPr>
                         <a:t/>
                       </a:r>
@@ -3352,9 +3352,9 @@
                               <a:alpha val="100000"/>
                             </a:srgbClr>
                           </a:solidFill>
-                          <a:latin typeface="Helvetica"/>
-                          <a:ea typeface="Helvetica"/>
-                          <a:cs typeface="Helvetica"/>
+                          <a:latin typeface="Times New Roman"/>
+                          <a:ea typeface="Times New Roman"/>
+                          <a:cs typeface="Times New Roman"/>
                         </a:rPr>
                         <a:t>1.4</a:t>
                       </a:r>
@@ -3418,9 +3418,9 @@
                               <a:alpha val="100000"/>
                             </a:srgbClr>
                           </a:solidFill>
-                          <a:latin typeface="Helvetica"/>
-                          <a:ea typeface="Helvetica"/>
-                          <a:cs typeface="Helvetica"/>
+                          <a:latin typeface="Times New Roman"/>
+                          <a:ea typeface="Times New Roman"/>
+                          <a:cs typeface="Times New Roman"/>
                         </a:rPr>
                         <a:t/>
                       </a:r>
@@ -3431,9 +3431,9 @@
                               <a:alpha val="100000"/>
                             </a:srgbClr>
                           </a:solidFill>
-                          <a:latin typeface="Helvetica"/>
-                          <a:ea typeface="Helvetica"/>
-                          <a:cs typeface="Helvetica"/>
+                          <a:latin typeface="Times New Roman"/>
+                          <a:ea typeface="Times New Roman"/>
+                          <a:cs typeface="Times New Roman"/>
                         </a:rPr>
                         <a:t>0.2</a:t>
                       </a:r>
@@ -3497,9 +3497,9 @@
                               <a:alpha val="100000"/>
                             </a:srgbClr>
                           </a:solidFill>
-                          <a:latin typeface="Helvetica"/>
-                          <a:ea typeface="Helvetica"/>
-                          <a:cs typeface="Helvetica"/>
+                          <a:latin typeface="Times New Roman"/>
+                          <a:ea typeface="Times New Roman"/>
+                          <a:cs typeface="Times New Roman"/>
                         </a:rPr>
                         <a:t/>
                       </a:r>
@@ -3510,9 +3510,9 @@
                               <a:alpha val="100000"/>
                             </a:srgbClr>
                           </a:solidFill>
-                          <a:latin typeface="Helvetica"/>
-                          <a:ea typeface="Helvetica"/>
-                          <a:cs typeface="Helvetica"/>
+                          <a:latin typeface="Times New Roman"/>
+                          <a:ea typeface="Times New Roman"/>
+                          <a:cs typeface="Times New Roman"/>
                         </a:rPr>
                         <a:t>setosa</a:t>
                       </a:r>
@@ -3578,9 +3578,9 @@
                               <a:alpha val="100000"/>
                             </a:srgbClr>
                           </a:solidFill>
-                          <a:latin typeface="Helvetica"/>
-                          <a:ea typeface="Helvetica"/>
-                          <a:cs typeface="Helvetica"/>
+                          <a:latin typeface="Times New Roman"/>
+                          <a:ea typeface="Times New Roman"/>
+                          <a:cs typeface="Times New Roman"/>
                         </a:rPr>
                         <a:t/>
                       </a:r>
@@ -3591,9 +3591,9 @@
                               <a:alpha val="100000"/>
                             </a:srgbClr>
                           </a:solidFill>
-                          <a:latin typeface="Helvetica"/>
-                          <a:ea typeface="Helvetica"/>
-                          <a:cs typeface="Helvetica"/>
+                          <a:latin typeface="Times New Roman"/>
+                          <a:ea typeface="Times New Roman"/>
+                          <a:cs typeface="Times New Roman"/>
                         </a:rPr>
                         <a:t>4.9</a:t>
                       </a:r>
@@ -3656,9 +3656,9 @@
                               <a:alpha val="100000"/>
                             </a:srgbClr>
                           </a:solidFill>
-                          <a:latin typeface="Helvetica"/>
-                          <a:ea typeface="Helvetica"/>
-                          <a:cs typeface="Helvetica"/>
+                          <a:latin typeface="Times New Roman"/>
+                          <a:ea typeface="Times New Roman"/>
+                          <a:cs typeface="Times New Roman"/>
                         </a:rPr>
                         <a:t/>
                       </a:r>
@@ -3669,9 +3669,9 @@
                               <a:alpha val="100000"/>
                             </a:srgbClr>
                           </a:solidFill>
-                          <a:latin typeface="Helvetica"/>
-                          <a:ea typeface="Helvetica"/>
-                          <a:cs typeface="Helvetica"/>
+                          <a:latin typeface="Times New Roman"/>
+                          <a:ea typeface="Times New Roman"/>
+                          <a:cs typeface="Times New Roman"/>
                         </a:rPr>
                         <a:t>3.0</a:t>
                       </a:r>
@@ -3734,9 +3734,9 @@
                               <a:alpha val="100000"/>
                             </a:srgbClr>
                           </a:solidFill>
-                          <a:latin typeface="Helvetica"/>
-                          <a:ea typeface="Helvetica"/>
-                          <a:cs typeface="Helvetica"/>
+                          <a:latin typeface="Times New Roman"/>
+                          <a:ea typeface="Times New Roman"/>
+                          <a:cs typeface="Times New Roman"/>
                         </a:rPr>
                         <a:t/>
                       </a:r>
@@ -3747,9 +3747,9 @@
                               <a:alpha val="100000"/>
                             </a:srgbClr>
                           </a:solidFill>
-                          <a:latin typeface="Helvetica"/>
-                          <a:ea typeface="Helvetica"/>
-                          <a:cs typeface="Helvetica"/>
+                          <a:latin typeface="Times New Roman"/>
+                          <a:ea typeface="Times New Roman"/>
+                          <a:cs typeface="Times New Roman"/>
                         </a:rPr>
                         <a:t>1.4</a:t>
                       </a:r>
@@ -3812,9 +3812,9 @@
                               <a:alpha val="100000"/>
                             </a:srgbClr>
                           </a:solidFill>
-                          <a:latin typeface="Helvetica"/>
-                          <a:ea typeface="Helvetica"/>
-                          <a:cs typeface="Helvetica"/>
+                          <a:latin typeface="Times New Roman"/>
+                          <a:ea typeface="Times New Roman"/>
+                          <a:cs typeface="Times New Roman"/>
                         </a:rPr>
                         <a:t/>
                       </a:r>
@@ -3825,9 +3825,9 @@
                               <a:alpha val="100000"/>
                             </a:srgbClr>
                           </a:solidFill>
-                          <a:latin typeface="Helvetica"/>
-                          <a:ea typeface="Helvetica"/>
-                          <a:cs typeface="Helvetica"/>
+                          <a:latin typeface="Times New Roman"/>
+                          <a:ea typeface="Times New Roman"/>
+                          <a:cs typeface="Times New Roman"/>
                         </a:rPr>
                         <a:t>0.2</a:t>
                       </a:r>
@@ -3890,9 +3890,9 @@
                               <a:alpha val="100000"/>
                             </a:srgbClr>
                           </a:solidFill>
-                          <a:latin typeface="Helvetica"/>
-                          <a:ea typeface="Helvetica"/>
-                          <a:cs typeface="Helvetica"/>
+                          <a:latin typeface="Times New Roman"/>
+                          <a:ea typeface="Times New Roman"/>
+                          <a:cs typeface="Times New Roman"/>
                         </a:rPr>
                         <a:t/>
                       </a:r>
@@ -3903,9 +3903,9 @@
                               <a:alpha val="100000"/>
                             </a:srgbClr>
                           </a:solidFill>
-                          <a:latin typeface="Helvetica"/>
-                          <a:ea typeface="Helvetica"/>
-                          <a:cs typeface="Helvetica"/>
+                          <a:latin typeface="Times New Roman"/>
+                          <a:ea typeface="Times New Roman"/>
+                          <a:cs typeface="Times New Roman"/>
                         </a:rPr>
                         <a:t>setosa</a:t>
                       </a:r>
@@ -3970,9 +3970,9 @@
                               <a:alpha val="100000"/>
                             </a:srgbClr>
                           </a:solidFill>
-                          <a:latin typeface="Helvetica"/>
-                          <a:ea typeface="Helvetica"/>
-                          <a:cs typeface="Helvetica"/>
+                          <a:latin typeface="Times New Roman"/>
+                          <a:ea typeface="Times New Roman"/>
+                          <a:cs typeface="Times New Roman"/>
                         </a:rPr>
                         <a:t/>
                       </a:r>
@@ -3983,9 +3983,9 @@
                               <a:alpha val="100000"/>
                             </a:srgbClr>
                           </a:solidFill>
-                          <a:latin typeface="Helvetica"/>
-                          <a:ea typeface="Helvetica"/>
-                          <a:cs typeface="Helvetica"/>
+                          <a:latin typeface="Times New Roman"/>
+                          <a:ea typeface="Times New Roman"/>
+                          <a:cs typeface="Times New Roman"/>
                         </a:rPr>
                         <a:t>4.7</a:t>
                       </a:r>
@@ -4048,9 +4048,9 @@
                               <a:alpha val="100000"/>
                             </a:srgbClr>
                           </a:solidFill>
-                          <a:latin typeface="Helvetica"/>
-                          <a:ea typeface="Helvetica"/>
-                          <a:cs typeface="Helvetica"/>
+                          <a:latin typeface="Times New Roman"/>
+                          <a:ea typeface="Times New Roman"/>
+                          <a:cs typeface="Times New Roman"/>
                         </a:rPr>
                         <a:t/>
                       </a:r>
@@ -4061,9 +4061,9 @@
                               <a:alpha val="100000"/>
                             </a:srgbClr>
                           </a:solidFill>
-                          <a:latin typeface="Helvetica"/>
-                          <a:ea typeface="Helvetica"/>
-                          <a:cs typeface="Helvetica"/>
+                          <a:latin typeface="Times New Roman"/>
+                          <a:ea typeface="Times New Roman"/>
+                          <a:cs typeface="Times New Roman"/>
                         </a:rPr>
                         <a:t>3.2</a:t>
                       </a:r>
@@ -4126,9 +4126,9 @@
                               <a:alpha val="100000"/>
                             </a:srgbClr>
                           </a:solidFill>
-                          <a:latin typeface="Helvetica"/>
-                          <a:ea typeface="Helvetica"/>
-                          <a:cs typeface="Helvetica"/>
+                          <a:latin typeface="Times New Roman"/>
+                          <a:ea typeface="Times New Roman"/>
+                          <a:cs typeface="Times New Roman"/>
                         </a:rPr>
                         <a:t/>
                       </a:r>
@@ -4139,9 +4139,9 @@
                               <a:alpha val="100000"/>
                             </a:srgbClr>
                           </a:solidFill>
-                          <a:latin typeface="Helvetica"/>
-                          <a:ea typeface="Helvetica"/>
-                          <a:cs typeface="Helvetica"/>
+                          <a:latin typeface="Times New Roman"/>
+                          <a:ea typeface="Times New Roman"/>
+                          <a:cs typeface="Times New Roman"/>
                         </a:rPr>
                         <a:t>1.3</a:t>
                       </a:r>
@@ -4204,9 +4204,9 @@
                               <a:alpha val="100000"/>
                             </a:srgbClr>
                           </a:solidFill>
-                          <a:latin typeface="Helvetica"/>
-                          <a:ea typeface="Helvetica"/>
-                          <a:cs typeface="Helvetica"/>
+                          <a:latin typeface="Times New Roman"/>
+                          <a:ea typeface="Times New Roman"/>
+                          <a:cs typeface="Times New Roman"/>
                         </a:rPr>
                         <a:t/>
                       </a:r>
@@ -4217,9 +4217,9 @@
                               <a:alpha val="100000"/>
                             </a:srgbClr>
                           </a:solidFill>
-                          <a:latin typeface="Helvetica"/>
-                          <a:ea typeface="Helvetica"/>
-                          <a:cs typeface="Helvetica"/>
+                          <a:latin typeface="Times New Roman"/>
+                          <a:ea typeface="Times New Roman"/>
+                          <a:cs typeface="Times New Roman"/>
                         </a:rPr>
                         <a:t>0.2</a:t>
                       </a:r>
@@ -4282,9 +4282,9 @@
                               <a:alpha val="100000"/>
                             </a:srgbClr>
                           </a:solidFill>
-                          <a:latin typeface="Helvetica"/>
-                          <a:ea typeface="Helvetica"/>
-                          <a:cs typeface="Helvetica"/>
+                          <a:latin typeface="Times New Roman"/>
+                          <a:ea typeface="Times New Roman"/>
+                          <a:cs typeface="Times New Roman"/>
                         </a:rPr>
                         <a:t/>
                       </a:r>
@@ -4295,9 +4295,9 @@
                               <a:alpha val="100000"/>
                             </a:srgbClr>
                           </a:solidFill>
-                          <a:latin typeface="Helvetica"/>
-                          <a:ea typeface="Helvetica"/>
-                          <a:cs typeface="Helvetica"/>
+                          <a:latin typeface="Times New Roman"/>
+                          <a:ea typeface="Times New Roman"/>
+                          <a:cs typeface="Times New Roman"/>
                         </a:rPr>
                         <a:t>setosa</a:t>
                       </a:r>
@@ -4362,9 +4362,9 @@
                               <a:alpha val="100000"/>
                             </a:srgbClr>
                           </a:solidFill>
-                          <a:latin typeface="Helvetica"/>
-                          <a:ea typeface="Helvetica"/>
-                          <a:cs typeface="Helvetica"/>
+                          <a:latin typeface="Times New Roman"/>
+                          <a:ea typeface="Times New Roman"/>
+                          <a:cs typeface="Times New Roman"/>
                         </a:rPr>
                         <a:t/>
                       </a:r>
@@ -4375,9 +4375,9 @@
                               <a:alpha val="100000"/>
                             </a:srgbClr>
                           </a:solidFill>
-                          <a:latin typeface="Helvetica"/>
-                          <a:ea typeface="Helvetica"/>
-                          <a:cs typeface="Helvetica"/>
+                          <a:latin typeface="Times New Roman"/>
+                          <a:ea typeface="Times New Roman"/>
+                          <a:cs typeface="Times New Roman"/>
                         </a:rPr>
                         <a:t>4.6</a:t>
                       </a:r>
@@ -4440,9 +4440,9 @@
                               <a:alpha val="100000"/>
                             </a:srgbClr>
                           </a:solidFill>
-                          <a:latin typeface="Helvetica"/>
-                          <a:ea typeface="Helvetica"/>
-                          <a:cs typeface="Helvetica"/>
+                          <a:latin typeface="Times New Roman"/>
+                          <a:ea typeface="Times New Roman"/>
+                          <a:cs typeface="Times New Roman"/>
                         </a:rPr>
                         <a:t/>
                       </a:r>
@@ -4453,9 +4453,9 @@
                               <a:alpha val="100000"/>
                             </a:srgbClr>
                           </a:solidFill>
-                          <a:latin typeface="Helvetica"/>
-                          <a:ea typeface="Helvetica"/>
-                          <a:cs typeface="Helvetica"/>
+                          <a:latin typeface="Times New Roman"/>
+                          <a:ea typeface="Times New Roman"/>
+                          <a:cs typeface="Times New Roman"/>
                         </a:rPr>
                         <a:t>3.1</a:t>
                       </a:r>
@@ -4518,9 +4518,9 @@
                               <a:alpha val="100000"/>
                             </a:srgbClr>
                           </a:solidFill>
-                          <a:latin typeface="Helvetica"/>
-                          <a:ea typeface="Helvetica"/>
-                          <a:cs typeface="Helvetica"/>
+                          <a:latin typeface="Times New Roman"/>
+                          <a:ea typeface="Times New Roman"/>
+                          <a:cs typeface="Times New Roman"/>
                         </a:rPr>
                         <a:t/>
                       </a:r>
@@ -4531,9 +4531,9 @@
                               <a:alpha val="100000"/>
                             </a:srgbClr>
                           </a:solidFill>
-                          <a:latin typeface="Helvetica"/>
-                          <a:ea typeface="Helvetica"/>
-                          <a:cs typeface="Helvetica"/>
+                          <a:latin typeface="Times New Roman"/>
+                          <a:ea typeface="Times New Roman"/>
+                          <a:cs typeface="Times New Roman"/>
                         </a:rPr>
                         <a:t>1.5</a:t>
                       </a:r>
@@ -4596,9 +4596,9 @@
                               <a:alpha val="100000"/>
                             </a:srgbClr>
                           </a:solidFill>
-                          <a:latin typeface="Helvetica"/>
-                          <a:ea typeface="Helvetica"/>
-                          <a:cs typeface="Helvetica"/>
+                          <a:latin typeface="Times New Roman"/>
+                          <a:ea typeface="Times New Roman"/>
+                          <a:cs typeface="Times New Roman"/>
                         </a:rPr>
                         <a:t/>
                       </a:r>
@@ -4609,9 +4609,9 @@
                               <a:alpha val="100000"/>
                             </a:srgbClr>
                           </a:solidFill>
-                          <a:latin typeface="Helvetica"/>
-                          <a:ea typeface="Helvetica"/>
-                          <a:cs typeface="Helvetica"/>
+                          <a:latin typeface="Times New Roman"/>
+                          <a:ea typeface="Times New Roman"/>
+                          <a:cs typeface="Times New Roman"/>
                         </a:rPr>
                         <a:t>0.2</a:t>
                       </a:r>
@@ -4674,9 +4674,9 @@
                               <a:alpha val="100000"/>
                             </a:srgbClr>
                           </a:solidFill>
-                          <a:latin typeface="Helvetica"/>
-                          <a:ea typeface="Helvetica"/>
-                          <a:cs typeface="Helvetica"/>
+                          <a:latin typeface="Times New Roman"/>
+                          <a:ea typeface="Times New Roman"/>
+                          <a:cs typeface="Times New Roman"/>
                         </a:rPr>
                         <a:t/>
                       </a:r>
@@ -4687,9 +4687,9 @@
                               <a:alpha val="100000"/>
                             </a:srgbClr>
                           </a:solidFill>
-                          <a:latin typeface="Helvetica"/>
-                          <a:ea typeface="Helvetica"/>
-                          <a:cs typeface="Helvetica"/>
+                          <a:latin typeface="Times New Roman"/>
+                          <a:ea typeface="Times New Roman"/>
+                          <a:cs typeface="Times New Roman"/>
                         </a:rPr>
                         <a:t>setosa</a:t>
                       </a:r>
@@ -4754,9 +4754,9 @@
                               <a:alpha val="100000"/>
                             </a:srgbClr>
                           </a:solidFill>
-                          <a:latin typeface="Helvetica"/>
-                          <a:ea typeface="Helvetica"/>
-                          <a:cs typeface="Helvetica"/>
+                          <a:latin typeface="Times New Roman"/>
+                          <a:ea typeface="Times New Roman"/>
+                          <a:cs typeface="Times New Roman"/>
                         </a:rPr>
                         <a:t/>
                       </a:r>
@@ -4767,9 +4767,9 @@
                               <a:alpha val="100000"/>
                             </a:srgbClr>
                           </a:solidFill>
-                          <a:latin typeface="Helvetica"/>
-                          <a:ea typeface="Helvetica"/>
-                          <a:cs typeface="Helvetica"/>
+                          <a:latin typeface="Times New Roman"/>
+                          <a:ea typeface="Times New Roman"/>
+                          <a:cs typeface="Times New Roman"/>
                         </a:rPr>
                         <a:t>5.0</a:t>
                       </a:r>
@@ -4832,9 +4832,9 @@
                               <a:alpha val="100000"/>
                             </a:srgbClr>
                           </a:solidFill>
-                          <a:latin typeface="Helvetica"/>
-                          <a:ea typeface="Helvetica"/>
-                          <a:cs typeface="Helvetica"/>
+                          <a:latin typeface="Times New Roman"/>
+                          <a:ea typeface="Times New Roman"/>
+                          <a:cs typeface="Times New Roman"/>
                         </a:rPr>
                         <a:t/>
                       </a:r>
@@ -4845,9 +4845,9 @@
                               <a:alpha val="100000"/>
                             </a:srgbClr>
                           </a:solidFill>
-                          <a:latin typeface="Helvetica"/>
-                          <a:ea typeface="Helvetica"/>
-                          <a:cs typeface="Helvetica"/>
+                          <a:latin typeface="Times New Roman"/>
+                          <a:ea typeface="Times New Roman"/>
+                          <a:cs typeface="Times New Roman"/>
                         </a:rPr>
                         <a:t>3.6</a:t>
                       </a:r>
@@ -4910,9 +4910,9 @@
                               <a:alpha val="100000"/>
                             </a:srgbClr>
                           </a:solidFill>
-                          <a:latin typeface="Helvetica"/>
-                          <a:ea typeface="Helvetica"/>
-                          <a:cs typeface="Helvetica"/>
+                          <a:latin typeface="Times New Roman"/>
+                          <a:ea typeface="Times New Roman"/>
+                          <a:cs typeface="Times New Roman"/>
                         </a:rPr>
                         <a:t/>
                       </a:r>
@@ -4923,9 +4923,9 @@
                               <a:alpha val="100000"/>
                             </a:srgbClr>
                           </a:solidFill>
-                          <a:latin typeface="Helvetica"/>
-                          <a:ea typeface="Helvetica"/>
-                          <a:cs typeface="Helvetica"/>
+                          <a:latin typeface="Times New Roman"/>
+                          <a:ea typeface="Times New Roman"/>
+                          <a:cs typeface="Times New Roman"/>
                         </a:rPr>
                         <a:t>1.4</a:t>
                       </a:r>
@@ -4988,9 +4988,9 @@
                               <a:alpha val="100000"/>
                             </a:srgbClr>
                           </a:solidFill>
-                          <a:latin typeface="Helvetica"/>
-                          <a:ea typeface="Helvetica"/>
-                          <a:cs typeface="Helvetica"/>
+                          <a:latin typeface="Times New Roman"/>
+                          <a:ea typeface="Times New Roman"/>
+                          <a:cs typeface="Times New Roman"/>
                         </a:rPr>
                         <a:t/>
                       </a:r>
@@ -5001,9 +5001,9 @@
                               <a:alpha val="100000"/>
                             </a:srgbClr>
                           </a:solidFill>
-                          <a:latin typeface="Helvetica"/>
-                          <a:ea typeface="Helvetica"/>
-                          <a:cs typeface="Helvetica"/>
+                          <a:latin typeface="Times New Roman"/>
+                          <a:ea typeface="Times New Roman"/>
+                          <a:cs typeface="Times New Roman"/>
                         </a:rPr>
                         <a:t>0.2</a:t>
                       </a:r>
@@ -5066,9 +5066,9 @@
                               <a:alpha val="100000"/>
                             </a:srgbClr>
                           </a:solidFill>
-                          <a:latin typeface="Helvetica"/>
-                          <a:ea typeface="Helvetica"/>
-                          <a:cs typeface="Helvetica"/>
+                          <a:latin typeface="Times New Roman"/>
+                          <a:ea typeface="Times New Roman"/>
+                          <a:cs typeface="Times New Roman"/>
                         </a:rPr>
                         <a:t/>
                       </a:r>
@@ -5079,9 +5079,9 @@
                               <a:alpha val="100000"/>
                             </a:srgbClr>
                           </a:solidFill>
-                          <a:latin typeface="Helvetica"/>
-                          <a:ea typeface="Helvetica"/>
-                          <a:cs typeface="Helvetica"/>
+                          <a:latin typeface="Times New Roman"/>
+                          <a:ea typeface="Times New Roman"/>
+                          <a:cs typeface="Times New Roman"/>
                         </a:rPr>
                         <a:t>setosa</a:t>
                       </a:r>
@@ -5146,9 +5146,9 @@
                               <a:alpha val="100000"/>
                             </a:srgbClr>
                           </a:solidFill>
-                          <a:latin typeface="Helvetica"/>
-                          <a:ea typeface="Helvetica"/>
-                          <a:cs typeface="Helvetica"/>
+                          <a:latin typeface="Times New Roman"/>
+                          <a:ea typeface="Times New Roman"/>
+                          <a:cs typeface="Times New Roman"/>
                         </a:rPr>
                         <a:t/>
                       </a:r>
@@ -5159,9 +5159,9 @@
                               <a:alpha val="100000"/>
                             </a:srgbClr>
                           </a:solidFill>
-                          <a:latin typeface="Helvetica"/>
-                          <a:ea typeface="Helvetica"/>
-                          <a:cs typeface="Helvetica"/>
+                          <a:latin typeface="Times New Roman"/>
+                          <a:ea typeface="Times New Roman"/>
+                          <a:cs typeface="Times New Roman"/>
                         </a:rPr>
                         <a:t>5.4</a:t>
                       </a:r>
@@ -5224,9 +5224,9 @@
                               <a:alpha val="100000"/>
                             </a:srgbClr>
                           </a:solidFill>
-                          <a:latin typeface="Helvetica"/>
-                          <a:ea typeface="Helvetica"/>
-                          <a:cs typeface="Helvetica"/>
+                          <a:latin typeface="Times New Roman"/>
+                          <a:ea typeface="Times New Roman"/>
+                          <a:cs typeface="Times New Roman"/>
                         </a:rPr>
                         <a:t/>
                       </a:r>
@@ -5237,9 +5237,9 @@
                               <a:alpha val="100000"/>
                             </a:srgbClr>
                           </a:solidFill>
-                          <a:latin typeface="Helvetica"/>
-                          <a:ea typeface="Helvetica"/>
-                          <a:cs typeface="Helvetica"/>
+                          <a:latin typeface="Times New Roman"/>
+                          <a:ea typeface="Times New Roman"/>
+                          <a:cs typeface="Times New Roman"/>
                         </a:rPr>
                         <a:t>3.9</a:t>
                       </a:r>
@@ -5302,9 +5302,9 @@
                               <a:alpha val="100000"/>
                             </a:srgbClr>
                           </a:solidFill>
-                          <a:latin typeface="Helvetica"/>
-                          <a:ea typeface="Helvetica"/>
-                          <a:cs typeface="Helvetica"/>
+                          <a:latin typeface="Times New Roman"/>
+                          <a:ea typeface="Times New Roman"/>
+                          <a:cs typeface="Times New Roman"/>
                         </a:rPr>
                         <a:t/>
                       </a:r>
@@ -5315,9 +5315,9 @@
                               <a:alpha val="100000"/>
                             </a:srgbClr>
                           </a:solidFill>
-                          <a:latin typeface="Helvetica"/>
-                          <a:ea typeface="Helvetica"/>
-                          <a:cs typeface="Helvetica"/>
+                          <a:latin typeface="Times New Roman"/>
+                          <a:ea typeface="Times New Roman"/>
+                          <a:cs typeface="Times New Roman"/>
                         </a:rPr>
                         <a:t>1.7</a:t>
                       </a:r>
@@ -5380,9 +5380,9 @@
                               <a:alpha val="100000"/>
                             </a:srgbClr>
                           </a:solidFill>
-                          <a:latin typeface="Helvetica"/>
-                          <a:ea typeface="Helvetica"/>
-                          <a:cs typeface="Helvetica"/>
+                          <a:latin typeface="Times New Roman"/>
+                          <a:ea typeface="Times New Roman"/>
+                          <a:cs typeface="Times New Roman"/>
                         </a:rPr>
                         <a:t/>
                       </a:r>
@@ -5393,9 +5393,9 @@
                               <a:alpha val="100000"/>
                             </a:srgbClr>
                           </a:solidFill>
-                          <a:latin typeface="Helvetica"/>
-                          <a:ea typeface="Helvetica"/>
-                          <a:cs typeface="Helvetica"/>
+                          <a:latin typeface="Times New Roman"/>
+                          <a:ea typeface="Times New Roman"/>
+                          <a:cs typeface="Times New Roman"/>
                         </a:rPr>
                         <a:t>0.4</a:t>
                       </a:r>
@@ -5458,9 +5458,9 @@
                               <a:alpha val="100000"/>
                             </a:srgbClr>
                           </a:solidFill>
-                          <a:latin typeface="Helvetica"/>
-                          <a:ea typeface="Helvetica"/>
-                          <a:cs typeface="Helvetica"/>
+                          <a:latin typeface="Times New Roman"/>
+                          <a:ea typeface="Times New Roman"/>
+                          <a:cs typeface="Times New Roman"/>
                         </a:rPr>
                         <a:t/>
                       </a:r>
@@ -5471,9 +5471,9 @@
                               <a:alpha val="100000"/>
                             </a:srgbClr>
                           </a:solidFill>
-                          <a:latin typeface="Helvetica"/>
-                          <a:ea typeface="Helvetica"/>
-                          <a:cs typeface="Helvetica"/>
+                          <a:latin typeface="Times New Roman"/>
+                          <a:ea typeface="Times New Roman"/>
+                          <a:cs typeface="Times New Roman"/>
                         </a:rPr>
                         <a:t>setosa</a:t>
                       </a:r>
@@ -5538,9 +5538,9 @@
                               <a:alpha val="100000"/>
                             </a:srgbClr>
                           </a:solidFill>
-                          <a:latin typeface="Helvetica"/>
-                          <a:ea typeface="Helvetica"/>
-                          <a:cs typeface="Helvetica"/>
+                          <a:latin typeface="Times New Roman"/>
+                          <a:ea typeface="Times New Roman"/>
+                          <a:cs typeface="Times New Roman"/>
                         </a:rPr>
                         <a:t/>
                       </a:r>
@@ -5551,9 +5551,9 @@
                               <a:alpha val="100000"/>
                             </a:srgbClr>
                           </a:solidFill>
-                          <a:latin typeface="Helvetica"/>
-                          <a:ea typeface="Helvetica"/>
-                          <a:cs typeface="Helvetica"/>
+                          <a:latin typeface="Times New Roman"/>
+                          <a:ea typeface="Times New Roman"/>
+                          <a:cs typeface="Times New Roman"/>
                         </a:rPr>
                         <a:t>4.6</a:t>
                       </a:r>
@@ -5616,9 +5616,9 @@
                               <a:alpha val="100000"/>
                             </a:srgbClr>
                           </a:solidFill>
-                          <a:latin typeface="Helvetica"/>
-                          <a:ea typeface="Helvetica"/>
-                          <a:cs typeface="Helvetica"/>
+                          <a:latin typeface="Times New Roman"/>
+                          <a:ea typeface="Times New Roman"/>
+                          <a:cs typeface="Times New Roman"/>
                         </a:rPr>
                         <a:t/>
                       </a:r>
@@ -5629,9 +5629,9 @@
                               <a:alpha val="100000"/>
                             </a:srgbClr>
                           </a:solidFill>
-                          <a:latin typeface="Helvetica"/>
-                          <a:ea typeface="Helvetica"/>
-                          <a:cs typeface="Helvetica"/>
+                          <a:latin typeface="Times New Roman"/>
+                          <a:ea typeface="Times New Roman"/>
+                          <a:cs typeface="Times New Roman"/>
                         </a:rPr>
                         <a:t>3.4</a:t>
                       </a:r>
@@ -5694,9 +5694,9 @@
                               <a:alpha val="100000"/>
                             </a:srgbClr>
                           </a:solidFill>
-                          <a:latin typeface="Helvetica"/>
-                          <a:ea typeface="Helvetica"/>
-                          <a:cs typeface="Helvetica"/>
+                          <a:latin typeface="Times New Roman"/>
+                          <a:ea typeface="Times New Roman"/>
+                          <a:cs typeface="Times New Roman"/>
                         </a:rPr>
                         <a:t/>
                       </a:r>
@@ -5707,9 +5707,9 @@
                               <a:alpha val="100000"/>
                             </a:srgbClr>
                           </a:solidFill>
-                          <a:latin typeface="Helvetica"/>
-                          <a:ea typeface="Helvetica"/>
-                          <a:cs typeface="Helvetica"/>
+                          <a:latin typeface="Times New Roman"/>
+                          <a:ea typeface="Times New Roman"/>
+                          <a:cs typeface="Times New Roman"/>
                         </a:rPr>
                         <a:t>1.4</a:t>
                       </a:r>
@@ -5772,9 +5772,9 @@
                               <a:alpha val="100000"/>
                             </a:srgbClr>
                           </a:solidFill>
-                          <a:latin typeface="Helvetica"/>
-                          <a:ea typeface="Helvetica"/>
-                          <a:cs typeface="Helvetica"/>
+                          <a:latin typeface="Times New Roman"/>
+                          <a:ea typeface="Times New Roman"/>
+                          <a:cs typeface="Times New Roman"/>
                         </a:rPr>
                         <a:t/>
                       </a:r>
@@ -5785,9 +5785,9 @@
                               <a:alpha val="100000"/>
                             </a:srgbClr>
                           </a:solidFill>
-                          <a:latin typeface="Helvetica"/>
-                          <a:ea typeface="Helvetica"/>
-                          <a:cs typeface="Helvetica"/>
+                          <a:latin typeface="Times New Roman"/>
+                          <a:ea typeface="Times New Roman"/>
+                          <a:cs typeface="Times New Roman"/>
                         </a:rPr>
                         <a:t>0.3</a:t>
                       </a:r>
@@ -5850,9 +5850,9 @@
                               <a:alpha val="100000"/>
                             </a:srgbClr>
                           </a:solidFill>
-                          <a:latin typeface="Helvetica"/>
-                          <a:ea typeface="Helvetica"/>
-                          <a:cs typeface="Helvetica"/>
+                          <a:latin typeface="Times New Roman"/>
+                          <a:ea typeface="Times New Roman"/>
+                          <a:cs typeface="Times New Roman"/>
                         </a:rPr>
                         <a:t/>
                       </a:r>
@@ -5863,9 +5863,9 @@
                               <a:alpha val="100000"/>
                             </a:srgbClr>
                           </a:solidFill>
-                          <a:latin typeface="Helvetica"/>
-                          <a:ea typeface="Helvetica"/>
-                          <a:cs typeface="Helvetica"/>
+                          <a:latin typeface="Times New Roman"/>
+                          <a:ea typeface="Times New Roman"/>
+                          <a:cs typeface="Times New Roman"/>
                         </a:rPr>
                         <a:t>setosa</a:t>
                       </a:r>
@@ -5930,9 +5930,9 @@
                               <a:alpha val="100000"/>
                             </a:srgbClr>
                           </a:solidFill>
-                          <a:latin typeface="Helvetica"/>
-                          <a:ea typeface="Helvetica"/>
-                          <a:cs typeface="Helvetica"/>
+                          <a:latin typeface="Times New Roman"/>
+                          <a:ea typeface="Times New Roman"/>
+                          <a:cs typeface="Times New Roman"/>
                         </a:rPr>
                         <a:t/>
                       </a:r>
@@ -5943,9 +5943,9 @@
                               <a:alpha val="100000"/>
                             </a:srgbClr>
                           </a:solidFill>
-                          <a:latin typeface="Helvetica"/>
-                          <a:ea typeface="Helvetica"/>
-                          <a:cs typeface="Helvetica"/>
+                          <a:latin typeface="Times New Roman"/>
+                          <a:ea typeface="Times New Roman"/>
+                          <a:cs typeface="Times New Roman"/>
                         </a:rPr>
                         <a:t>5.0</a:t>
                       </a:r>
@@ -6008,9 +6008,9 @@
                               <a:alpha val="100000"/>
                             </a:srgbClr>
                           </a:solidFill>
-                          <a:latin typeface="Helvetica"/>
-                          <a:ea typeface="Helvetica"/>
-                          <a:cs typeface="Helvetica"/>
+                          <a:latin typeface="Times New Roman"/>
+                          <a:ea typeface="Times New Roman"/>
+                          <a:cs typeface="Times New Roman"/>
                         </a:rPr>
                         <a:t/>
                       </a:r>
@@ -6021,9 +6021,9 @@
                               <a:alpha val="100000"/>
                             </a:srgbClr>
                           </a:solidFill>
-                          <a:latin typeface="Helvetica"/>
-                          <a:ea typeface="Helvetica"/>
-                          <a:cs typeface="Helvetica"/>
+                          <a:latin typeface="Times New Roman"/>
+                          <a:ea typeface="Times New Roman"/>
+                          <a:cs typeface="Times New Roman"/>
                         </a:rPr>
                         <a:t>3.4</a:t>
                       </a:r>
@@ -6086,9 +6086,9 @@
                               <a:alpha val="100000"/>
                             </a:srgbClr>
                           </a:solidFill>
-                          <a:latin typeface="Helvetica"/>
-                          <a:ea typeface="Helvetica"/>
-                          <a:cs typeface="Helvetica"/>
+                          <a:latin typeface="Times New Roman"/>
+                          <a:ea typeface="Times New Roman"/>
+                          <a:cs typeface="Times New Roman"/>
                         </a:rPr>
                         <a:t/>
                       </a:r>
@@ -6099,9 +6099,9 @@
                               <a:alpha val="100000"/>
                             </a:srgbClr>
                           </a:solidFill>
-                          <a:latin typeface="Helvetica"/>
-                          <a:ea typeface="Helvetica"/>
-                          <a:cs typeface="Helvetica"/>
+                          <a:latin typeface="Times New Roman"/>
+                          <a:ea typeface="Times New Roman"/>
+                          <a:cs typeface="Times New Roman"/>
                         </a:rPr>
                         <a:t>1.5</a:t>
                       </a:r>
@@ -6164,9 +6164,9 @@
                               <a:alpha val="100000"/>
                             </a:srgbClr>
                           </a:solidFill>
-                          <a:latin typeface="Helvetica"/>
-                          <a:ea typeface="Helvetica"/>
-                          <a:cs typeface="Helvetica"/>
+                          <a:latin typeface="Times New Roman"/>
+                          <a:ea typeface="Times New Roman"/>
+                          <a:cs typeface="Times New Roman"/>
                         </a:rPr>
                         <a:t/>
                       </a:r>
@@ -6177,9 +6177,9 @@
                               <a:alpha val="100000"/>
                             </a:srgbClr>
                           </a:solidFill>
-                          <a:latin typeface="Helvetica"/>
-                          <a:ea typeface="Helvetica"/>
-                          <a:cs typeface="Helvetica"/>
+                          <a:latin typeface="Times New Roman"/>
+                          <a:ea typeface="Times New Roman"/>
+                          <a:cs typeface="Times New Roman"/>
                         </a:rPr>
                         <a:t>0.2</a:t>
                       </a:r>
@@ -6242,9 +6242,9 @@
                               <a:alpha val="100000"/>
                             </a:srgbClr>
                           </a:solidFill>
-                          <a:latin typeface="Helvetica"/>
-                          <a:ea typeface="Helvetica"/>
-                          <a:cs typeface="Helvetica"/>
+                          <a:latin typeface="Times New Roman"/>
+                          <a:ea typeface="Times New Roman"/>
+                          <a:cs typeface="Times New Roman"/>
                         </a:rPr>
                         <a:t/>
                       </a:r>
@@ -6255,9 +6255,9 @@
                               <a:alpha val="100000"/>
                             </a:srgbClr>
                           </a:solidFill>
-                          <a:latin typeface="Helvetica"/>
-                          <a:ea typeface="Helvetica"/>
-                          <a:cs typeface="Helvetica"/>
+                          <a:latin typeface="Times New Roman"/>
+                          <a:ea typeface="Times New Roman"/>
+                          <a:cs typeface="Times New Roman"/>
                         </a:rPr>
                         <a:t>setosa</a:t>
                       </a:r>
@@ -6322,9 +6322,9 @@
                               <a:alpha val="100000"/>
                             </a:srgbClr>
                           </a:solidFill>
-                          <a:latin typeface="Helvetica"/>
-                          <a:ea typeface="Helvetica"/>
-                          <a:cs typeface="Helvetica"/>
+                          <a:latin typeface="Times New Roman"/>
+                          <a:ea typeface="Times New Roman"/>
+                          <a:cs typeface="Times New Roman"/>
                         </a:rPr>
                         <a:t/>
                       </a:r>
@@ -6335,9 +6335,9 @@
                               <a:alpha val="100000"/>
                             </a:srgbClr>
                           </a:solidFill>
-                          <a:latin typeface="Helvetica"/>
-                          <a:ea typeface="Helvetica"/>
-                          <a:cs typeface="Helvetica"/>
+                          <a:latin typeface="Times New Roman"/>
+                          <a:ea typeface="Times New Roman"/>
+                          <a:cs typeface="Times New Roman"/>
                         </a:rPr>
                         <a:t>4.4</a:t>
                       </a:r>
@@ -6400,9 +6400,9 @@
                               <a:alpha val="100000"/>
                             </a:srgbClr>
                           </a:solidFill>
-                          <a:latin typeface="Helvetica"/>
-                          <a:ea typeface="Helvetica"/>
-                          <a:cs typeface="Helvetica"/>
+                          <a:latin typeface="Times New Roman"/>
+                          <a:ea typeface="Times New Roman"/>
+                          <a:cs typeface="Times New Roman"/>
                         </a:rPr>
                         <a:t/>
                       </a:r>
@@ -6413,9 +6413,9 @@
                               <a:alpha val="100000"/>
                             </a:srgbClr>
                           </a:solidFill>
-                          <a:latin typeface="Helvetica"/>
-                          <a:ea typeface="Helvetica"/>
-                          <a:cs typeface="Helvetica"/>
+                          <a:latin typeface="Times New Roman"/>
+                          <a:ea typeface="Times New Roman"/>
+                          <a:cs typeface="Times New Roman"/>
                         </a:rPr>
                         <a:t>2.9</a:t>
                       </a:r>
@@ -6478,9 +6478,9 @@
                               <a:alpha val="100000"/>
                             </a:srgbClr>
                           </a:solidFill>
-                          <a:latin typeface="Helvetica"/>
-                          <a:ea typeface="Helvetica"/>
-                          <a:cs typeface="Helvetica"/>
+                          <a:latin typeface="Times New Roman"/>
+                          <a:ea typeface="Times New Roman"/>
+                          <a:cs typeface="Times New Roman"/>
                         </a:rPr>
                         <a:t/>
                       </a:r>
@@ -6491,9 +6491,9 @@
                               <a:alpha val="100000"/>
                             </a:srgbClr>
                           </a:solidFill>
-                          <a:latin typeface="Helvetica"/>
-                          <a:ea typeface="Helvetica"/>
-                          <a:cs typeface="Helvetica"/>
+                          <a:latin typeface="Times New Roman"/>
+                          <a:ea typeface="Times New Roman"/>
+                          <a:cs typeface="Times New Roman"/>
                         </a:rPr>
                         <a:t>1.4</a:t>
                       </a:r>
@@ -6556,9 +6556,9 @@
                               <a:alpha val="100000"/>
                             </a:srgbClr>
                           </a:solidFill>
-                          <a:latin typeface="Helvetica"/>
-                          <a:ea typeface="Helvetica"/>
-                          <a:cs typeface="Helvetica"/>
+                          <a:latin typeface="Times New Roman"/>
+                          <a:ea typeface="Times New Roman"/>
+                          <a:cs typeface="Times New Roman"/>
                         </a:rPr>
                         <a:t/>
                       </a:r>
@@ -6569,9 +6569,9 @@
                               <a:alpha val="100000"/>
                             </a:srgbClr>
                           </a:solidFill>
-                          <a:latin typeface="Helvetica"/>
-                          <a:ea typeface="Helvetica"/>
-                          <a:cs typeface="Helvetica"/>
+                          <a:latin typeface="Times New Roman"/>
+                          <a:ea typeface="Times New Roman"/>
+                          <a:cs typeface="Times New Roman"/>
                         </a:rPr>
                         <a:t>0.2</a:t>
                       </a:r>
@@ -6634,9 +6634,9 @@
                               <a:alpha val="100000"/>
                             </a:srgbClr>
                           </a:solidFill>
-                          <a:latin typeface="Helvetica"/>
-                          <a:ea typeface="Helvetica"/>
-                          <a:cs typeface="Helvetica"/>
+                          <a:latin typeface="Times New Roman"/>
+                          <a:ea typeface="Times New Roman"/>
+                          <a:cs typeface="Times New Roman"/>
                         </a:rPr>
                         <a:t/>
                       </a:r>
@@ -6647,9 +6647,9 @@
                               <a:alpha val="100000"/>
                             </a:srgbClr>
                           </a:solidFill>
-                          <a:latin typeface="Helvetica"/>
-                          <a:ea typeface="Helvetica"/>
-                          <a:cs typeface="Helvetica"/>
+                          <a:latin typeface="Times New Roman"/>
+                          <a:ea typeface="Times New Roman"/>
+                          <a:cs typeface="Times New Roman"/>
                         </a:rPr>
                         <a:t>setosa</a:t>
                       </a:r>
@@ -6714,9 +6714,9 @@
                               <a:alpha val="100000"/>
                             </a:srgbClr>
                           </a:solidFill>
-                          <a:latin typeface="Helvetica"/>
-                          <a:ea typeface="Helvetica"/>
-                          <a:cs typeface="Helvetica"/>
+                          <a:latin typeface="Times New Roman"/>
+                          <a:ea typeface="Times New Roman"/>
+                          <a:cs typeface="Times New Roman"/>
                         </a:rPr>
                         <a:t/>
                       </a:r>
@@ -6727,9 +6727,9 @@
                               <a:alpha val="100000"/>
                             </a:srgbClr>
                           </a:solidFill>
-                          <a:latin typeface="Helvetica"/>
-                          <a:ea typeface="Helvetica"/>
-                          <a:cs typeface="Helvetica"/>
+                          <a:latin typeface="Times New Roman"/>
+                          <a:ea typeface="Times New Roman"/>
+                          <a:cs typeface="Times New Roman"/>
                         </a:rPr>
                         <a:t>4.9</a:t>
                       </a:r>
@@ -6793,9 +6793,9 @@
                               <a:alpha val="100000"/>
                             </a:srgbClr>
                           </a:solidFill>
-                          <a:latin typeface="Helvetica"/>
-                          <a:ea typeface="Helvetica"/>
-                          <a:cs typeface="Helvetica"/>
+                          <a:latin typeface="Times New Roman"/>
+                          <a:ea typeface="Times New Roman"/>
+                          <a:cs typeface="Times New Roman"/>
                         </a:rPr>
                         <a:t/>
                       </a:r>
@@ -6806,9 +6806,9 @@
                               <a:alpha val="100000"/>
                             </a:srgbClr>
                           </a:solidFill>
-                          <a:latin typeface="Helvetica"/>
-                          <a:ea typeface="Helvetica"/>
-                          <a:cs typeface="Helvetica"/>
+                          <a:latin typeface="Times New Roman"/>
+                          <a:ea typeface="Times New Roman"/>
+                          <a:cs typeface="Times New Roman"/>
                         </a:rPr>
                         <a:t>3.1</a:t>
                       </a:r>
@@ -6872,9 +6872,9 @@
                               <a:alpha val="100000"/>
                             </a:srgbClr>
                           </a:solidFill>
-                          <a:latin typeface="Helvetica"/>
-                          <a:ea typeface="Helvetica"/>
-                          <a:cs typeface="Helvetica"/>
+                          <a:latin typeface="Times New Roman"/>
+                          <a:ea typeface="Times New Roman"/>
+                          <a:cs typeface="Times New Roman"/>
                         </a:rPr>
                         <a:t/>
                       </a:r>
@@ -6885,9 +6885,9 @@
                               <a:alpha val="100000"/>
                             </a:srgbClr>
                           </a:solidFill>
-                          <a:latin typeface="Helvetica"/>
-                          <a:ea typeface="Helvetica"/>
-                          <a:cs typeface="Helvetica"/>
+                          <a:latin typeface="Times New Roman"/>
+                          <a:ea typeface="Times New Roman"/>
+                          <a:cs typeface="Times New Roman"/>
                         </a:rPr>
                         <a:t>1.5</a:t>
                       </a:r>
@@ -6951,9 +6951,9 @@
                               <a:alpha val="100000"/>
                             </a:srgbClr>
                           </a:solidFill>
-                          <a:latin typeface="Helvetica"/>
-                          <a:ea typeface="Helvetica"/>
-                          <a:cs typeface="Helvetica"/>
+                          <a:latin typeface="Times New Roman"/>
+                          <a:ea typeface="Times New Roman"/>
+                          <a:cs typeface="Times New Roman"/>
                         </a:rPr>
                         <a:t/>
                       </a:r>
@@ -6964,9 +6964,9 @@
                               <a:alpha val="100000"/>
                             </a:srgbClr>
                           </a:solidFill>
-                          <a:latin typeface="Helvetica"/>
-                          <a:ea typeface="Helvetica"/>
-                          <a:cs typeface="Helvetica"/>
+                          <a:latin typeface="Times New Roman"/>
+                          <a:ea typeface="Times New Roman"/>
+                          <a:cs typeface="Times New Roman"/>
                         </a:rPr>
                         <a:t>0.1</a:t>
                       </a:r>
@@ -7030,9 +7030,9 @@
                               <a:alpha val="100000"/>
                             </a:srgbClr>
                           </a:solidFill>
-                          <a:latin typeface="Helvetica"/>
-                          <a:ea typeface="Helvetica"/>
-                          <a:cs typeface="Helvetica"/>
+                          <a:latin typeface="Times New Roman"/>
+                          <a:ea typeface="Times New Roman"/>
+                          <a:cs typeface="Times New Roman"/>
                         </a:rPr>
                         <a:t/>
                       </a:r>
@@ -7043,9 +7043,9 @@
                               <a:alpha val="100000"/>
                             </a:srgbClr>
                           </a:solidFill>
-                          <a:latin typeface="Helvetica"/>
-                          <a:ea typeface="Helvetica"/>
-                          <a:cs typeface="Helvetica"/>
+                          <a:latin typeface="Times New Roman"/>
+                          <a:ea typeface="Times New Roman"/>
+                          <a:cs typeface="Times New Roman"/>
                         </a:rPr>
                         <a:t>setosa</a:t>
                       </a:r>
@@ -7130,7 +7130,7 @@
 </file>
 
 <file path=ppt/slides/slide2.xml><?xml version="1.0" encoding="utf-8"?>
-<p:sld xmlns:a="http://schemas.openxmlformats.org/drawingml/2006/main" xmlns:r="http://schemas.openxmlformats.org/officeDocument/2006/relationships" xmlns:p="http://schemas.openxmlformats.org/presentationml/2006/main" xmlns:mc="http://schemas.openxmlformats.org/markup-compatibility/2006" xmlns:c="http://schemas.openxmlformats.org/drawingml/2006/chart" xmlns:ns6="http://schemas.openxmlformats.org/drawingml/2006/chartDrawing" xmlns:dgm="http://schemas.openxmlformats.org/drawingml/2006/diagram" xmlns:pic="http://schemas.openxmlformats.org/drawingml/2006/picture" xmlns:wp="http://schemas.openxmlformats.org/drawingml/2006/wordprocessingDrawing" xmlns:xdr="http://schemas.openxmlformats.org/drawingml/2006/spreadsheetDrawing" xmlns:ns11="http://schemas.openxmlformats.org/drawingml/2006/compatibility" xmlns:ns12="http://schemas.openxmlformats.org/drawingml/2006/lockedCanvas">
+<p:sld xmlns:p="http://schemas.openxmlformats.org/presentationml/2006/main" xmlns:a="http://schemas.openxmlformats.org/drawingml/2006/main" xmlns:r="http://schemas.openxmlformats.org/officeDocument/2006/relationships" xmlns:mc="http://schemas.openxmlformats.org/markup-compatibility/2006" xmlns:c="http://schemas.openxmlformats.org/drawingml/2006/chart" xmlns:ns6="http://schemas.openxmlformats.org/drawingml/2006/chartDrawing" xmlns:dgm="http://schemas.openxmlformats.org/drawingml/2006/diagram" xmlns:pic="http://schemas.openxmlformats.org/drawingml/2006/picture" xmlns:wp="http://schemas.openxmlformats.org/drawingml/2006/wordprocessingDrawing" xmlns:xdr="http://schemas.openxmlformats.org/drawingml/2006/spreadsheetDrawing" xmlns:ns11="http://schemas.openxmlformats.org/drawingml/2006/compatibility" xmlns:ns12="http://schemas.openxmlformats.org/drawingml/2006/lockedCanvas">
   <p:cSld>
     <p:spTree>
       <p:nvGrpSpPr>

--- a/docs/articles/base_example.pptx
+++ b/docs/articles/base_example.pptx
@@ -1,12 +1,12 @@
 
 <file path=ppt/presentation.xml><?xml version="1.0" encoding="utf-8"?>
-<p:presentation xmlns:p="http://schemas.openxmlformats.org/presentationml/2006/main" xmlns:a="http://schemas.openxmlformats.org/drawingml/2006/main" xmlns:r="http://schemas.openxmlformats.org/officeDocument/2006/relationships" xmlns:mc="http://schemas.openxmlformats.org/markup-compatibility/2006" xmlns:c="http://schemas.openxmlformats.org/drawingml/2006/chart" xmlns:ns6="http://schemas.openxmlformats.org/drawingml/2006/chartDrawing" xmlns:dgm="http://schemas.openxmlformats.org/drawingml/2006/diagram" xmlns:pic="http://schemas.openxmlformats.org/drawingml/2006/picture" xmlns:wp="http://schemas.openxmlformats.org/drawingml/2006/wordprocessingDrawing" xmlns:xdr="http://schemas.openxmlformats.org/drawingml/2006/spreadsheetDrawing" xmlns:ns11="http://schemas.openxmlformats.org/drawingml/2006/compatibility" xmlns:ns12="http://schemas.openxmlformats.org/drawingml/2006/lockedCanvas" saveSubsetFonts="true">
+<p:presentation xmlns:a="http://schemas.openxmlformats.org/drawingml/2006/main" xmlns:r="http://schemas.openxmlformats.org/officeDocument/2006/relationships" xmlns:p="http://schemas.openxmlformats.org/presentationml/2006/main" xmlns:mc="http://schemas.openxmlformats.org/markup-compatibility/2006" xmlns:c="http://schemas.openxmlformats.org/drawingml/2006/chart" xmlns:ns6="http://schemas.openxmlformats.org/drawingml/2006/chartDrawing" xmlns:dgm="http://schemas.openxmlformats.org/drawingml/2006/diagram" xmlns:pic="http://schemas.openxmlformats.org/drawingml/2006/picture" xmlns:wp="http://schemas.openxmlformats.org/drawingml/2006/wordprocessingDrawing" xmlns:xdr="http://schemas.openxmlformats.org/drawingml/2006/spreadsheetDrawing" xmlns:ns11="http://schemas.openxmlformats.org/drawingml/2006/compatibility" xmlns:ns12="http://schemas.openxmlformats.org/drawingml/2006/lockedCanvas" saveSubsetFonts="true">
   <p:sldMasterIdLst>
     <p:sldMasterId id="2147483648" r:id="rId1"/>
   </p:sldMasterIdLst>
   <p:sldIdLst>
-    <p:sldId id="1584745702" r:id="rId6"/>
-    <p:sldId id="441546216" r:id="rId7"/>
+    <p:sldId id="278411930" r:id="rId6"/>
+    <p:sldId id="951308491" r:id="rId7"/>
   </p:sldIdLst>
   <p:sldSz cx="12192000" cy="6858000"/>
   <p:notesSz cx="6858000" cy="9144000"/>
@@ -114,7 +114,7 @@
 </file>
 
 <file path=ppt/slideLayouts/slideLayout1.xml><?xml version="1.0" encoding="utf-8"?>
-<p:sldLayout xmlns:p="http://schemas.openxmlformats.org/presentationml/2006/main" xmlns:a="http://schemas.openxmlformats.org/drawingml/2006/main" xmlns:r="http://schemas.openxmlformats.org/officeDocument/2006/relationships" xmlns:mc="http://schemas.openxmlformats.org/markup-compatibility/2006" xmlns:c="http://schemas.openxmlformats.org/drawingml/2006/chart" xmlns:ns6="http://schemas.openxmlformats.org/drawingml/2006/chartDrawing" xmlns:dgm="http://schemas.openxmlformats.org/drawingml/2006/diagram" xmlns:pic="http://schemas.openxmlformats.org/drawingml/2006/picture" xmlns:wp="http://schemas.openxmlformats.org/drawingml/2006/wordprocessingDrawing" xmlns:xdr="http://schemas.openxmlformats.org/drawingml/2006/spreadsheetDrawing" xmlns:ns11="http://schemas.openxmlformats.org/drawingml/2006/compatibility" xmlns:ns12="http://schemas.openxmlformats.org/drawingml/2006/lockedCanvas" type="title" preserve="true">
+<p:sldLayout xmlns:a="http://schemas.openxmlformats.org/drawingml/2006/main" xmlns:r="http://schemas.openxmlformats.org/officeDocument/2006/relationships" xmlns:p="http://schemas.openxmlformats.org/presentationml/2006/main" xmlns:mc="http://schemas.openxmlformats.org/markup-compatibility/2006" xmlns:c="http://schemas.openxmlformats.org/drawingml/2006/chart" xmlns:ns6="http://schemas.openxmlformats.org/drawingml/2006/chartDrawing" xmlns:dgm="http://schemas.openxmlformats.org/drawingml/2006/diagram" xmlns:pic="http://schemas.openxmlformats.org/drawingml/2006/picture" xmlns:wp="http://schemas.openxmlformats.org/drawingml/2006/wordprocessingDrawing" xmlns:xdr="http://schemas.openxmlformats.org/drawingml/2006/spreadsheetDrawing" xmlns:ns11="http://schemas.openxmlformats.org/drawingml/2006/compatibility" xmlns:ns12="http://schemas.openxmlformats.org/drawingml/2006/lockedCanvas" type="title" preserve="true">
   <p:cSld name="Title Slide">
     <p:spTree>
       <p:nvGrpSpPr>
@@ -313,7 +313,7 @@
 </file>
 
 <file path=ppt/slideLayouts/slideLayout10.xml><?xml version="1.0" encoding="utf-8"?>
-<p:sldLayout xmlns:p="http://schemas.openxmlformats.org/presentationml/2006/main" xmlns:a="http://schemas.openxmlformats.org/drawingml/2006/main" xmlns:r="http://schemas.openxmlformats.org/officeDocument/2006/relationships" xmlns:mc="http://schemas.openxmlformats.org/markup-compatibility/2006" xmlns:c="http://schemas.openxmlformats.org/drawingml/2006/chart" xmlns:ns6="http://schemas.openxmlformats.org/drawingml/2006/chartDrawing" xmlns:dgm="http://schemas.openxmlformats.org/drawingml/2006/diagram" xmlns:pic="http://schemas.openxmlformats.org/drawingml/2006/picture" xmlns:wp="http://schemas.openxmlformats.org/drawingml/2006/wordprocessingDrawing" xmlns:xdr="http://schemas.openxmlformats.org/drawingml/2006/spreadsheetDrawing" xmlns:ns11="http://schemas.openxmlformats.org/drawingml/2006/compatibility" xmlns:ns12="http://schemas.openxmlformats.org/drawingml/2006/lockedCanvas" type="vertTitleAndTx" preserve="true">
+<p:sldLayout xmlns:a="http://schemas.openxmlformats.org/drawingml/2006/main" xmlns:r="http://schemas.openxmlformats.org/officeDocument/2006/relationships" xmlns:p="http://schemas.openxmlformats.org/presentationml/2006/main" xmlns:mc="http://schemas.openxmlformats.org/markup-compatibility/2006" xmlns:c="http://schemas.openxmlformats.org/drawingml/2006/chart" xmlns:ns6="http://schemas.openxmlformats.org/drawingml/2006/chartDrawing" xmlns:dgm="http://schemas.openxmlformats.org/drawingml/2006/diagram" xmlns:pic="http://schemas.openxmlformats.org/drawingml/2006/picture" xmlns:wp="http://schemas.openxmlformats.org/drawingml/2006/wordprocessingDrawing" xmlns:xdr="http://schemas.openxmlformats.org/drawingml/2006/spreadsheetDrawing" xmlns:ns11="http://schemas.openxmlformats.org/drawingml/2006/compatibility" xmlns:ns12="http://schemas.openxmlformats.org/drawingml/2006/lockedCanvas" type="vertTitleAndTx" preserve="true">
   <p:cSld name="Vertical Title and Text">
     <p:spTree>
       <p:nvGrpSpPr>
@@ -500,7 +500,7 @@
 </file>
 
 <file path=ppt/slideLayouts/slideLayout2.xml><?xml version="1.0" encoding="utf-8"?>
-<p:sldLayout xmlns:p="http://schemas.openxmlformats.org/presentationml/2006/main" xmlns:a="http://schemas.openxmlformats.org/drawingml/2006/main" xmlns:r="http://schemas.openxmlformats.org/officeDocument/2006/relationships" xmlns:mc="http://schemas.openxmlformats.org/markup-compatibility/2006" xmlns:c="http://schemas.openxmlformats.org/drawingml/2006/chart" xmlns:ns6="http://schemas.openxmlformats.org/drawingml/2006/chartDrawing" xmlns:dgm="http://schemas.openxmlformats.org/drawingml/2006/diagram" xmlns:pic="http://schemas.openxmlformats.org/drawingml/2006/picture" xmlns:wp="http://schemas.openxmlformats.org/drawingml/2006/wordprocessingDrawing" xmlns:xdr="http://schemas.openxmlformats.org/drawingml/2006/spreadsheetDrawing" xmlns:ns11="http://schemas.openxmlformats.org/drawingml/2006/compatibility" xmlns:ns12="http://schemas.openxmlformats.org/drawingml/2006/lockedCanvas" type="obj" preserve="true">
+<p:sldLayout xmlns:a="http://schemas.openxmlformats.org/drawingml/2006/main" xmlns:r="http://schemas.openxmlformats.org/officeDocument/2006/relationships" xmlns:p="http://schemas.openxmlformats.org/presentationml/2006/main" xmlns:mc="http://schemas.openxmlformats.org/markup-compatibility/2006" xmlns:c="http://schemas.openxmlformats.org/drawingml/2006/chart" xmlns:ns6="http://schemas.openxmlformats.org/drawingml/2006/chartDrawing" xmlns:dgm="http://schemas.openxmlformats.org/drawingml/2006/diagram" xmlns:pic="http://schemas.openxmlformats.org/drawingml/2006/picture" xmlns:wp="http://schemas.openxmlformats.org/drawingml/2006/wordprocessingDrawing" xmlns:xdr="http://schemas.openxmlformats.org/drawingml/2006/spreadsheetDrawing" xmlns:ns11="http://schemas.openxmlformats.org/drawingml/2006/compatibility" xmlns:ns12="http://schemas.openxmlformats.org/drawingml/2006/lockedCanvas" type="obj" preserve="true">
   <p:cSld name="Title and Content">
     <p:spTree>
       <p:nvGrpSpPr>
@@ -682,7 +682,7 @@
 </file>
 
 <file path=ppt/slideLayouts/slideLayout3.xml><?xml version="1.0" encoding="utf-8"?>
-<p:sldLayout xmlns:p="http://schemas.openxmlformats.org/presentationml/2006/main" xmlns:a="http://schemas.openxmlformats.org/drawingml/2006/main" xmlns:r="http://schemas.openxmlformats.org/officeDocument/2006/relationships" xmlns:mc="http://schemas.openxmlformats.org/markup-compatibility/2006" xmlns:c="http://schemas.openxmlformats.org/drawingml/2006/chart" xmlns:ns6="http://schemas.openxmlformats.org/drawingml/2006/chartDrawing" xmlns:dgm="http://schemas.openxmlformats.org/drawingml/2006/diagram" xmlns:pic="http://schemas.openxmlformats.org/drawingml/2006/picture" xmlns:wp="http://schemas.openxmlformats.org/drawingml/2006/wordprocessingDrawing" xmlns:xdr="http://schemas.openxmlformats.org/drawingml/2006/spreadsheetDrawing" xmlns:ns11="http://schemas.openxmlformats.org/drawingml/2006/compatibility" xmlns:ns12="http://schemas.openxmlformats.org/drawingml/2006/lockedCanvas" type="secHead" preserve="true">
+<p:sldLayout xmlns:a="http://schemas.openxmlformats.org/drawingml/2006/main" xmlns:r="http://schemas.openxmlformats.org/officeDocument/2006/relationships" xmlns:p="http://schemas.openxmlformats.org/presentationml/2006/main" xmlns:mc="http://schemas.openxmlformats.org/markup-compatibility/2006" xmlns:c="http://schemas.openxmlformats.org/drawingml/2006/chart" xmlns:ns6="http://schemas.openxmlformats.org/drawingml/2006/chartDrawing" xmlns:dgm="http://schemas.openxmlformats.org/drawingml/2006/diagram" xmlns:pic="http://schemas.openxmlformats.org/drawingml/2006/picture" xmlns:wp="http://schemas.openxmlformats.org/drawingml/2006/wordprocessingDrawing" xmlns:xdr="http://schemas.openxmlformats.org/drawingml/2006/spreadsheetDrawing" xmlns:ns11="http://schemas.openxmlformats.org/drawingml/2006/compatibility" xmlns:ns12="http://schemas.openxmlformats.org/drawingml/2006/lockedCanvas" type="secHead" preserve="true">
   <p:cSld name="Section Header">
     <p:spTree>
       <p:nvGrpSpPr>
@@ -935,7 +935,7 @@
 </file>
 
 <file path=ppt/slideLayouts/slideLayout4.xml><?xml version="1.0" encoding="utf-8"?>
-<p:sldLayout xmlns:p="http://schemas.openxmlformats.org/presentationml/2006/main" xmlns:a="http://schemas.openxmlformats.org/drawingml/2006/main" xmlns:r="http://schemas.openxmlformats.org/officeDocument/2006/relationships" xmlns:mc="http://schemas.openxmlformats.org/markup-compatibility/2006" xmlns:c="http://schemas.openxmlformats.org/drawingml/2006/chart" xmlns:ns6="http://schemas.openxmlformats.org/drawingml/2006/chartDrawing" xmlns:dgm="http://schemas.openxmlformats.org/drawingml/2006/diagram" xmlns:pic="http://schemas.openxmlformats.org/drawingml/2006/picture" xmlns:wp="http://schemas.openxmlformats.org/drawingml/2006/wordprocessingDrawing" xmlns:xdr="http://schemas.openxmlformats.org/drawingml/2006/spreadsheetDrawing" xmlns:ns11="http://schemas.openxmlformats.org/drawingml/2006/compatibility" xmlns:ns12="http://schemas.openxmlformats.org/drawingml/2006/lockedCanvas" type="twoObj" preserve="true">
+<p:sldLayout xmlns:a="http://schemas.openxmlformats.org/drawingml/2006/main" xmlns:r="http://schemas.openxmlformats.org/officeDocument/2006/relationships" xmlns:p="http://schemas.openxmlformats.org/presentationml/2006/main" xmlns:mc="http://schemas.openxmlformats.org/markup-compatibility/2006" xmlns:c="http://schemas.openxmlformats.org/drawingml/2006/chart" xmlns:ns6="http://schemas.openxmlformats.org/drawingml/2006/chartDrawing" xmlns:dgm="http://schemas.openxmlformats.org/drawingml/2006/diagram" xmlns:pic="http://schemas.openxmlformats.org/drawingml/2006/picture" xmlns:wp="http://schemas.openxmlformats.org/drawingml/2006/wordprocessingDrawing" xmlns:xdr="http://schemas.openxmlformats.org/drawingml/2006/spreadsheetDrawing" xmlns:ns11="http://schemas.openxmlformats.org/drawingml/2006/compatibility" xmlns:ns12="http://schemas.openxmlformats.org/drawingml/2006/lockedCanvas" type="twoObj" preserve="true">
   <p:cSld name="Two Content">
     <p:spTree>
       <p:nvGrpSpPr>
@@ -1174,7 +1174,7 @@
 </file>
 
 <file path=ppt/slideLayouts/slideLayout5.xml><?xml version="1.0" encoding="utf-8"?>
-<p:sldLayout xmlns:p="http://schemas.openxmlformats.org/presentationml/2006/main" xmlns:a="http://schemas.openxmlformats.org/drawingml/2006/main" xmlns:r="http://schemas.openxmlformats.org/officeDocument/2006/relationships" xmlns:mc="http://schemas.openxmlformats.org/markup-compatibility/2006" xmlns:c="http://schemas.openxmlformats.org/drawingml/2006/chart" xmlns:ns6="http://schemas.openxmlformats.org/drawingml/2006/chartDrawing" xmlns:dgm="http://schemas.openxmlformats.org/drawingml/2006/diagram" xmlns:pic="http://schemas.openxmlformats.org/drawingml/2006/picture" xmlns:wp="http://schemas.openxmlformats.org/drawingml/2006/wordprocessingDrawing" xmlns:xdr="http://schemas.openxmlformats.org/drawingml/2006/spreadsheetDrawing" xmlns:ns11="http://schemas.openxmlformats.org/drawingml/2006/compatibility" xmlns:ns12="http://schemas.openxmlformats.org/drawingml/2006/lockedCanvas" type="twoTxTwoObj" preserve="true">
+<p:sldLayout xmlns:a="http://schemas.openxmlformats.org/drawingml/2006/main" xmlns:r="http://schemas.openxmlformats.org/officeDocument/2006/relationships" xmlns:p="http://schemas.openxmlformats.org/presentationml/2006/main" xmlns:mc="http://schemas.openxmlformats.org/markup-compatibility/2006" xmlns:c="http://schemas.openxmlformats.org/drawingml/2006/chart" xmlns:ns6="http://schemas.openxmlformats.org/drawingml/2006/chartDrawing" xmlns:dgm="http://schemas.openxmlformats.org/drawingml/2006/diagram" xmlns:pic="http://schemas.openxmlformats.org/drawingml/2006/picture" xmlns:wp="http://schemas.openxmlformats.org/drawingml/2006/wordprocessingDrawing" xmlns:xdr="http://schemas.openxmlformats.org/drawingml/2006/spreadsheetDrawing" xmlns:ns11="http://schemas.openxmlformats.org/drawingml/2006/compatibility" xmlns:ns12="http://schemas.openxmlformats.org/drawingml/2006/lockedCanvas" type="twoTxTwoObj" preserve="true">
   <p:cSld name="Comparison">
     <p:spTree>
       <p:nvGrpSpPr>
@@ -1529,7 +1529,7 @@
 </file>
 
 <file path=ppt/slideLayouts/slideLayout6.xml><?xml version="1.0" encoding="utf-8"?>
-<p:sldLayout xmlns:p="http://schemas.openxmlformats.org/presentationml/2006/main" xmlns:a="http://schemas.openxmlformats.org/drawingml/2006/main" xmlns:r="http://schemas.openxmlformats.org/officeDocument/2006/relationships" xmlns:mc="http://schemas.openxmlformats.org/markup-compatibility/2006" xmlns:c="http://schemas.openxmlformats.org/drawingml/2006/chart" xmlns:ns6="http://schemas.openxmlformats.org/drawingml/2006/chartDrawing" xmlns:dgm="http://schemas.openxmlformats.org/drawingml/2006/diagram" xmlns:pic="http://schemas.openxmlformats.org/drawingml/2006/picture" xmlns:wp="http://schemas.openxmlformats.org/drawingml/2006/wordprocessingDrawing" xmlns:xdr="http://schemas.openxmlformats.org/drawingml/2006/spreadsheetDrawing" xmlns:ns11="http://schemas.openxmlformats.org/drawingml/2006/compatibility" xmlns:ns12="http://schemas.openxmlformats.org/drawingml/2006/lockedCanvas" type="titleOnly" preserve="true">
+<p:sldLayout xmlns:a="http://schemas.openxmlformats.org/drawingml/2006/main" xmlns:r="http://schemas.openxmlformats.org/officeDocument/2006/relationships" xmlns:p="http://schemas.openxmlformats.org/presentationml/2006/main" xmlns:mc="http://schemas.openxmlformats.org/markup-compatibility/2006" xmlns:c="http://schemas.openxmlformats.org/drawingml/2006/chart" xmlns:ns6="http://schemas.openxmlformats.org/drawingml/2006/chartDrawing" xmlns:dgm="http://schemas.openxmlformats.org/drawingml/2006/diagram" xmlns:pic="http://schemas.openxmlformats.org/drawingml/2006/picture" xmlns:wp="http://schemas.openxmlformats.org/drawingml/2006/wordprocessingDrawing" xmlns:xdr="http://schemas.openxmlformats.org/drawingml/2006/spreadsheetDrawing" xmlns:ns11="http://schemas.openxmlformats.org/drawingml/2006/compatibility" xmlns:ns12="http://schemas.openxmlformats.org/drawingml/2006/lockedCanvas" type="titleOnly" preserve="true">
   <p:cSld name="Title Only">
     <p:spTree>
       <p:nvGrpSpPr>
@@ -1654,7 +1654,7 @@
 </file>
 
 <file path=ppt/slideLayouts/slideLayout7.xml><?xml version="1.0" encoding="utf-8"?>
-<p:sldLayout xmlns:p="http://schemas.openxmlformats.org/presentationml/2006/main" xmlns:a="http://schemas.openxmlformats.org/drawingml/2006/main" xmlns:r="http://schemas.openxmlformats.org/officeDocument/2006/relationships" xmlns:mc="http://schemas.openxmlformats.org/markup-compatibility/2006" xmlns:c="http://schemas.openxmlformats.org/drawingml/2006/chart" xmlns:ns6="http://schemas.openxmlformats.org/drawingml/2006/chartDrawing" xmlns:dgm="http://schemas.openxmlformats.org/drawingml/2006/diagram" xmlns:pic="http://schemas.openxmlformats.org/drawingml/2006/picture" xmlns:wp="http://schemas.openxmlformats.org/drawingml/2006/wordprocessingDrawing" xmlns:xdr="http://schemas.openxmlformats.org/drawingml/2006/spreadsheetDrawing" xmlns:ns11="http://schemas.openxmlformats.org/drawingml/2006/compatibility" xmlns:ns12="http://schemas.openxmlformats.org/drawingml/2006/lockedCanvas" type="blank" preserve="true">
+<p:sldLayout xmlns:a="http://schemas.openxmlformats.org/drawingml/2006/main" xmlns:r="http://schemas.openxmlformats.org/officeDocument/2006/relationships" xmlns:p="http://schemas.openxmlformats.org/presentationml/2006/main" xmlns:mc="http://schemas.openxmlformats.org/markup-compatibility/2006" xmlns:c="http://schemas.openxmlformats.org/drawingml/2006/chart" xmlns:ns6="http://schemas.openxmlformats.org/drawingml/2006/chartDrawing" xmlns:dgm="http://schemas.openxmlformats.org/drawingml/2006/diagram" xmlns:pic="http://schemas.openxmlformats.org/drawingml/2006/picture" xmlns:wp="http://schemas.openxmlformats.org/drawingml/2006/wordprocessingDrawing" xmlns:xdr="http://schemas.openxmlformats.org/drawingml/2006/spreadsheetDrawing" xmlns:ns11="http://schemas.openxmlformats.org/drawingml/2006/compatibility" xmlns:ns12="http://schemas.openxmlformats.org/drawingml/2006/lockedCanvas" type="blank" preserve="true">
   <p:cSld name="Blank">
     <p:spTree>
       <p:nvGrpSpPr>
@@ -1756,7 +1756,7 @@
 </file>
 
 <file path=ppt/slideLayouts/slideLayout8.xml><?xml version="1.0" encoding="utf-8"?>
-<p:sldLayout xmlns:p="http://schemas.openxmlformats.org/presentationml/2006/main" xmlns:a="http://schemas.openxmlformats.org/drawingml/2006/main" xmlns:r="http://schemas.openxmlformats.org/officeDocument/2006/relationships" xmlns:mc="http://schemas.openxmlformats.org/markup-compatibility/2006" xmlns:c="http://schemas.openxmlformats.org/drawingml/2006/chart" xmlns:ns6="http://schemas.openxmlformats.org/drawingml/2006/chartDrawing" xmlns:dgm="http://schemas.openxmlformats.org/drawingml/2006/diagram" xmlns:pic="http://schemas.openxmlformats.org/drawingml/2006/picture" xmlns:wp="http://schemas.openxmlformats.org/drawingml/2006/wordprocessingDrawing" xmlns:xdr="http://schemas.openxmlformats.org/drawingml/2006/spreadsheetDrawing" xmlns:ns11="http://schemas.openxmlformats.org/drawingml/2006/compatibility" xmlns:ns12="http://schemas.openxmlformats.org/drawingml/2006/lockedCanvas" type="objTx" preserve="true">
+<p:sldLayout xmlns:a="http://schemas.openxmlformats.org/drawingml/2006/main" xmlns:r="http://schemas.openxmlformats.org/officeDocument/2006/relationships" xmlns:p="http://schemas.openxmlformats.org/presentationml/2006/main" xmlns:mc="http://schemas.openxmlformats.org/markup-compatibility/2006" xmlns:c="http://schemas.openxmlformats.org/drawingml/2006/chart" xmlns:ns6="http://schemas.openxmlformats.org/drawingml/2006/chartDrawing" xmlns:dgm="http://schemas.openxmlformats.org/drawingml/2006/diagram" xmlns:pic="http://schemas.openxmlformats.org/drawingml/2006/picture" xmlns:wp="http://schemas.openxmlformats.org/drawingml/2006/wordprocessingDrawing" xmlns:xdr="http://schemas.openxmlformats.org/drawingml/2006/spreadsheetDrawing" xmlns:ns11="http://schemas.openxmlformats.org/drawingml/2006/compatibility" xmlns:ns12="http://schemas.openxmlformats.org/drawingml/2006/lockedCanvas" type="objTx" preserve="true">
   <p:cSld name="Content with Caption">
     <p:spTree>
       <p:nvGrpSpPr>
@@ -2040,7 +2040,7 @@
 </file>
 
 <file path=ppt/slideLayouts/slideLayout9.xml><?xml version="1.0" encoding="utf-8"?>
-<p:sldLayout xmlns:p="http://schemas.openxmlformats.org/presentationml/2006/main" xmlns:a="http://schemas.openxmlformats.org/drawingml/2006/main" xmlns:r="http://schemas.openxmlformats.org/officeDocument/2006/relationships" xmlns:mc="http://schemas.openxmlformats.org/markup-compatibility/2006" xmlns:c="http://schemas.openxmlformats.org/drawingml/2006/chart" xmlns:ns6="http://schemas.openxmlformats.org/drawingml/2006/chartDrawing" xmlns:dgm="http://schemas.openxmlformats.org/drawingml/2006/diagram" xmlns:pic="http://schemas.openxmlformats.org/drawingml/2006/picture" xmlns:wp="http://schemas.openxmlformats.org/drawingml/2006/wordprocessingDrawing" xmlns:xdr="http://schemas.openxmlformats.org/drawingml/2006/spreadsheetDrawing" xmlns:ns11="http://schemas.openxmlformats.org/drawingml/2006/compatibility" xmlns:ns12="http://schemas.openxmlformats.org/drawingml/2006/lockedCanvas" type="vertTx" preserve="true">
+<p:sldLayout xmlns:a="http://schemas.openxmlformats.org/drawingml/2006/main" xmlns:r="http://schemas.openxmlformats.org/officeDocument/2006/relationships" xmlns:p="http://schemas.openxmlformats.org/presentationml/2006/main" xmlns:mc="http://schemas.openxmlformats.org/markup-compatibility/2006" xmlns:c="http://schemas.openxmlformats.org/drawingml/2006/chart" xmlns:ns6="http://schemas.openxmlformats.org/drawingml/2006/chartDrawing" xmlns:dgm="http://schemas.openxmlformats.org/drawingml/2006/diagram" xmlns:pic="http://schemas.openxmlformats.org/drawingml/2006/picture" xmlns:wp="http://schemas.openxmlformats.org/drawingml/2006/wordprocessingDrawing" xmlns:xdr="http://schemas.openxmlformats.org/drawingml/2006/spreadsheetDrawing" xmlns:ns11="http://schemas.openxmlformats.org/drawingml/2006/compatibility" xmlns:ns12="http://schemas.openxmlformats.org/drawingml/2006/lockedCanvas" type="vertTx" preserve="true">
   <p:cSld name="Title and Vertical Text">
     <p:spTree>
       <p:nvGrpSpPr>
@@ -2217,7 +2217,7 @@
 </file>
 
 <file path=ppt/slideMasters/slideMaster1.xml><?xml version="1.0" encoding="utf-8"?>
-<p:sldMaster xmlns:p="http://schemas.openxmlformats.org/presentationml/2006/main" xmlns:a="http://schemas.openxmlformats.org/drawingml/2006/main" xmlns:r="http://schemas.openxmlformats.org/officeDocument/2006/relationships" xmlns:mc="http://schemas.openxmlformats.org/markup-compatibility/2006" xmlns:c="http://schemas.openxmlformats.org/drawingml/2006/chart" xmlns:ns6="http://schemas.openxmlformats.org/drawingml/2006/chartDrawing" xmlns:dgm="http://schemas.openxmlformats.org/drawingml/2006/diagram" xmlns:pic="http://schemas.openxmlformats.org/drawingml/2006/picture" xmlns:wp="http://schemas.openxmlformats.org/drawingml/2006/wordprocessingDrawing" xmlns:xdr="http://schemas.openxmlformats.org/drawingml/2006/spreadsheetDrawing" xmlns:ns11="http://schemas.openxmlformats.org/drawingml/2006/compatibility" xmlns:ns12="http://schemas.openxmlformats.org/drawingml/2006/lockedCanvas">
+<p:sldMaster xmlns:a="http://schemas.openxmlformats.org/drawingml/2006/main" xmlns:r="http://schemas.openxmlformats.org/officeDocument/2006/relationships" xmlns:p="http://schemas.openxmlformats.org/presentationml/2006/main" xmlns:mc="http://schemas.openxmlformats.org/markup-compatibility/2006" xmlns:c="http://schemas.openxmlformats.org/drawingml/2006/chart" xmlns:ns6="http://schemas.openxmlformats.org/drawingml/2006/chartDrawing" xmlns:dgm="http://schemas.openxmlformats.org/drawingml/2006/diagram" xmlns:pic="http://schemas.openxmlformats.org/drawingml/2006/picture" xmlns:wp="http://schemas.openxmlformats.org/drawingml/2006/wordprocessingDrawing" xmlns:xdr="http://schemas.openxmlformats.org/drawingml/2006/spreadsheetDrawing" xmlns:ns11="http://schemas.openxmlformats.org/drawingml/2006/compatibility" xmlns:ns12="http://schemas.openxmlformats.org/drawingml/2006/lockedCanvas">
   <p:cSld>
     <p:bg>
       <p:bgRef idx="1001">
@@ -2763,7 +2763,7 @@
 </file>
 
 <file path=ppt/slides/slide1.xml><?xml version="1.0" encoding="utf-8"?>
-<p:sld xmlns:p="http://schemas.openxmlformats.org/presentationml/2006/main" xmlns:a="http://schemas.openxmlformats.org/drawingml/2006/main" xmlns:r="http://schemas.openxmlformats.org/officeDocument/2006/relationships" xmlns:mc="http://schemas.openxmlformats.org/markup-compatibility/2006" xmlns:c="http://schemas.openxmlformats.org/drawingml/2006/chart" xmlns:ns6="http://schemas.openxmlformats.org/drawingml/2006/chartDrawing" xmlns:dgm="http://schemas.openxmlformats.org/drawingml/2006/diagram" xmlns:pic="http://schemas.openxmlformats.org/drawingml/2006/picture" xmlns:wp="http://schemas.openxmlformats.org/drawingml/2006/wordprocessingDrawing" xmlns:xdr="http://schemas.openxmlformats.org/drawingml/2006/spreadsheetDrawing" xmlns:ns11="http://schemas.openxmlformats.org/drawingml/2006/compatibility" xmlns:ns12="http://schemas.openxmlformats.org/drawingml/2006/lockedCanvas">
+<p:sld xmlns:a="http://schemas.openxmlformats.org/drawingml/2006/main" xmlns:r="http://schemas.openxmlformats.org/officeDocument/2006/relationships" xmlns:p="http://schemas.openxmlformats.org/presentationml/2006/main" xmlns:mc="http://schemas.openxmlformats.org/markup-compatibility/2006" xmlns:c="http://schemas.openxmlformats.org/drawingml/2006/chart" xmlns:ns6="http://schemas.openxmlformats.org/drawingml/2006/chartDrawing" xmlns:dgm="http://schemas.openxmlformats.org/drawingml/2006/diagram" xmlns:pic="http://schemas.openxmlformats.org/drawingml/2006/picture" xmlns:wp="http://schemas.openxmlformats.org/drawingml/2006/wordprocessingDrawing" xmlns:xdr="http://schemas.openxmlformats.org/drawingml/2006/spreadsheetDrawing" xmlns:ns11="http://schemas.openxmlformats.org/drawingml/2006/compatibility" xmlns:ns12="http://schemas.openxmlformats.org/drawingml/2006/lockedCanvas">
   <p:cSld>
     <p:spTree>
       <p:nvGrpSpPr>
@@ -7130,7 +7130,7 @@
 </file>
 
 <file path=ppt/slides/slide2.xml><?xml version="1.0" encoding="utf-8"?>
-<p:sld xmlns:p="http://schemas.openxmlformats.org/presentationml/2006/main" xmlns:a="http://schemas.openxmlformats.org/drawingml/2006/main" xmlns:r="http://schemas.openxmlformats.org/officeDocument/2006/relationships" xmlns:mc="http://schemas.openxmlformats.org/markup-compatibility/2006" xmlns:c="http://schemas.openxmlformats.org/drawingml/2006/chart" xmlns:ns6="http://schemas.openxmlformats.org/drawingml/2006/chartDrawing" xmlns:dgm="http://schemas.openxmlformats.org/drawingml/2006/diagram" xmlns:pic="http://schemas.openxmlformats.org/drawingml/2006/picture" xmlns:wp="http://schemas.openxmlformats.org/drawingml/2006/wordprocessingDrawing" xmlns:xdr="http://schemas.openxmlformats.org/drawingml/2006/spreadsheetDrawing" xmlns:ns11="http://schemas.openxmlformats.org/drawingml/2006/compatibility" xmlns:ns12="http://schemas.openxmlformats.org/drawingml/2006/lockedCanvas">
+<p:sld xmlns:a="http://schemas.openxmlformats.org/drawingml/2006/main" xmlns:r="http://schemas.openxmlformats.org/officeDocument/2006/relationships" xmlns:p="http://schemas.openxmlformats.org/presentationml/2006/main" xmlns:mc="http://schemas.openxmlformats.org/markup-compatibility/2006" xmlns:c="http://schemas.openxmlformats.org/drawingml/2006/chart" xmlns:ns6="http://schemas.openxmlformats.org/drawingml/2006/chartDrawing" xmlns:dgm="http://schemas.openxmlformats.org/drawingml/2006/diagram" xmlns:pic="http://schemas.openxmlformats.org/drawingml/2006/picture" xmlns:wp="http://schemas.openxmlformats.org/drawingml/2006/wordprocessingDrawing" xmlns:xdr="http://schemas.openxmlformats.org/drawingml/2006/spreadsheetDrawing" xmlns:ns11="http://schemas.openxmlformats.org/drawingml/2006/compatibility" xmlns:ns12="http://schemas.openxmlformats.org/drawingml/2006/lockedCanvas">
   <p:cSld>
     <p:spTree>
       <p:nvGrpSpPr>
@@ -7688,8 +7688,8 @@
           </p:nvSpPr>
           <p:spPr>
             <a:xfrm rot="-5400000">
-              <a:off x="1243511" y="5248744"/>
-              <a:ext cx="70804" cy="90884"/>
+              <a:off x="1243523" y="5248756"/>
+              <a:ext cx="70804" cy="90859"/>
             </a:xfrm>
             <a:prstGeom prst="rect">
               <a:avLst/>
@@ -7734,8 +7734,8 @@
           </p:nvSpPr>
           <p:spPr>
             <a:xfrm rot="-5400000">
-              <a:off x="1244205" y="4554129"/>
-              <a:ext cx="70804" cy="89495"/>
+              <a:off x="1244171" y="4554095"/>
+              <a:ext cx="70804" cy="89563"/>
             </a:xfrm>
             <a:prstGeom prst="rect">
               <a:avLst/>
@@ -7780,8 +7780,8 @@
           </p:nvSpPr>
           <p:spPr>
             <a:xfrm rot="-5400000">
-              <a:off x="1244404" y="3859018"/>
-              <a:ext cx="70804" cy="89098"/>
+              <a:off x="1244410" y="3859024"/>
+              <a:ext cx="70804" cy="89086"/>
             </a:xfrm>
             <a:prstGeom prst="rect">
               <a:avLst/>
@@ -7826,8 +7826,8 @@
           </p:nvSpPr>
           <p:spPr>
             <a:xfrm rot="-5400000">
-              <a:off x="1243511" y="3162816"/>
-              <a:ext cx="70804" cy="90884"/>
+              <a:off x="1243557" y="3162862"/>
+              <a:ext cx="70804" cy="90791"/>
             </a:xfrm>
             <a:prstGeom prst="rect">
               <a:avLst/>
@@ -7872,8 +7872,8 @@
           </p:nvSpPr>
           <p:spPr>
             <a:xfrm rot="-5400000">
-              <a:off x="1243511" y="2467506"/>
-              <a:ext cx="70804" cy="90884"/>
+              <a:off x="1243523" y="2467519"/>
+              <a:ext cx="70804" cy="90859"/>
             </a:xfrm>
             <a:prstGeom prst="rect">
               <a:avLst/>
